--- a/Documentación/Presentaciones PPT/Tesis 2 - Mendez Presentación.pptx
+++ b/Documentación/Presentaciones PPT/Tesis 2 - Mendez Presentación.pptx
@@ -9,7 +9,7 @@
     <p:sldMasterId id="2147483810" r:id="rId5"/>
   </p:sldMasterIdLst>
   <p:notesMasterIdLst>
-    <p:notesMasterId r:id="rId22"/>
+    <p:notesMasterId r:id="rId23"/>
   </p:notesMasterIdLst>
   <p:sldIdLst>
     <p:sldId id="257" r:id="rId6"/>
@@ -27,7 +27,8 @@
     <p:sldId id="273" r:id="rId18"/>
     <p:sldId id="276" r:id="rId19"/>
     <p:sldId id="290" r:id="rId20"/>
-    <p:sldId id="289" r:id="rId21"/>
+    <p:sldId id="291" r:id="rId21"/>
+    <p:sldId id="289" r:id="rId22"/>
   </p:sldIdLst>
   <p:sldSz cx="9144000" cy="6858000" type="screen4x3"/>
   <p:notesSz cx="6858000" cy="9144000"/>
@@ -4858,22 +4859,22 @@
     </dgm:pt>
   </dgm:ptLst>
   <dgm:cxnLst>
+    <dgm:cxn modelId="{78C0F103-0BC0-46BC-BBBC-D58341736E99}" type="presOf" srcId="{5D56325C-A28C-4982-810F-F3CCECEC2E7D}" destId="{3C682040-43AF-4BE8-950E-E13003E6C6C7}" srcOrd="0" destOrd="0" presId="urn:microsoft.com/office/officeart/2005/8/layout/list1"/>
+    <dgm:cxn modelId="{2206174B-0967-4701-B7BB-572D079B3A22}" srcId="{3BFDB7AE-EA70-4208-99E4-6652F73E09AF}" destId="{5D56325C-A28C-4982-810F-F3CCECEC2E7D}" srcOrd="0" destOrd="0" parTransId="{5D99972C-BEA3-4759-BAAC-F0514ABC1FE1}" sibTransId="{ECCC7701-505F-42F0-B3C4-E9890A7BB77B}"/>
+    <dgm:cxn modelId="{C611089B-F9C4-4CB8-A2DC-4A6E2B8ECF02}" srcId="{924689B8-E4E2-4802-BC6B-5B17E3AC8DDF}" destId="{A43E1EE4-EA84-469B-B8E9-F87184BCD406}" srcOrd="0" destOrd="0" parTransId="{B5EEE765-35D4-4DF0-BFEC-78B63BE24D65}" sibTransId="{DFDEAEA3-03A5-44E8-ACA1-35C31669F285}"/>
+    <dgm:cxn modelId="{FB20BC1E-834C-48C0-BD4E-04A5E0873844}" srcId="{4D5D3E7B-9F50-4387-AFBC-12316FB9B2E8}" destId="{4C11F0D3-B1D8-41E5-B4ED-D28D5406ED7A}" srcOrd="0" destOrd="0" parTransId="{C60CEBD2-531F-45D5-9CB2-1FBB715F4879}" sibTransId="{A1BF3405-CB09-4D5F-AAD9-E76A127FDC0C}"/>
+    <dgm:cxn modelId="{4219486A-1AA6-4D7C-8DCD-F38DE310E10B}" type="presOf" srcId="{924689B8-E4E2-4802-BC6B-5B17E3AC8DDF}" destId="{E2ADE456-C079-4778-88D3-2ABF030BE345}" srcOrd="0" destOrd="0" presId="urn:microsoft.com/office/officeart/2005/8/layout/list1"/>
+    <dgm:cxn modelId="{26882D24-1258-440C-9950-32BA7E116E89}" type="presOf" srcId="{A43E1EE4-EA84-469B-B8E9-F87184BCD406}" destId="{FC04ED5C-48CE-49A3-98DF-4CA3B004B014}" srcOrd="0" destOrd="0" presId="urn:microsoft.com/office/officeart/2005/8/layout/list1"/>
+    <dgm:cxn modelId="{108E09CC-8703-4C9A-9F4C-239B367EEF86}" type="presOf" srcId="{3BFDB7AE-EA70-4208-99E4-6652F73E09AF}" destId="{501DDC76-9B9F-4697-8027-10EB121BC8A9}" srcOrd="1" destOrd="0" presId="urn:microsoft.com/office/officeart/2005/8/layout/list1"/>
+    <dgm:cxn modelId="{5D020E2A-D409-452B-ABB3-0EFE3A92652C}" type="presOf" srcId="{4C11F0D3-B1D8-41E5-B4ED-D28D5406ED7A}" destId="{C94856A0-C8B1-4244-B645-C266926A0AAB}" srcOrd="0" destOrd="0" presId="urn:microsoft.com/office/officeart/2005/8/layout/list1"/>
+    <dgm:cxn modelId="{9738BE00-F026-4DB2-B7F4-EA1061D3A7FF}" type="presOf" srcId="{3BFDB7AE-EA70-4208-99E4-6652F73E09AF}" destId="{0F91977E-FD5F-4F09-AD28-B3380115D8C3}" srcOrd="0" destOrd="0" presId="urn:microsoft.com/office/officeart/2005/8/layout/list1"/>
+    <dgm:cxn modelId="{D348ABC0-E7C5-475A-B6F1-B134560759E1}" type="presOf" srcId="{4D5D3E7B-9F50-4387-AFBC-12316FB9B2E8}" destId="{F126904A-86E7-4DEB-A715-98702053D074}" srcOrd="0" destOrd="0" presId="urn:microsoft.com/office/officeart/2005/8/layout/list1"/>
+    <dgm:cxn modelId="{3B487C66-25D7-4E41-A5C2-F42C47637A7A}" type="presOf" srcId="{924689B8-E4E2-4802-BC6B-5B17E3AC8DDF}" destId="{E74DBF66-3AE1-4F14-A029-A5F2D0C36F78}" srcOrd="1" destOrd="0" presId="urn:microsoft.com/office/officeart/2005/8/layout/list1"/>
+    <dgm:cxn modelId="{A1CD1BE4-A834-4463-86D1-583A19E39584}" type="presOf" srcId="{9BF01063-3BAB-4F4D-ADE8-387A89D22F7C}" destId="{159D9149-F9AA-45E8-ABA6-7AC56A21C1F8}" srcOrd="0" destOrd="0" presId="urn:microsoft.com/office/officeart/2005/8/layout/list1"/>
+    <dgm:cxn modelId="{DED07964-2F3D-434B-8896-63F590AFB3D4}" srcId="{9BF01063-3BAB-4F4D-ADE8-387A89D22F7C}" destId="{4D5D3E7B-9F50-4387-AFBC-12316FB9B2E8}" srcOrd="0" destOrd="0" parTransId="{4B140464-D0A6-4FE6-BFF1-D92A0DD7F2F3}" sibTransId="{86595B4C-0A5C-4BD5-A6B3-FDB543D91B73}"/>
+    <dgm:cxn modelId="{E344A32A-539A-4B7E-ACFA-95DEF5620BA5}" srcId="{9BF01063-3BAB-4F4D-ADE8-387A89D22F7C}" destId="{3BFDB7AE-EA70-4208-99E4-6652F73E09AF}" srcOrd="1" destOrd="0" parTransId="{54A7580C-2761-4683-A631-30A94395D65A}" sibTransId="{9EFD2A57-70D2-4814-9534-F69C1AAF4BEC}"/>
+    <dgm:cxn modelId="{418BDB1E-B14B-41A7-9D8C-9C6887C8BC7F}" type="presOf" srcId="{4D5D3E7B-9F50-4387-AFBC-12316FB9B2E8}" destId="{15417C44-1630-41CC-AC5B-95723803EAAC}" srcOrd="1" destOrd="0" presId="urn:microsoft.com/office/officeart/2005/8/layout/list1"/>
     <dgm:cxn modelId="{5BEF8FBD-F7BC-444D-94D8-BB8E5A82AA43}" srcId="{9BF01063-3BAB-4F4D-ADE8-387A89D22F7C}" destId="{924689B8-E4E2-4802-BC6B-5B17E3AC8DDF}" srcOrd="2" destOrd="0" parTransId="{670CB166-EC54-4ECF-99EE-166A3C70F39E}" sibTransId="{A9E69FD6-91A0-40D3-96F5-93981AACB6C2}"/>
-    <dgm:cxn modelId="{4219486A-1AA6-4D7C-8DCD-F38DE310E10B}" type="presOf" srcId="{924689B8-E4E2-4802-BC6B-5B17E3AC8DDF}" destId="{E2ADE456-C079-4778-88D3-2ABF030BE345}" srcOrd="0" destOrd="0" presId="urn:microsoft.com/office/officeart/2005/8/layout/list1"/>
-    <dgm:cxn modelId="{A1CD1BE4-A834-4463-86D1-583A19E39584}" type="presOf" srcId="{9BF01063-3BAB-4F4D-ADE8-387A89D22F7C}" destId="{159D9149-F9AA-45E8-ABA6-7AC56A21C1F8}" srcOrd="0" destOrd="0" presId="urn:microsoft.com/office/officeart/2005/8/layout/list1"/>
-    <dgm:cxn modelId="{5D020E2A-D409-452B-ABB3-0EFE3A92652C}" type="presOf" srcId="{4C11F0D3-B1D8-41E5-B4ED-D28D5406ED7A}" destId="{C94856A0-C8B1-4244-B645-C266926A0AAB}" srcOrd="0" destOrd="0" presId="urn:microsoft.com/office/officeart/2005/8/layout/list1"/>
-    <dgm:cxn modelId="{FB20BC1E-834C-48C0-BD4E-04A5E0873844}" srcId="{4D5D3E7B-9F50-4387-AFBC-12316FB9B2E8}" destId="{4C11F0D3-B1D8-41E5-B4ED-D28D5406ED7A}" srcOrd="0" destOrd="0" parTransId="{C60CEBD2-531F-45D5-9CB2-1FBB715F4879}" sibTransId="{A1BF3405-CB09-4D5F-AAD9-E76A127FDC0C}"/>
-    <dgm:cxn modelId="{9738BE00-F026-4DB2-B7F4-EA1061D3A7FF}" type="presOf" srcId="{3BFDB7AE-EA70-4208-99E4-6652F73E09AF}" destId="{0F91977E-FD5F-4F09-AD28-B3380115D8C3}" srcOrd="0" destOrd="0" presId="urn:microsoft.com/office/officeart/2005/8/layout/list1"/>
-    <dgm:cxn modelId="{3B487C66-25D7-4E41-A5C2-F42C47637A7A}" type="presOf" srcId="{924689B8-E4E2-4802-BC6B-5B17E3AC8DDF}" destId="{E74DBF66-3AE1-4F14-A029-A5F2D0C36F78}" srcOrd="1" destOrd="0" presId="urn:microsoft.com/office/officeart/2005/8/layout/list1"/>
-    <dgm:cxn modelId="{26882D24-1258-440C-9950-32BA7E116E89}" type="presOf" srcId="{A43E1EE4-EA84-469B-B8E9-F87184BCD406}" destId="{FC04ED5C-48CE-49A3-98DF-4CA3B004B014}" srcOrd="0" destOrd="0" presId="urn:microsoft.com/office/officeart/2005/8/layout/list1"/>
-    <dgm:cxn modelId="{418BDB1E-B14B-41A7-9D8C-9C6887C8BC7F}" type="presOf" srcId="{4D5D3E7B-9F50-4387-AFBC-12316FB9B2E8}" destId="{15417C44-1630-41CC-AC5B-95723803EAAC}" srcOrd="1" destOrd="0" presId="urn:microsoft.com/office/officeart/2005/8/layout/list1"/>
-    <dgm:cxn modelId="{78C0F103-0BC0-46BC-BBBC-D58341736E99}" type="presOf" srcId="{5D56325C-A28C-4982-810F-F3CCECEC2E7D}" destId="{3C682040-43AF-4BE8-950E-E13003E6C6C7}" srcOrd="0" destOrd="0" presId="urn:microsoft.com/office/officeart/2005/8/layout/list1"/>
-    <dgm:cxn modelId="{E344A32A-539A-4B7E-ACFA-95DEF5620BA5}" srcId="{9BF01063-3BAB-4F4D-ADE8-387A89D22F7C}" destId="{3BFDB7AE-EA70-4208-99E4-6652F73E09AF}" srcOrd="1" destOrd="0" parTransId="{54A7580C-2761-4683-A631-30A94395D65A}" sibTransId="{9EFD2A57-70D2-4814-9534-F69C1AAF4BEC}"/>
-    <dgm:cxn modelId="{108E09CC-8703-4C9A-9F4C-239B367EEF86}" type="presOf" srcId="{3BFDB7AE-EA70-4208-99E4-6652F73E09AF}" destId="{501DDC76-9B9F-4697-8027-10EB121BC8A9}" srcOrd="1" destOrd="0" presId="urn:microsoft.com/office/officeart/2005/8/layout/list1"/>
-    <dgm:cxn modelId="{DED07964-2F3D-434B-8896-63F590AFB3D4}" srcId="{9BF01063-3BAB-4F4D-ADE8-387A89D22F7C}" destId="{4D5D3E7B-9F50-4387-AFBC-12316FB9B2E8}" srcOrd="0" destOrd="0" parTransId="{4B140464-D0A6-4FE6-BFF1-D92A0DD7F2F3}" sibTransId="{86595B4C-0A5C-4BD5-A6B3-FDB543D91B73}"/>
-    <dgm:cxn modelId="{2206174B-0967-4701-B7BB-572D079B3A22}" srcId="{3BFDB7AE-EA70-4208-99E4-6652F73E09AF}" destId="{5D56325C-A28C-4982-810F-F3CCECEC2E7D}" srcOrd="0" destOrd="0" parTransId="{5D99972C-BEA3-4759-BAAC-F0514ABC1FE1}" sibTransId="{ECCC7701-505F-42F0-B3C4-E9890A7BB77B}"/>
-    <dgm:cxn modelId="{D348ABC0-E7C5-475A-B6F1-B134560759E1}" type="presOf" srcId="{4D5D3E7B-9F50-4387-AFBC-12316FB9B2E8}" destId="{F126904A-86E7-4DEB-A715-98702053D074}" srcOrd="0" destOrd="0" presId="urn:microsoft.com/office/officeart/2005/8/layout/list1"/>
-    <dgm:cxn modelId="{C611089B-F9C4-4CB8-A2DC-4A6E2B8ECF02}" srcId="{924689B8-E4E2-4802-BC6B-5B17E3AC8DDF}" destId="{A43E1EE4-EA84-469B-B8E9-F87184BCD406}" srcOrd="0" destOrd="0" parTransId="{B5EEE765-35D4-4DF0-BFEC-78B63BE24D65}" sibTransId="{DFDEAEA3-03A5-44E8-ACA1-35C31669F285}"/>
     <dgm:cxn modelId="{BE00BBB3-1184-461B-97F7-D315BDD3D691}" type="presParOf" srcId="{159D9149-F9AA-45E8-ABA6-7AC56A21C1F8}" destId="{1063D51E-A931-450E-B6C9-26E16E6105C8}" srcOrd="0" destOrd="0" presId="urn:microsoft.com/office/officeart/2005/8/layout/list1"/>
     <dgm:cxn modelId="{79CF50A7-E302-42DE-B4FA-14593CA58892}" type="presParOf" srcId="{1063D51E-A931-450E-B6C9-26E16E6105C8}" destId="{F126904A-86E7-4DEB-A715-98702053D074}" srcOrd="0" destOrd="0" presId="urn:microsoft.com/office/officeart/2005/8/layout/list1"/>
     <dgm:cxn modelId="{3ABCB8CF-0045-4A73-BD75-619AA227F38A}" type="presParOf" srcId="{1063D51E-A931-450E-B6C9-26E16E6105C8}" destId="{15417C44-1630-41CC-AC5B-95723803EAAC}" srcOrd="1" destOrd="0" presId="urn:microsoft.com/office/officeart/2005/8/layout/list1"/>
@@ -15319,6 +15320,317 @@
       </p:grpSpPr>
       <p:sp>
         <p:nvSpPr>
+          <p:cNvPr id="26626" name="Rectangle 7"/>
+          <p:cNvSpPr>
+            <a:spLocks noGrp="1" noChangeArrowheads="1"/>
+          </p:cNvSpPr>
+          <p:nvPr>
+            <p:ph type="sldNum" sz="quarter" idx="5"/>
+          </p:nvPr>
+        </p:nvSpPr>
+        <p:spPr>
+          <a:noFill/>
+          <a:ln/>
+          <a:extLst>
+            <a:ext uri="{909E8E84-426E-40DD-AFC4-6F175D3DCCD1}">
+              <a14:hiddenFill xmlns:a14="http://schemas.microsoft.com/office/drawing/2010/main">
+                <a:solidFill>
+                  <a:srgbClr val="FFFFFF"/>
+                </a:solidFill>
+              </a14:hiddenFill>
+            </a:ext>
+            <a:ext uri="{91240B29-F687-4F45-9708-019B960494DF}">
+              <a14:hiddenLine xmlns:a14="http://schemas.microsoft.com/office/drawing/2010/main" w="9525">
+                <a:solidFill>
+                  <a:srgbClr val="000000"/>
+                </a:solidFill>
+                <a:miter lim="800000"/>
+                <a:headEnd/>
+                <a:tailEnd/>
+              </a14:hiddenLine>
+            </a:ext>
+          </a:extLst>
+        </p:spPr>
+        <p:txBody>
+          <a:bodyPr/>
+          <a:lstStyle>
+            <a:lvl1pPr eaLnBrk="0" hangingPunct="0">
+              <a:defRPr>
+                <a:solidFill>
+                  <a:schemeClr val="tx1"/>
+                </a:solidFill>
+                <a:latin typeface="Arial" charset="0"/>
+              </a:defRPr>
+            </a:lvl1pPr>
+            <a:lvl2pPr marL="742950" indent="-285750" eaLnBrk="0" hangingPunct="0">
+              <a:defRPr>
+                <a:solidFill>
+                  <a:schemeClr val="tx1"/>
+                </a:solidFill>
+                <a:latin typeface="Arial" charset="0"/>
+              </a:defRPr>
+            </a:lvl2pPr>
+            <a:lvl3pPr marL="1143000" indent="-228600" eaLnBrk="0" hangingPunct="0">
+              <a:defRPr>
+                <a:solidFill>
+                  <a:schemeClr val="tx1"/>
+                </a:solidFill>
+                <a:latin typeface="Arial" charset="0"/>
+              </a:defRPr>
+            </a:lvl3pPr>
+            <a:lvl4pPr marL="1600200" indent="-228600" eaLnBrk="0" hangingPunct="0">
+              <a:defRPr>
+                <a:solidFill>
+                  <a:schemeClr val="tx1"/>
+                </a:solidFill>
+                <a:latin typeface="Arial" charset="0"/>
+              </a:defRPr>
+            </a:lvl4pPr>
+            <a:lvl5pPr marL="2057400" indent="-228600" eaLnBrk="0" hangingPunct="0">
+              <a:defRPr>
+                <a:solidFill>
+                  <a:schemeClr val="tx1"/>
+                </a:solidFill>
+                <a:latin typeface="Arial" charset="0"/>
+              </a:defRPr>
+            </a:lvl5pPr>
+            <a:lvl6pPr marL="2514600" indent="-228600" eaLnBrk="0" fontAlgn="base" hangingPunct="0">
+              <a:spcBef>
+                <a:spcPct val="0"/>
+              </a:spcBef>
+              <a:spcAft>
+                <a:spcPct val="0"/>
+              </a:spcAft>
+              <a:defRPr>
+                <a:solidFill>
+                  <a:schemeClr val="tx1"/>
+                </a:solidFill>
+                <a:latin typeface="Arial" charset="0"/>
+              </a:defRPr>
+            </a:lvl6pPr>
+            <a:lvl7pPr marL="2971800" indent="-228600" eaLnBrk="0" fontAlgn="base" hangingPunct="0">
+              <a:spcBef>
+                <a:spcPct val="0"/>
+              </a:spcBef>
+              <a:spcAft>
+                <a:spcPct val="0"/>
+              </a:spcAft>
+              <a:defRPr>
+                <a:solidFill>
+                  <a:schemeClr val="tx1"/>
+                </a:solidFill>
+                <a:latin typeface="Arial" charset="0"/>
+              </a:defRPr>
+            </a:lvl7pPr>
+            <a:lvl8pPr marL="3429000" indent="-228600" eaLnBrk="0" fontAlgn="base" hangingPunct="0">
+              <a:spcBef>
+                <a:spcPct val="0"/>
+              </a:spcBef>
+              <a:spcAft>
+                <a:spcPct val="0"/>
+              </a:spcAft>
+              <a:defRPr>
+                <a:solidFill>
+                  <a:schemeClr val="tx1"/>
+                </a:solidFill>
+                <a:latin typeface="Arial" charset="0"/>
+              </a:defRPr>
+            </a:lvl8pPr>
+            <a:lvl9pPr marL="3886200" indent="-228600" eaLnBrk="0" fontAlgn="base" hangingPunct="0">
+              <a:spcBef>
+                <a:spcPct val="0"/>
+              </a:spcBef>
+              <a:spcAft>
+                <a:spcPct val="0"/>
+              </a:spcAft>
+              <a:defRPr>
+                <a:solidFill>
+                  <a:schemeClr val="tx1"/>
+                </a:solidFill>
+                <a:latin typeface="Arial" charset="0"/>
+              </a:defRPr>
+            </a:lvl9pPr>
+          </a:lstStyle>
+          <a:p>
+            <a:pPr eaLnBrk="1" hangingPunct="1"/>
+            <a:fld id="{1A13A496-257D-4726-8CF3-42737291D3B3}" type="slidenum">
+              <a:rPr lang="pt-BR" smtClean="0"/>
+              <a:pPr eaLnBrk="1" hangingPunct="1"/>
+              <a:t>16</a:t>
+            </a:fld>
+            <a:endParaRPr lang="pt-BR" smtClean="0"/>
+          </a:p>
+        </p:txBody>
+      </p:sp>
+      <p:sp>
+        <p:nvSpPr>
+          <p:cNvPr id="26627" name="Rectangle 2"/>
+          <p:cNvSpPr>
+            <a:spLocks noRot="1" noChangeArrowheads="1" noTextEdit="1"/>
+          </p:cNvSpPr>
+          <p:nvPr>
+            <p:ph type="sldImg"/>
+          </p:nvPr>
+        </p:nvSpPr>
+        <p:spPr>
+          <a:xfrm>
+            <a:off x="1143000" y="395288"/>
+            <a:ext cx="4572000" cy="3429000"/>
+          </a:xfrm>
+          <a:ln/>
+        </p:spPr>
+      </p:sp>
+      <p:sp>
+        <p:nvSpPr>
+          <p:cNvPr id="26628" name="Rectangle 3"/>
+          <p:cNvSpPr>
+            <a:spLocks noGrp="1" noChangeArrowheads="1"/>
+          </p:cNvSpPr>
+          <p:nvPr>
+            <p:ph type="body" idx="1"/>
+          </p:nvPr>
+        </p:nvSpPr>
+        <p:spPr>
+          <a:noFill/>
+          <a:ln>
+            <a:solidFill>
+              <a:schemeClr val="tx1"/>
+            </a:solidFill>
+          </a:ln>
+          <a:extLst>
+            <a:ext uri="{909E8E84-426E-40DD-AFC4-6F175D3DCCD1}">
+              <a14:hiddenFill xmlns:a14="http://schemas.microsoft.com/office/drawing/2010/main">
+                <a:solidFill>
+                  <a:srgbClr val="FFFFFF"/>
+                </a:solidFill>
+              </a14:hiddenFill>
+            </a:ext>
+          </a:extLst>
+        </p:spPr>
+        <p:txBody>
+          <a:bodyPr/>
+          <a:lstStyle/>
+          <a:p>
+            <a:pPr eaLnBrk="1" hangingPunct="1"/>
+            <a:endParaRPr lang="en-US" smtClean="0">
+              <a:latin typeface="Arial" charset="0"/>
+            </a:endParaRPr>
+          </a:p>
+        </p:txBody>
+      </p:sp>
+      <p:sp>
+        <p:nvSpPr>
+          <p:cNvPr id="26629" name="Rectangle 4"/>
+          <p:cNvSpPr>
+            <a:spLocks noChangeArrowheads="1"/>
+          </p:cNvSpPr>
+          <p:nvPr/>
+        </p:nvSpPr>
+        <p:spPr bwMode="auto">
+          <a:xfrm>
+            <a:off x="0" y="0"/>
+            <a:ext cx="6858000" cy="107950"/>
+          </a:xfrm>
+          <a:prstGeom prst="rect">
+            <a:avLst/>
+          </a:prstGeom>
+          <a:solidFill>
+            <a:srgbClr val="5B917A"/>
+          </a:solidFill>
+          <a:ln>
+            <a:noFill/>
+          </a:ln>
+          <a:extLst>
+            <a:ext uri="{91240B29-F687-4F45-9708-019B960494DF}">
+              <a14:hiddenLine xmlns:a14="http://schemas.microsoft.com/office/drawing/2010/main" w="9525">
+                <a:solidFill>
+                  <a:srgbClr val="000000"/>
+                </a:solidFill>
+                <a:miter lim="800000"/>
+                <a:headEnd/>
+                <a:tailEnd/>
+              </a14:hiddenLine>
+            </a:ext>
+          </a:extLst>
+        </p:spPr>
+        <p:txBody>
+          <a:bodyPr wrap="none" anchor="ctr"/>
+          <a:lstStyle/>
+          <a:p>
+            <a:endParaRPr lang="es-PE"/>
+          </a:p>
+        </p:txBody>
+      </p:sp>
+      <p:sp>
+        <p:nvSpPr>
+          <p:cNvPr id="26630" name="Rectangle 5"/>
+          <p:cNvSpPr>
+            <a:spLocks noChangeArrowheads="1"/>
+          </p:cNvSpPr>
+          <p:nvPr/>
+        </p:nvSpPr>
+        <p:spPr bwMode="auto">
+          <a:xfrm>
+            <a:off x="0" y="9001125"/>
+            <a:ext cx="6524625" cy="107950"/>
+          </a:xfrm>
+          <a:prstGeom prst="rect">
+            <a:avLst/>
+          </a:prstGeom>
+          <a:solidFill>
+            <a:srgbClr val="5B917A"/>
+          </a:solidFill>
+          <a:ln>
+            <a:noFill/>
+          </a:ln>
+          <a:extLst>
+            <a:ext uri="{91240B29-F687-4F45-9708-019B960494DF}">
+              <a14:hiddenLine xmlns:a14="http://schemas.microsoft.com/office/drawing/2010/main" w="9525">
+                <a:solidFill>
+                  <a:srgbClr val="000000"/>
+                </a:solidFill>
+                <a:miter lim="800000"/>
+                <a:headEnd/>
+                <a:tailEnd/>
+              </a14:hiddenLine>
+            </a:ext>
+          </a:extLst>
+        </p:spPr>
+        <p:txBody>
+          <a:bodyPr wrap="none" anchor="ctr"/>
+          <a:lstStyle/>
+          <a:p>
+            <a:endParaRPr lang="es-PE"/>
+          </a:p>
+        </p:txBody>
+      </p:sp>
+    </p:spTree>
+  </p:cSld>
+  <p:clrMapOvr>
+    <a:masterClrMapping/>
+  </p:clrMapOvr>
+</p:notes>
+</file>
+
+<file path=ppt/notesSlides/notesSlide17.xml><?xml version="1.0" encoding="utf-8"?>
+<p:notes xmlns:a="http://schemas.openxmlformats.org/drawingml/2006/main" xmlns:r="http://schemas.openxmlformats.org/officeDocument/2006/relationships" xmlns:p="http://schemas.openxmlformats.org/presentationml/2006/main">
+  <p:cSld>
+    <p:spTree>
+      <p:nvGrpSpPr>
+        <p:cNvPr id="1" name=""/>
+        <p:cNvGrpSpPr/>
+        <p:nvPr/>
+      </p:nvGrpSpPr>
+      <p:grpSpPr>
+        <a:xfrm>
+          <a:off x="0" y="0"/>
+          <a:ext cx="0" cy="0"/>
+          <a:chOff x="0" y="0"/>
+          <a:chExt cx="0" cy="0"/>
+        </a:xfrm>
+      </p:grpSpPr>
+      <p:sp>
+        <p:nvSpPr>
           <p:cNvPr id="24578" name="Rectangle 7"/>
           <p:cNvSpPr>
             <a:spLocks noGrp="1" noChangeArrowheads="1"/>
@@ -15341,7 +15653,7 @@
                 </a:solidFill>
               </a:rPr>
               <a:pPr/>
-              <a:t>16</a:t>
+              <a:t>17</a:t>
             </a:fld>
             <a:endParaRPr lang="pt-BR" smtClean="0">
               <a:solidFill>
@@ -17492,7 +17804,7 @@
               <a:pPr>
                 <a:defRPr/>
               </a:pPr>
-              <a:t>01/09/2013</a:t>
+              <a:t>08/09/2013</a:t>
             </a:fld>
             <a:endParaRPr lang="es-PE"/>
           </a:p>
@@ -17690,7 +18002,7 @@
               <a:pPr>
                 <a:defRPr/>
               </a:pPr>
-              <a:t>01/09/2013</a:t>
+              <a:t>08/09/2013</a:t>
             </a:fld>
             <a:endParaRPr lang="es-PE"/>
           </a:p>
@@ -17897,7 +18209,7 @@
               <a:pPr>
                 <a:defRPr/>
               </a:pPr>
-              <a:t>01/09/2013</a:t>
+              <a:t>08/09/2013</a:t>
             </a:fld>
             <a:endParaRPr lang="es-PE"/>
           </a:p>
@@ -19342,7 +19654,7 @@
               <a:pPr>
                 <a:defRPr/>
               </a:pPr>
-              <a:t>01/09/2013</a:t>
+              <a:t>08/09/2013</a:t>
             </a:fld>
             <a:endParaRPr lang="es-PE"/>
           </a:p>
@@ -21577,7 +21889,7 @@
               <a:pPr>
                 <a:defRPr/>
               </a:pPr>
-              <a:t>01/09/2013</a:t>
+              <a:t>08/09/2013</a:t>
             </a:fld>
             <a:endParaRPr lang="es-PE"/>
           </a:p>
@@ -23816,7 +24128,7 @@
               <a:pPr>
                 <a:defRPr/>
               </a:pPr>
-              <a:t>01/09/2013</a:t>
+              <a:t>08/09/2013</a:t>
             </a:fld>
             <a:endParaRPr lang="es-PE"/>
           </a:p>
@@ -25885,7 +26197,7 @@
               <a:pPr>
                 <a:defRPr/>
               </a:pPr>
-              <a:t>01/09/2013</a:t>
+              <a:t>08/09/2013</a:t>
             </a:fld>
             <a:endParaRPr lang="es-PE"/>
           </a:p>
@@ -27425,7 +27737,7 @@
               <a:pPr>
                 <a:defRPr/>
               </a:pPr>
-              <a:t>01/09/2013</a:t>
+              <a:t>08/09/2013</a:t>
             </a:fld>
             <a:endParaRPr lang="es-PE"/>
           </a:p>
@@ -27547,7 +27859,7 @@
               <a:pPr>
                 <a:defRPr/>
               </a:pPr>
-              <a:t>01/09/2013</a:t>
+              <a:t>08/09/2013</a:t>
             </a:fld>
             <a:endParaRPr lang="es-PE"/>
           </a:p>
@@ -27851,7 +28163,7 @@
               <a:pPr>
                 <a:defRPr/>
               </a:pPr>
-              <a:t>01/09/2013</a:t>
+              <a:t>08/09/2013</a:t>
             </a:fld>
             <a:endParaRPr lang="es-PE"/>
           </a:p>
@@ -28134,7 +28446,7 @@
               <a:pPr>
                 <a:defRPr/>
               </a:pPr>
-              <a:t>01/09/2013</a:t>
+              <a:t>08/09/2013</a:t>
             </a:fld>
             <a:endParaRPr lang="es-PE"/>
           </a:p>
@@ -28421,7 +28733,7 @@
               <a:pPr>
                 <a:defRPr/>
               </a:pPr>
-              <a:t>01/09/2013</a:t>
+              <a:t>08/09/2013</a:t>
             </a:fld>
             <a:endParaRPr lang="es-PE"/>
           </a:p>
@@ -36658,21 +36970,8 @@
                   <a:srgbClr val="000000"/>
                 </a:solidFill>
               </a:rPr>
-              <a:t>Documento con el Caso de </a:t>
-            </a:r>
-            <a:r>
-              <a:rPr lang="es-MX" sz="2200" dirty="0" smtClean="0">
-                <a:solidFill>
-                  <a:srgbClr val="000000"/>
-                </a:solidFill>
-              </a:rPr>
-              <a:t>Negocio</a:t>
-            </a:r>
-            <a:endParaRPr lang="es-MX" sz="2200" dirty="0" smtClean="0">
-              <a:solidFill>
-                <a:srgbClr val="000000"/>
-              </a:solidFill>
-            </a:endParaRPr>
+              <a:t>Documento con el Caso de Negocio</a:t>
+            </a:r>
           </a:p>
           <a:p>
             <a:pPr marL="787400" eaLnBrk="1" hangingPunct="1">
@@ -36688,21 +36987,8 @@
                   <a:srgbClr val="000000"/>
                 </a:solidFill>
               </a:rPr>
-              <a:t>Diagramas de Procesos de </a:t>
-            </a:r>
-            <a:r>
-              <a:rPr lang="es-MX" sz="2200" dirty="0" smtClean="0">
-                <a:solidFill>
-                  <a:srgbClr val="000000"/>
-                </a:solidFill>
-              </a:rPr>
-              <a:t>Negocio</a:t>
-            </a:r>
-            <a:endParaRPr lang="es-MX" sz="2200" dirty="0" smtClean="0">
-              <a:solidFill>
-                <a:srgbClr val="000000"/>
-              </a:solidFill>
-            </a:endParaRPr>
+              <a:t>Diagramas de Procesos de Negocio</a:t>
+            </a:r>
           </a:p>
           <a:p>
             <a:pPr marL="787400" eaLnBrk="1" hangingPunct="1">
@@ -36718,21 +37004,8 @@
                   <a:srgbClr val="000000"/>
                 </a:solidFill>
               </a:rPr>
-              <a:t>Documento con las Reglas de </a:t>
-            </a:r>
-            <a:r>
-              <a:rPr lang="es-MX" sz="2200" dirty="0" smtClean="0">
-                <a:solidFill>
-                  <a:srgbClr val="000000"/>
-                </a:solidFill>
-              </a:rPr>
-              <a:t>Negocio</a:t>
-            </a:r>
-            <a:endParaRPr lang="es-MX" sz="2200" dirty="0" smtClean="0">
-              <a:solidFill>
-                <a:srgbClr val="000000"/>
-              </a:solidFill>
-            </a:endParaRPr>
+              <a:t>Documento con las Reglas de Negocio</a:t>
+            </a:r>
           </a:p>
           <a:p>
             <a:pPr marL="787400" eaLnBrk="1" hangingPunct="1">
@@ -36926,16 +37199,25 @@
           <a:p>
             <a:pPr algn="r" eaLnBrk="1" hangingPunct="1"/>
             <a:r>
-              <a:rPr lang="pt-BR" sz="2800" b="1" dirty="0">
+              <a:rPr lang="es-ES" sz="2800" b="1" dirty="0" smtClean="0">
                 <a:solidFill>
                   <a:srgbClr val="17375E"/>
                 </a:solidFill>
                 <a:cs typeface="Arial" charset="0"/>
               </a:rPr>
-              <a:t>Avances </a:t>
-            </a:r>
-            <a:r>
-              <a:rPr lang="pt-BR" sz="2800" b="1" dirty="0" err="1">
+              <a:t>Avances</a:t>
+            </a:r>
+            <a:r>
+              <a:rPr lang="pt-BR" sz="2800" b="1" dirty="0" smtClean="0">
+                <a:solidFill>
+                  <a:srgbClr val="17375E"/>
+                </a:solidFill>
+                <a:cs typeface="Arial" charset="0"/>
+              </a:rPr>
+              <a:t> </a:t>
+            </a:r>
+            <a:r>
+              <a:rPr lang="es-ES" sz="2800" b="1" dirty="0" smtClean="0">
                 <a:solidFill>
                   <a:srgbClr val="17375E"/>
                 </a:solidFill>
@@ -36944,7 +37226,7 @@
               <a:t>del</a:t>
             </a:r>
             <a:r>
-              <a:rPr lang="pt-BR" sz="2800" b="1" dirty="0">
+              <a:rPr lang="pt-BR" sz="2800" b="1" dirty="0" smtClean="0">
                 <a:solidFill>
                   <a:srgbClr val="17375E"/>
                 </a:solidFill>
@@ -36953,7 +37235,7 @@
               <a:t> </a:t>
             </a:r>
             <a:r>
-              <a:rPr lang="pt-BR" sz="2800" b="1" err="1" smtClean="0">
+              <a:rPr lang="es-ES" sz="2800" b="1" dirty="0" smtClean="0">
                 <a:solidFill>
                   <a:srgbClr val="17375E"/>
                 </a:solidFill>
@@ -36962,7 +37244,7 @@
               <a:t>trabajo</a:t>
             </a:r>
             <a:r>
-              <a:rPr lang="pt-BR" sz="2800" b="1" smtClean="0">
+              <a:rPr lang="pt-BR" sz="2800" b="1" dirty="0" smtClean="0">
                 <a:solidFill>
                   <a:srgbClr val="17375E"/>
                 </a:solidFill>
@@ -37055,30 +37337,14 @@
               <a:t>de </a:t>
             </a:r>
             <a:r>
-              <a:rPr lang="pt-BR" sz="2400" dirty="0" err="1">
+              <a:rPr lang="es-ES" sz="2400" dirty="0" smtClean="0">
                 <a:solidFill>
                   <a:srgbClr val="000000"/>
                 </a:solidFill>
               </a:rPr>
               <a:t>Requerimientos</a:t>
             </a:r>
-            <a:r>
-              <a:rPr lang="pt-BR" sz="2400" dirty="0">
-                <a:solidFill>
-                  <a:srgbClr val="000000"/>
-                </a:solidFill>
-              </a:rPr>
-              <a:t> </a:t>
-            </a:r>
-            <a:r>
-              <a:rPr lang="es-MX" sz="2400" dirty="0" smtClean="0">
-                <a:solidFill>
-                  <a:srgbClr val="000000"/>
-                </a:solidFill>
-              </a:rPr>
-              <a:t>(100%)</a:t>
-            </a:r>
-            <a:endParaRPr lang="pt-BR" sz="2400" dirty="0" smtClean="0">
+            <a:endParaRPr lang="es-ES" sz="2400" dirty="0" smtClean="0">
               <a:solidFill>
                 <a:srgbClr val="000000"/>
               </a:solidFill>
@@ -37101,7 +37367,7 @@
               <a:t>Documento </a:t>
             </a:r>
             <a:r>
-              <a:rPr lang="pt-BR" sz="2400" dirty="0" err="1" smtClean="0">
+              <a:rPr lang="es-ES" sz="2400" dirty="0" smtClean="0">
                 <a:solidFill>
                   <a:srgbClr val="000000"/>
                 </a:solidFill>
@@ -37114,32 +37380,72 @@
                   <a:srgbClr val="000000"/>
                 </a:solidFill>
               </a:rPr>
-              <a:t> Historias de </a:t>
-            </a:r>
-            <a:r>
-              <a:rPr lang="pt-BR" sz="2400" dirty="0" err="1" smtClean="0">
+              <a:t> </a:t>
+            </a:r>
+            <a:r>
+              <a:rPr lang="pt-BR" sz="2400" dirty="0" smtClean="0">
                 <a:solidFill>
                   <a:srgbClr val="000000"/>
                 </a:solidFill>
               </a:rPr>
-              <a:t>Usuarios</a:t>
-            </a:r>
-            <a:r>
-              <a:rPr lang="pt-BR" sz="2400" dirty="0" smtClean="0">
+              <a:t>Historias de </a:t>
+            </a:r>
+            <a:r>
+              <a:rPr lang="es-ES" sz="2400" dirty="0" smtClean="0">
                 <a:solidFill>
                   <a:srgbClr val="000000"/>
                 </a:solidFill>
               </a:rPr>
-              <a:t> </a:t>
-            </a:r>
+              <a:t>Usuario</a:t>
+            </a:r>
+          </a:p>
+          <a:p>
+            <a:pPr marL="787400" eaLnBrk="1" hangingPunct="1">
+              <a:spcBef>
+                <a:spcPct val="40000"/>
+              </a:spcBef>
+              <a:buFont typeface="Wingdings" pitchFamily="2" charset="2"/>
+              <a:buChar char="ü"/>
+            </a:pPr>
             <a:r>
               <a:rPr lang="es-MX" sz="2400" dirty="0" smtClean="0">
                 <a:solidFill>
                   <a:srgbClr val="000000"/>
                 </a:solidFill>
               </a:rPr>
-              <a:t>(100%)</a:t>
-            </a:r>
+              <a:t>Diagrama de Clases de Análisis (70%)</a:t>
+            </a:r>
+          </a:p>
+          <a:p>
+            <a:pPr marL="787400" eaLnBrk="1" hangingPunct="1">
+              <a:spcBef>
+                <a:spcPct val="40000"/>
+              </a:spcBef>
+              <a:buFont typeface="Wingdings" pitchFamily="2" charset="2"/>
+              <a:buChar char="ü"/>
+            </a:pPr>
+            <a:r>
+              <a:rPr lang="es-MX" sz="2400" dirty="0" smtClean="0">
+                <a:solidFill>
+                  <a:srgbClr val="000000"/>
+                </a:solidFill>
+              </a:rPr>
+              <a:t>Principales Prototipos de Interfaz Gráfica (80%)</a:t>
+            </a:r>
+          </a:p>
+          <a:p>
+            <a:pPr marL="787400" eaLnBrk="1" hangingPunct="1">
+              <a:spcBef>
+                <a:spcPct val="40000"/>
+              </a:spcBef>
+              <a:buFont typeface="Wingdings" pitchFamily="2" charset="2"/>
+              <a:buChar char="ü"/>
+            </a:pPr>
+            <a:endParaRPr lang="es-MX" sz="2400" dirty="0" smtClean="0">
+              <a:solidFill>
+                <a:srgbClr val="000000"/>
+              </a:solidFill>
+            </a:endParaRPr>
           </a:p>
           <a:p>
             <a:pPr marL="787400" eaLnBrk="1" hangingPunct="1">
@@ -37366,40 +37672,284 @@
       </p:grpSpPr>
       <p:sp>
         <p:nvSpPr>
-          <p:cNvPr id="14338" name="3 Marcador de número de diapositiva"/>
+          <p:cNvPr id="13314" name="Rectangle 2"/>
           <p:cNvSpPr>
             <a:spLocks noGrp="1"/>
           </p:cNvSpPr>
           <p:nvPr>
-            <p:ph type="sldNum" sz="quarter" idx="10"/>
+            <p:ph idx="1"/>
           </p:nvPr>
         </p:nvSpPr>
         <p:spPr>
-          <a:noFill/>
+          <a:xfrm>
+            <a:off x="395288" y="1412875"/>
+            <a:ext cx="8353425" cy="4476750"/>
+          </a:xfrm>
         </p:spPr>
         <p:txBody>
           <a:bodyPr/>
           <a:lstStyle/>
           <a:p>
-            <a:fld id="{C4F7AE34-BEB6-4260-9F6D-F8C9E7121C02}" type="slidenum">
-              <a:rPr lang="pt-BR" smtClean="0">
+            <a:pPr marL="787400" eaLnBrk="1" hangingPunct="1">
+              <a:spcBef>
+                <a:spcPct val="40000"/>
+              </a:spcBef>
+              <a:buFont typeface="Wingdings" pitchFamily="2" charset="2"/>
+              <a:buChar char="ü"/>
+            </a:pPr>
+            <a:r>
+              <a:rPr lang="es-MX" sz="2400" dirty="0">
                 <a:solidFill>
                   <a:srgbClr val="000000"/>
                 </a:solidFill>
-                <a:latin typeface="Arial" charset="0"/>
               </a:rPr>
-              <a:pPr/>
-              <a:t>16</a:t>
-            </a:fld>
-            <a:endParaRPr lang="pt-BR" smtClean="0">
-              <a:solidFill>
-                <a:srgbClr val="000000"/>
-              </a:solidFill>
-              <a:latin typeface="Arial" charset="0"/>
-            </a:endParaRPr>
+              <a:t>Diagrama de Clases de Análisis </a:t>
+            </a:r>
+            <a:r>
+              <a:rPr lang="es-MX" sz="2400" dirty="0" smtClean="0">
+                <a:solidFill>
+                  <a:srgbClr val="000000"/>
+                </a:solidFill>
+              </a:rPr>
+              <a:t>(100</a:t>
+            </a:r>
+            <a:r>
+              <a:rPr lang="es-MX" sz="2400" dirty="0">
+                <a:solidFill>
+                  <a:srgbClr val="000000"/>
+                </a:solidFill>
+              </a:rPr>
+              <a:t>%)</a:t>
+            </a:r>
+          </a:p>
+          <a:p>
+            <a:pPr marL="787400" eaLnBrk="1" hangingPunct="1">
+              <a:spcBef>
+                <a:spcPct val="40000"/>
+              </a:spcBef>
+              <a:buFont typeface="Wingdings" pitchFamily="2" charset="2"/>
+              <a:buChar char="ü"/>
+            </a:pPr>
+            <a:r>
+              <a:rPr lang="es-MX" sz="2400" dirty="0">
+                <a:solidFill>
+                  <a:srgbClr val="000000"/>
+                </a:solidFill>
+              </a:rPr>
+              <a:t>Principales Prototipos de Interfaz Gráfica </a:t>
+            </a:r>
+            <a:r>
+              <a:rPr lang="es-MX" sz="2400" dirty="0" smtClean="0">
+                <a:solidFill>
+                  <a:srgbClr val="000000"/>
+                </a:solidFill>
+              </a:rPr>
+              <a:t>(100</a:t>
+            </a:r>
+            <a:r>
+              <a:rPr lang="es-MX" sz="2400" dirty="0">
+                <a:solidFill>
+                  <a:srgbClr val="000000"/>
+                </a:solidFill>
+              </a:rPr>
+              <a:t>%)</a:t>
+            </a:r>
           </a:p>
         </p:txBody>
       </p:sp>
+      <p:sp>
+        <p:nvSpPr>
+          <p:cNvPr id="13316" name="CaixaDeTexto 3"/>
+          <p:cNvSpPr txBox="1">
+            <a:spLocks noChangeArrowheads="1"/>
+          </p:cNvSpPr>
+          <p:nvPr/>
+        </p:nvSpPr>
+        <p:spPr bwMode="auto">
+          <a:xfrm>
+            <a:off x="3851275" y="285750"/>
+            <a:ext cx="5184775" cy="954088"/>
+          </a:xfrm>
+          <a:prstGeom prst="rect">
+            <a:avLst/>
+          </a:prstGeom>
+          <a:noFill/>
+          <a:ln>
+            <a:noFill/>
+          </a:ln>
+          <a:extLst>
+            <a:ext uri="{909E8E84-426E-40DD-AFC4-6F175D3DCCD1}">
+              <a14:hiddenFill xmlns:a14="http://schemas.microsoft.com/office/drawing/2010/main">
+                <a:solidFill>
+                  <a:srgbClr val="FFFFFF"/>
+                </a:solidFill>
+              </a14:hiddenFill>
+            </a:ext>
+            <a:ext uri="{91240B29-F687-4F45-9708-019B960494DF}">
+              <a14:hiddenLine xmlns:a14="http://schemas.microsoft.com/office/drawing/2010/main" w="9525">
+                <a:solidFill>
+                  <a:srgbClr val="000000"/>
+                </a:solidFill>
+                <a:miter lim="800000"/>
+                <a:headEnd/>
+                <a:tailEnd/>
+              </a14:hiddenLine>
+            </a:ext>
+          </a:extLst>
+        </p:spPr>
+        <p:txBody>
+          <a:bodyPr>
+            <a:spAutoFit/>
+          </a:bodyPr>
+          <a:lstStyle>
+            <a:lvl1pPr eaLnBrk="0" hangingPunct="0">
+              <a:defRPr>
+                <a:solidFill>
+                  <a:schemeClr val="tx1"/>
+                </a:solidFill>
+                <a:latin typeface="Arial" charset="0"/>
+              </a:defRPr>
+            </a:lvl1pPr>
+            <a:lvl2pPr marL="742950" indent="-285750" eaLnBrk="0" hangingPunct="0">
+              <a:defRPr>
+                <a:solidFill>
+                  <a:schemeClr val="tx1"/>
+                </a:solidFill>
+                <a:latin typeface="Arial" charset="0"/>
+              </a:defRPr>
+            </a:lvl2pPr>
+            <a:lvl3pPr marL="1143000" indent="-228600" eaLnBrk="0" hangingPunct="0">
+              <a:defRPr>
+                <a:solidFill>
+                  <a:schemeClr val="tx1"/>
+                </a:solidFill>
+                <a:latin typeface="Arial" charset="0"/>
+              </a:defRPr>
+            </a:lvl3pPr>
+            <a:lvl4pPr marL="1600200" indent="-228600" eaLnBrk="0" hangingPunct="0">
+              <a:defRPr>
+                <a:solidFill>
+                  <a:schemeClr val="tx1"/>
+                </a:solidFill>
+                <a:latin typeface="Arial" charset="0"/>
+              </a:defRPr>
+            </a:lvl4pPr>
+            <a:lvl5pPr marL="2057400" indent="-228600" eaLnBrk="0" hangingPunct="0">
+              <a:defRPr>
+                <a:solidFill>
+                  <a:schemeClr val="tx1"/>
+                </a:solidFill>
+                <a:latin typeface="Arial" charset="0"/>
+              </a:defRPr>
+            </a:lvl5pPr>
+            <a:lvl6pPr marL="2514600" indent="-228600" eaLnBrk="0" fontAlgn="base" hangingPunct="0">
+              <a:spcBef>
+                <a:spcPct val="0"/>
+              </a:spcBef>
+              <a:spcAft>
+                <a:spcPct val="0"/>
+              </a:spcAft>
+              <a:defRPr>
+                <a:solidFill>
+                  <a:schemeClr val="tx1"/>
+                </a:solidFill>
+                <a:latin typeface="Arial" charset="0"/>
+              </a:defRPr>
+            </a:lvl6pPr>
+            <a:lvl7pPr marL="2971800" indent="-228600" eaLnBrk="0" fontAlgn="base" hangingPunct="0">
+              <a:spcBef>
+                <a:spcPct val="0"/>
+              </a:spcBef>
+              <a:spcAft>
+                <a:spcPct val="0"/>
+              </a:spcAft>
+              <a:defRPr>
+                <a:solidFill>
+                  <a:schemeClr val="tx1"/>
+                </a:solidFill>
+                <a:latin typeface="Arial" charset="0"/>
+              </a:defRPr>
+            </a:lvl7pPr>
+            <a:lvl8pPr marL="3429000" indent="-228600" eaLnBrk="0" fontAlgn="base" hangingPunct="0">
+              <a:spcBef>
+                <a:spcPct val="0"/>
+              </a:spcBef>
+              <a:spcAft>
+                <a:spcPct val="0"/>
+              </a:spcAft>
+              <a:defRPr>
+                <a:solidFill>
+                  <a:schemeClr val="tx1"/>
+                </a:solidFill>
+                <a:latin typeface="Arial" charset="0"/>
+              </a:defRPr>
+            </a:lvl8pPr>
+            <a:lvl9pPr marL="3886200" indent="-228600" eaLnBrk="0" fontAlgn="base" hangingPunct="0">
+              <a:spcBef>
+                <a:spcPct val="0"/>
+              </a:spcBef>
+              <a:spcAft>
+                <a:spcPct val="0"/>
+              </a:spcAft>
+              <a:defRPr>
+                <a:solidFill>
+                  <a:schemeClr val="tx1"/>
+                </a:solidFill>
+                <a:latin typeface="Arial" charset="0"/>
+              </a:defRPr>
+            </a:lvl9pPr>
+          </a:lstStyle>
+          <a:p>
+            <a:pPr algn="r" eaLnBrk="1" hangingPunct="1"/>
+            <a:r>
+              <a:rPr lang="es-PE" sz="2800" b="1">
+                <a:solidFill>
+                  <a:srgbClr val="17375E"/>
+                </a:solidFill>
+                <a:cs typeface="Arial" charset="0"/>
+              </a:rPr>
+              <a:t>Compromiso para la próxima presentación </a:t>
+            </a:r>
+          </a:p>
+        </p:txBody>
+      </p:sp>
+    </p:spTree>
+    <p:extLst>
+      <p:ext uri="{BB962C8B-B14F-4D97-AF65-F5344CB8AC3E}">
+        <p14:creationId xmlns:p14="http://schemas.microsoft.com/office/powerpoint/2010/main" val="3456562553"/>
+      </p:ext>
+    </p:extLst>
+  </p:cSld>
+  <p:clrMapOvr>
+    <a:masterClrMapping/>
+  </p:clrMapOvr>
+  <p:timing>
+    <p:tnLst>
+      <p:par>
+        <p:cTn id="1" dur="indefinite" restart="never" nodeType="tmRoot"/>
+      </p:par>
+    </p:tnLst>
+  </p:timing>
+</p:sld>
+</file>
+
+<file path=ppt/slides/slide17.xml><?xml version="1.0" encoding="utf-8"?>
+<p:sld xmlns:a="http://schemas.openxmlformats.org/drawingml/2006/main" xmlns:r="http://schemas.openxmlformats.org/officeDocument/2006/relationships" xmlns:p="http://schemas.openxmlformats.org/presentationml/2006/main">
+  <p:cSld>
+    <p:spTree>
+      <p:nvGrpSpPr>
+        <p:cNvPr id="1" name=""/>
+        <p:cNvGrpSpPr/>
+        <p:nvPr/>
+      </p:nvGrpSpPr>
+      <p:grpSpPr>
+        <a:xfrm>
+          <a:off x="0" y="0"/>
+          <a:ext cx="0" cy="0"/>
+          <a:chOff x="0" y="0"/>
+          <a:chExt cx="0" cy="0"/>
+        </a:xfrm>
+      </p:grpSpPr>
       <p:sp>
         <p:nvSpPr>
           <p:cNvPr id="14339" name="CaixaDeTexto 3"/>

--- a/Documentación/Presentaciones PPT/Tesis 2 - Mendez Presentación.pptx
+++ b/Documentación/Presentaciones PPT/Tesis 2 - Mendez Presentación.pptx
@@ -4859,22 +4859,22 @@
     </dgm:pt>
   </dgm:ptLst>
   <dgm:cxnLst>
+    <dgm:cxn modelId="{5BEF8FBD-F7BC-444D-94D8-BB8E5A82AA43}" srcId="{9BF01063-3BAB-4F4D-ADE8-387A89D22F7C}" destId="{924689B8-E4E2-4802-BC6B-5B17E3AC8DDF}" srcOrd="2" destOrd="0" parTransId="{670CB166-EC54-4ECF-99EE-166A3C70F39E}" sibTransId="{A9E69FD6-91A0-40D3-96F5-93981AACB6C2}"/>
+    <dgm:cxn modelId="{4219486A-1AA6-4D7C-8DCD-F38DE310E10B}" type="presOf" srcId="{924689B8-E4E2-4802-BC6B-5B17E3AC8DDF}" destId="{E2ADE456-C079-4778-88D3-2ABF030BE345}" srcOrd="0" destOrd="0" presId="urn:microsoft.com/office/officeart/2005/8/layout/list1"/>
+    <dgm:cxn modelId="{A1CD1BE4-A834-4463-86D1-583A19E39584}" type="presOf" srcId="{9BF01063-3BAB-4F4D-ADE8-387A89D22F7C}" destId="{159D9149-F9AA-45E8-ABA6-7AC56A21C1F8}" srcOrd="0" destOrd="0" presId="urn:microsoft.com/office/officeart/2005/8/layout/list1"/>
+    <dgm:cxn modelId="{5D020E2A-D409-452B-ABB3-0EFE3A92652C}" type="presOf" srcId="{4C11F0D3-B1D8-41E5-B4ED-D28D5406ED7A}" destId="{C94856A0-C8B1-4244-B645-C266926A0AAB}" srcOrd="0" destOrd="0" presId="urn:microsoft.com/office/officeart/2005/8/layout/list1"/>
+    <dgm:cxn modelId="{FB20BC1E-834C-48C0-BD4E-04A5E0873844}" srcId="{4D5D3E7B-9F50-4387-AFBC-12316FB9B2E8}" destId="{4C11F0D3-B1D8-41E5-B4ED-D28D5406ED7A}" srcOrd="0" destOrd="0" parTransId="{C60CEBD2-531F-45D5-9CB2-1FBB715F4879}" sibTransId="{A1BF3405-CB09-4D5F-AAD9-E76A127FDC0C}"/>
+    <dgm:cxn modelId="{9738BE00-F026-4DB2-B7F4-EA1061D3A7FF}" type="presOf" srcId="{3BFDB7AE-EA70-4208-99E4-6652F73E09AF}" destId="{0F91977E-FD5F-4F09-AD28-B3380115D8C3}" srcOrd="0" destOrd="0" presId="urn:microsoft.com/office/officeart/2005/8/layout/list1"/>
+    <dgm:cxn modelId="{3B487C66-25D7-4E41-A5C2-F42C47637A7A}" type="presOf" srcId="{924689B8-E4E2-4802-BC6B-5B17E3AC8DDF}" destId="{E74DBF66-3AE1-4F14-A029-A5F2D0C36F78}" srcOrd="1" destOrd="0" presId="urn:microsoft.com/office/officeart/2005/8/layout/list1"/>
+    <dgm:cxn modelId="{26882D24-1258-440C-9950-32BA7E116E89}" type="presOf" srcId="{A43E1EE4-EA84-469B-B8E9-F87184BCD406}" destId="{FC04ED5C-48CE-49A3-98DF-4CA3B004B014}" srcOrd="0" destOrd="0" presId="urn:microsoft.com/office/officeart/2005/8/layout/list1"/>
+    <dgm:cxn modelId="{418BDB1E-B14B-41A7-9D8C-9C6887C8BC7F}" type="presOf" srcId="{4D5D3E7B-9F50-4387-AFBC-12316FB9B2E8}" destId="{15417C44-1630-41CC-AC5B-95723803EAAC}" srcOrd="1" destOrd="0" presId="urn:microsoft.com/office/officeart/2005/8/layout/list1"/>
     <dgm:cxn modelId="{78C0F103-0BC0-46BC-BBBC-D58341736E99}" type="presOf" srcId="{5D56325C-A28C-4982-810F-F3CCECEC2E7D}" destId="{3C682040-43AF-4BE8-950E-E13003E6C6C7}" srcOrd="0" destOrd="0" presId="urn:microsoft.com/office/officeart/2005/8/layout/list1"/>
+    <dgm:cxn modelId="{E344A32A-539A-4B7E-ACFA-95DEF5620BA5}" srcId="{9BF01063-3BAB-4F4D-ADE8-387A89D22F7C}" destId="{3BFDB7AE-EA70-4208-99E4-6652F73E09AF}" srcOrd="1" destOrd="0" parTransId="{54A7580C-2761-4683-A631-30A94395D65A}" sibTransId="{9EFD2A57-70D2-4814-9534-F69C1AAF4BEC}"/>
+    <dgm:cxn modelId="{108E09CC-8703-4C9A-9F4C-239B367EEF86}" type="presOf" srcId="{3BFDB7AE-EA70-4208-99E4-6652F73E09AF}" destId="{501DDC76-9B9F-4697-8027-10EB121BC8A9}" srcOrd="1" destOrd="0" presId="urn:microsoft.com/office/officeart/2005/8/layout/list1"/>
+    <dgm:cxn modelId="{DED07964-2F3D-434B-8896-63F590AFB3D4}" srcId="{9BF01063-3BAB-4F4D-ADE8-387A89D22F7C}" destId="{4D5D3E7B-9F50-4387-AFBC-12316FB9B2E8}" srcOrd="0" destOrd="0" parTransId="{4B140464-D0A6-4FE6-BFF1-D92A0DD7F2F3}" sibTransId="{86595B4C-0A5C-4BD5-A6B3-FDB543D91B73}"/>
     <dgm:cxn modelId="{2206174B-0967-4701-B7BB-572D079B3A22}" srcId="{3BFDB7AE-EA70-4208-99E4-6652F73E09AF}" destId="{5D56325C-A28C-4982-810F-F3CCECEC2E7D}" srcOrd="0" destOrd="0" parTransId="{5D99972C-BEA3-4759-BAAC-F0514ABC1FE1}" sibTransId="{ECCC7701-505F-42F0-B3C4-E9890A7BB77B}"/>
+    <dgm:cxn modelId="{D348ABC0-E7C5-475A-B6F1-B134560759E1}" type="presOf" srcId="{4D5D3E7B-9F50-4387-AFBC-12316FB9B2E8}" destId="{F126904A-86E7-4DEB-A715-98702053D074}" srcOrd="0" destOrd="0" presId="urn:microsoft.com/office/officeart/2005/8/layout/list1"/>
     <dgm:cxn modelId="{C611089B-F9C4-4CB8-A2DC-4A6E2B8ECF02}" srcId="{924689B8-E4E2-4802-BC6B-5B17E3AC8DDF}" destId="{A43E1EE4-EA84-469B-B8E9-F87184BCD406}" srcOrd="0" destOrd="0" parTransId="{B5EEE765-35D4-4DF0-BFEC-78B63BE24D65}" sibTransId="{DFDEAEA3-03A5-44E8-ACA1-35C31669F285}"/>
-    <dgm:cxn modelId="{FB20BC1E-834C-48C0-BD4E-04A5E0873844}" srcId="{4D5D3E7B-9F50-4387-AFBC-12316FB9B2E8}" destId="{4C11F0D3-B1D8-41E5-B4ED-D28D5406ED7A}" srcOrd="0" destOrd="0" parTransId="{C60CEBD2-531F-45D5-9CB2-1FBB715F4879}" sibTransId="{A1BF3405-CB09-4D5F-AAD9-E76A127FDC0C}"/>
-    <dgm:cxn modelId="{4219486A-1AA6-4D7C-8DCD-F38DE310E10B}" type="presOf" srcId="{924689B8-E4E2-4802-BC6B-5B17E3AC8DDF}" destId="{E2ADE456-C079-4778-88D3-2ABF030BE345}" srcOrd="0" destOrd="0" presId="urn:microsoft.com/office/officeart/2005/8/layout/list1"/>
-    <dgm:cxn modelId="{26882D24-1258-440C-9950-32BA7E116E89}" type="presOf" srcId="{A43E1EE4-EA84-469B-B8E9-F87184BCD406}" destId="{FC04ED5C-48CE-49A3-98DF-4CA3B004B014}" srcOrd="0" destOrd="0" presId="urn:microsoft.com/office/officeart/2005/8/layout/list1"/>
-    <dgm:cxn modelId="{108E09CC-8703-4C9A-9F4C-239B367EEF86}" type="presOf" srcId="{3BFDB7AE-EA70-4208-99E4-6652F73E09AF}" destId="{501DDC76-9B9F-4697-8027-10EB121BC8A9}" srcOrd="1" destOrd="0" presId="urn:microsoft.com/office/officeart/2005/8/layout/list1"/>
-    <dgm:cxn modelId="{5D020E2A-D409-452B-ABB3-0EFE3A92652C}" type="presOf" srcId="{4C11F0D3-B1D8-41E5-B4ED-D28D5406ED7A}" destId="{C94856A0-C8B1-4244-B645-C266926A0AAB}" srcOrd="0" destOrd="0" presId="urn:microsoft.com/office/officeart/2005/8/layout/list1"/>
-    <dgm:cxn modelId="{9738BE00-F026-4DB2-B7F4-EA1061D3A7FF}" type="presOf" srcId="{3BFDB7AE-EA70-4208-99E4-6652F73E09AF}" destId="{0F91977E-FD5F-4F09-AD28-B3380115D8C3}" srcOrd="0" destOrd="0" presId="urn:microsoft.com/office/officeart/2005/8/layout/list1"/>
-    <dgm:cxn modelId="{D348ABC0-E7C5-475A-B6F1-B134560759E1}" type="presOf" srcId="{4D5D3E7B-9F50-4387-AFBC-12316FB9B2E8}" destId="{F126904A-86E7-4DEB-A715-98702053D074}" srcOrd="0" destOrd="0" presId="urn:microsoft.com/office/officeart/2005/8/layout/list1"/>
-    <dgm:cxn modelId="{3B487C66-25D7-4E41-A5C2-F42C47637A7A}" type="presOf" srcId="{924689B8-E4E2-4802-BC6B-5B17E3AC8DDF}" destId="{E74DBF66-3AE1-4F14-A029-A5F2D0C36F78}" srcOrd="1" destOrd="0" presId="urn:microsoft.com/office/officeart/2005/8/layout/list1"/>
-    <dgm:cxn modelId="{A1CD1BE4-A834-4463-86D1-583A19E39584}" type="presOf" srcId="{9BF01063-3BAB-4F4D-ADE8-387A89D22F7C}" destId="{159D9149-F9AA-45E8-ABA6-7AC56A21C1F8}" srcOrd="0" destOrd="0" presId="urn:microsoft.com/office/officeart/2005/8/layout/list1"/>
-    <dgm:cxn modelId="{DED07964-2F3D-434B-8896-63F590AFB3D4}" srcId="{9BF01063-3BAB-4F4D-ADE8-387A89D22F7C}" destId="{4D5D3E7B-9F50-4387-AFBC-12316FB9B2E8}" srcOrd="0" destOrd="0" parTransId="{4B140464-D0A6-4FE6-BFF1-D92A0DD7F2F3}" sibTransId="{86595B4C-0A5C-4BD5-A6B3-FDB543D91B73}"/>
-    <dgm:cxn modelId="{E344A32A-539A-4B7E-ACFA-95DEF5620BA5}" srcId="{9BF01063-3BAB-4F4D-ADE8-387A89D22F7C}" destId="{3BFDB7AE-EA70-4208-99E4-6652F73E09AF}" srcOrd="1" destOrd="0" parTransId="{54A7580C-2761-4683-A631-30A94395D65A}" sibTransId="{9EFD2A57-70D2-4814-9534-F69C1AAF4BEC}"/>
-    <dgm:cxn modelId="{418BDB1E-B14B-41A7-9D8C-9C6887C8BC7F}" type="presOf" srcId="{4D5D3E7B-9F50-4387-AFBC-12316FB9B2E8}" destId="{15417C44-1630-41CC-AC5B-95723803EAAC}" srcOrd="1" destOrd="0" presId="urn:microsoft.com/office/officeart/2005/8/layout/list1"/>
-    <dgm:cxn modelId="{5BEF8FBD-F7BC-444D-94D8-BB8E5A82AA43}" srcId="{9BF01063-3BAB-4F4D-ADE8-387A89D22F7C}" destId="{924689B8-E4E2-4802-BC6B-5B17E3AC8DDF}" srcOrd="2" destOrd="0" parTransId="{670CB166-EC54-4ECF-99EE-166A3C70F39E}" sibTransId="{A9E69FD6-91A0-40D3-96F5-93981AACB6C2}"/>
     <dgm:cxn modelId="{BE00BBB3-1184-461B-97F7-D315BDD3D691}" type="presParOf" srcId="{159D9149-F9AA-45E8-ABA6-7AC56A21C1F8}" destId="{1063D51E-A931-450E-B6C9-26E16E6105C8}" srcOrd="0" destOrd="0" presId="urn:microsoft.com/office/officeart/2005/8/layout/list1"/>
     <dgm:cxn modelId="{79CF50A7-E302-42DE-B4FA-14593CA58892}" type="presParOf" srcId="{1063D51E-A931-450E-B6C9-26E16E6105C8}" destId="{F126904A-86E7-4DEB-A715-98702053D074}" srcOrd="0" destOrd="0" presId="urn:microsoft.com/office/officeart/2005/8/layout/list1"/>
     <dgm:cxn modelId="{3ABCB8CF-0045-4A73-BD75-619AA227F38A}" type="presParOf" srcId="{1063D51E-A931-450E-B6C9-26E16E6105C8}" destId="{15417C44-1630-41CC-AC5B-95723803EAAC}" srcOrd="1" destOrd="0" presId="urn:microsoft.com/office/officeart/2005/8/layout/list1"/>
@@ -15466,7 +15466,7 @@
         <p:nvSpPr>
           <p:cNvPr id="26627" name="Rectangle 2"/>
           <p:cNvSpPr>
-            <a:spLocks noRot="1" noChangeArrowheads="1" noTextEdit="1"/>
+            <a:spLocks noGrp="1" noRot="1" noChangeAspect="1" noChangeArrowheads="1" noTextEdit="1"/>
           </p:cNvSpPr>
           <p:nvPr>
             <p:ph type="sldImg"/>
@@ -17804,7 +17804,7 @@
               <a:pPr>
                 <a:defRPr/>
               </a:pPr>
-              <a:t>08/09/2013</a:t>
+              <a:t>15/09/2013</a:t>
             </a:fld>
             <a:endParaRPr lang="es-PE"/>
           </a:p>
@@ -18002,7 +18002,7 @@
               <a:pPr>
                 <a:defRPr/>
               </a:pPr>
-              <a:t>08/09/2013</a:t>
+              <a:t>15/09/2013</a:t>
             </a:fld>
             <a:endParaRPr lang="es-PE"/>
           </a:p>
@@ -18209,7 +18209,7 @@
               <a:pPr>
                 <a:defRPr/>
               </a:pPr>
-              <a:t>08/09/2013</a:t>
+              <a:t>15/09/2013</a:t>
             </a:fld>
             <a:endParaRPr lang="es-PE"/>
           </a:p>
@@ -19654,7 +19654,7 @@
               <a:pPr>
                 <a:defRPr/>
               </a:pPr>
-              <a:t>08/09/2013</a:t>
+              <a:t>15/09/2013</a:t>
             </a:fld>
             <a:endParaRPr lang="es-PE"/>
           </a:p>
@@ -21889,7 +21889,7 @@
               <a:pPr>
                 <a:defRPr/>
               </a:pPr>
-              <a:t>08/09/2013</a:t>
+              <a:t>15/09/2013</a:t>
             </a:fld>
             <a:endParaRPr lang="es-PE"/>
           </a:p>
@@ -24128,7 +24128,7 @@
               <a:pPr>
                 <a:defRPr/>
               </a:pPr>
-              <a:t>08/09/2013</a:t>
+              <a:t>15/09/2013</a:t>
             </a:fld>
             <a:endParaRPr lang="es-PE"/>
           </a:p>
@@ -26197,7 +26197,7 @@
               <a:pPr>
                 <a:defRPr/>
               </a:pPr>
-              <a:t>08/09/2013</a:t>
+              <a:t>15/09/2013</a:t>
             </a:fld>
             <a:endParaRPr lang="es-PE"/>
           </a:p>
@@ -27737,7 +27737,7 @@
               <a:pPr>
                 <a:defRPr/>
               </a:pPr>
-              <a:t>08/09/2013</a:t>
+              <a:t>15/09/2013</a:t>
             </a:fld>
             <a:endParaRPr lang="es-PE"/>
           </a:p>
@@ -27859,7 +27859,7 @@
               <a:pPr>
                 <a:defRPr/>
               </a:pPr>
-              <a:t>08/09/2013</a:t>
+              <a:t>15/09/2013</a:t>
             </a:fld>
             <a:endParaRPr lang="es-PE"/>
           </a:p>
@@ -28163,7 +28163,7 @@
               <a:pPr>
                 <a:defRPr/>
               </a:pPr>
-              <a:t>08/09/2013</a:t>
+              <a:t>15/09/2013</a:t>
             </a:fld>
             <a:endParaRPr lang="es-PE"/>
           </a:p>
@@ -28446,7 +28446,7 @@
               <a:pPr>
                 <a:defRPr/>
               </a:pPr>
-              <a:t>08/09/2013</a:t>
+              <a:t>15/09/2013</a:t>
             </a:fld>
             <a:endParaRPr lang="es-PE"/>
           </a:p>
@@ -28733,7 +28733,7 @@
               <a:pPr>
                 <a:defRPr/>
               </a:pPr>
-              <a:t>08/09/2013</a:t>
+              <a:t>15/09/2013</a:t>
             </a:fld>
             <a:endParaRPr lang="es-PE"/>
           </a:p>
@@ -37344,11 +37344,6 @@
               </a:rPr>
               <a:t>Requerimientos</a:t>
             </a:r>
-            <a:endParaRPr lang="es-ES" sz="2400" dirty="0" smtClean="0">
-              <a:solidFill>
-                <a:srgbClr val="000000"/>
-              </a:solidFill>
-            </a:endParaRPr>
           </a:p>
           <a:p>
             <a:pPr marL="787400" eaLnBrk="1" hangingPunct="1">
@@ -37380,15 +37375,7 @@
                   <a:srgbClr val="000000"/>
                 </a:solidFill>
               </a:rPr>
-              <a:t> </a:t>
-            </a:r>
-            <a:r>
-              <a:rPr lang="pt-BR" sz="2400" dirty="0" smtClean="0">
-                <a:solidFill>
-                  <a:srgbClr val="000000"/>
-                </a:solidFill>
-              </a:rPr>
-              <a:t>Historias de </a:t>
+              <a:t> Historias de </a:t>
             </a:r>
             <a:r>
               <a:rPr lang="es-ES" sz="2400" dirty="0" smtClean="0">
@@ -37408,12 +37395,20 @@
               <a:buChar char="ü"/>
             </a:pPr>
             <a:r>
+              <a:rPr lang="es-MX" sz="2400" dirty="0">
+                <a:solidFill>
+                  <a:srgbClr val="000000"/>
+                </a:solidFill>
+              </a:rPr>
+              <a:t>Diagrama de Clases de </a:t>
+            </a:r>
+            <a:r>
               <a:rPr lang="es-MX" sz="2400" dirty="0" smtClean="0">
                 <a:solidFill>
                   <a:srgbClr val="000000"/>
                 </a:solidFill>
               </a:rPr>
-              <a:t>Diagrama de Clases de Análisis (70%)</a:t>
+              <a:t>Análisis</a:t>
             </a:r>
           </a:p>
           <a:p>
@@ -37430,45 +37425,24 @@
                   <a:srgbClr val="000000"/>
                 </a:solidFill>
               </a:rPr>
-              <a:t>Principales Prototipos de Interfaz Gráfica (80%)</a:t>
-            </a:r>
-          </a:p>
-          <a:p>
-            <a:pPr marL="787400" eaLnBrk="1" hangingPunct="1">
-              <a:spcBef>
-                <a:spcPct val="40000"/>
-              </a:spcBef>
-              <a:buFont typeface="Wingdings" pitchFamily="2" charset="2"/>
-              <a:buChar char="ü"/>
-            </a:pPr>
-            <a:endParaRPr lang="es-MX" sz="2400" dirty="0" smtClean="0">
-              <a:solidFill>
-                <a:srgbClr val="000000"/>
-              </a:solidFill>
-            </a:endParaRPr>
-          </a:p>
-          <a:p>
-            <a:pPr marL="787400" eaLnBrk="1" hangingPunct="1">
-              <a:spcBef>
-                <a:spcPct val="40000"/>
-              </a:spcBef>
-              <a:buFont typeface="Wingdings" pitchFamily="2" charset="2"/>
-              <a:buChar char="ü"/>
-            </a:pPr>
-            <a:endParaRPr lang="es-MX" sz="2400" dirty="0" smtClean="0">
-              <a:solidFill>
-                <a:srgbClr val="000000"/>
-              </a:solidFill>
-            </a:endParaRPr>
-          </a:p>
-          <a:p>
-            <a:pPr marL="787400" eaLnBrk="1" hangingPunct="1">
-              <a:spcBef>
-                <a:spcPct val="40000"/>
-              </a:spcBef>
-              <a:buFont typeface="Wingdings" pitchFamily="2" charset="2"/>
-              <a:buChar char="ü"/>
-            </a:pPr>
+              <a:t>Principales </a:t>
+            </a:r>
+            <a:r>
+              <a:rPr lang="es-MX" sz="2400" dirty="0">
+                <a:solidFill>
+                  <a:srgbClr val="000000"/>
+                </a:solidFill>
+              </a:rPr>
+              <a:t>Prototipos de Interfaz </a:t>
+            </a:r>
+            <a:r>
+              <a:rPr lang="es-MX" sz="2400" dirty="0" smtClean="0">
+                <a:solidFill>
+                  <a:srgbClr val="000000"/>
+                </a:solidFill>
+              </a:rPr>
+              <a:t>Gráfica</a:t>
+            </a:r>
             <a:endParaRPr lang="es-PE" sz="2400" dirty="0" smtClean="0">
               <a:solidFill>
                 <a:srgbClr val="000000"/>
@@ -37698,29 +37672,18 @@
               <a:buChar char="ü"/>
             </a:pPr>
             <a:r>
-              <a:rPr lang="es-MX" sz="2400" dirty="0">
+              <a:rPr lang="es-MX" sz="2400" dirty="0" smtClean="0">
                 <a:solidFill>
                   <a:srgbClr val="000000"/>
                 </a:solidFill>
               </a:rPr>
-              <a:t>Diagrama de Clases de Análisis </a:t>
-            </a:r>
-            <a:r>
-              <a:rPr lang="es-MX" sz="2400" dirty="0" smtClean="0">
-                <a:solidFill>
-                  <a:srgbClr val="000000"/>
-                </a:solidFill>
-              </a:rPr>
-              <a:t>(100</a:t>
-            </a:r>
-            <a:r>
-              <a:rPr lang="es-MX" sz="2400" dirty="0">
-                <a:solidFill>
-                  <a:srgbClr val="000000"/>
-                </a:solidFill>
-              </a:rPr>
-              <a:t>%)</a:t>
-            </a:r>
+              <a:t>Documento de Arquitectura (100%)</a:t>
+            </a:r>
+            <a:endParaRPr lang="es-MX" sz="2400" dirty="0">
+              <a:solidFill>
+                <a:srgbClr val="000000"/>
+              </a:solidFill>
+            </a:endParaRPr>
           </a:p>
           <a:p>
             <a:pPr marL="787400" eaLnBrk="1" hangingPunct="1">
@@ -37731,29 +37694,18 @@
               <a:buChar char="ü"/>
             </a:pPr>
             <a:r>
-              <a:rPr lang="es-MX" sz="2400" dirty="0">
+              <a:rPr lang="es-MX" sz="2400" dirty="0" smtClean="0">
                 <a:solidFill>
                   <a:srgbClr val="000000"/>
                 </a:solidFill>
               </a:rPr>
-              <a:t>Principales Prototipos de Interfaz Gráfica </a:t>
-            </a:r>
-            <a:r>
-              <a:rPr lang="es-MX" sz="2400" dirty="0" smtClean="0">
-                <a:solidFill>
-                  <a:srgbClr val="000000"/>
-                </a:solidFill>
-              </a:rPr>
-              <a:t>(100</a:t>
-            </a:r>
-            <a:r>
-              <a:rPr lang="es-MX" sz="2400" dirty="0">
-                <a:solidFill>
-                  <a:srgbClr val="000000"/>
-                </a:solidFill>
-              </a:rPr>
-              <a:t>%)</a:t>
-            </a:r>
+              <a:t>Lógica de búsqueda y asignación de proveedores (pseudocódigo y diagramas al 100%)</a:t>
+            </a:r>
+            <a:endParaRPr lang="es-MX" sz="2400" dirty="0">
+              <a:solidFill>
+                <a:srgbClr val="000000"/>
+              </a:solidFill>
+            </a:endParaRPr>
           </a:p>
         </p:txBody>
       </p:sp>

--- a/Documentación/Presentaciones PPT/Tesis 2 - Mendez Presentación.pptx
+++ b/Documentación/Presentaciones PPT/Tesis 2 - Mendez Presentación.pptx
@@ -9,7 +9,7 @@
     <p:sldMasterId id="2147483810" r:id="rId5"/>
   </p:sldMasterIdLst>
   <p:notesMasterIdLst>
-    <p:notesMasterId r:id="rId23"/>
+    <p:notesMasterId r:id="rId25"/>
   </p:notesMasterIdLst>
   <p:sldIdLst>
     <p:sldId id="257" r:id="rId6"/>
@@ -25,10 +25,12 @@
     <p:sldId id="287" r:id="rId16"/>
     <p:sldId id="288" r:id="rId17"/>
     <p:sldId id="273" r:id="rId18"/>
-    <p:sldId id="276" r:id="rId19"/>
-    <p:sldId id="290" r:id="rId20"/>
-    <p:sldId id="291" r:id="rId21"/>
-    <p:sldId id="289" r:id="rId22"/>
+    <p:sldId id="290" r:id="rId19"/>
+    <p:sldId id="291" r:id="rId20"/>
+    <p:sldId id="292" r:id="rId21"/>
+    <p:sldId id="294" r:id="rId22"/>
+    <p:sldId id="293" r:id="rId23"/>
+    <p:sldId id="289" r:id="rId24"/>
   </p:sldIdLst>
   <p:sldSz cx="9144000" cy="6858000" type="screen4x3"/>
   <p:notesSz cx="6858000" cy="9144000"/>
@@ -4559,7 +4561,15 @@
         <a:p>
           <a:r>
             <a:rPr lang="es-ES" sz="1600" dirty="0" smtClean="0"/>
-            <a:t>Implementar un proceso de búsqueda para la asignación automática del mejor proveedor al cliente basada en el algoritmo Tabú </a:t>
+            <a:t>Implementar un proceso de búsqueda para la asignación automática </a:t>
+          </a:r>
+          <a:r>
+            <a:rPr lang="es-ES" sz="1600" dirty="0" smtClean="0"/>
+            <a:t>de los mejores proveedores </a:t>
+          </a:r>
+          <a:r>
+            <a:rPr lang="es-ES" sz="1600" dirty="0" smtClean="0"/>
+            <a:t>al cliente basada en el algoritmo Tabú </a:t>
           </a:r>
           <a:r>
             <a:rPr lang="es-MX" sz="1600" dirty="0" smtClean="0"/>
@@ -4570,35 +4580,42 @@
           </a:br>
           <a:r>
             <a:rPr lang="es-MX" sz="1600" dirty="0" smtClean="0"/>
-            <a:t>   a. Disponibilidad del proveedor, según calendario virtual.</a:t>
+            <a:t>   a. Tipos de servicios requeridos por el cliente.</a:t>
           </a:r>
           <a:br>
             <a:rPr lang="es-MX" sz="1600" dirty="0" smtClean="0"/>
           </a:br>
           <a:r>
             <a:rPr lang="es-MX" sz="1600" dirty="0" smtClean="0"/>
-            <a:t>   b. Distanciamiento entre proveedor y cliente.</a:t>
+            <a:t>   b. Servicios brindados por los proveedores.</a:t>
           </a:r>
           <a:br>
             <a:rPr lang="es-MX" sz="1600" dirty="0" smtClean="0"/>
           </a:br>
           <a:r>
             <a:rPr lang="es-MX" sz="1600" dirty="0" smtClean="0"/>
-            <a:t>   c. Puntuación promedio del proveedor, según la calificación de los   </a:t>
+            <a:t>   c. Distanciamiento entre proveedores y cliente.</a:t>
           </a:r>
           <a:br>
             <a:rPr lang="es-MX" sz="1600" dirty="0" smtClean="0"/>
           </a:br>
           <a:r>
             <a:rPr lang="es-MX" sz="1600" dirty="0" smtClean="0"/>
-            <a:t>       clientes.</a:t>
+            <a:t>   d. Puntuación promedio del proveedor, según la calificación de los   </a:t>
           </a:r>
           <a:br>
             <a:rPr lang="es-MX" sz="1600" dirty="0" smtClean="0"/>
           </a:br>
           <a:r>
             <a:rPr lang="es-MX" sz="1600" dirty="0" smtClean="0"/>
-            <a:t>   d. Cumplimiento por parte del proveedor de las reglas de negocio.</a:t>
+            <a:t>       clientes por trabajos anteriores.</a:t>
+          </a:r>
+          <a:br>
+            <a:rPr lang="es-MX" sz="1600" dirty="0" smtClean="0"/>
+          </a:br>
+          <a:r>
+            <a:rPr lang="es-MX" sz="1600" dirty="0" smtClean="0"/>
+            <a:t>   e. Cumplimiento por parte del proveedor de las reglas de negocio.</a:t>
           </a:r>
           <a:endParaRPr lang="es-PE" sz="1600" dirty="0"/>
         </a:p>
@@ -4859,22 +4876,22 @@
     </dgm:pt>
   </dgm:ptLst>
   <dgm:cxnLst>
+    <dgm:cxn modelId="{78C0F103-0BC0-46BC-BBBC-D58341736E99}" type="presOf" srcId="{5D56325C-A28C-4982-810F-F3CCECEC2E7D}" destId="{3C682040-43AF-4BE8-950E-E13003E6C6C7}" srcOrd="0" destOrd="0" presId="urn:microsoft.com/office/officeart/2005/8/layout/list1"/>
+    <dgm:cxn modelId="{2206174B-0967-4701-B7BB-572D079B3A22}" srcId="{3BFDB7AE-EA70-4208-99E4-6652F73E09AF}" destId="{5D56325C-A28C-4982-810F-F3CCECEC2E7D}" srcOrd="0" destOrd="0" parTransId="{5D99972C-BEA3-4759-BAAC-F0514ABC1FE1}" sibTransId="{ECCC7701-505F-42F0-B3C4-E9890A7BB77B}"/>
+    <dgm:cxn modelId="{C611089B-F9C4-4CB8-A2DC-4A6E2B8ECF02}" srcId="{924689B8-E4E2-4802-BC6B-5B17E3AC8DDF}" destId="{A43E1EE4-EA84-469B-B8E9-F87184BCD406}" srcOrd="0" destOrd="0" parTransId="{B5EEE765-35D4-4DF0-BFEC-78B63BE24D65}" sibTransId="{DFDEAEA3-03A5-44E8-ACA1-35C31669F285}"/>
+    <dgm:cxn modelId="{FB20BC1E-834C-48C0-BD4E-04A5E0873844}" srcId="{4D5D3E7B-9F50-4387-AFBC-12316FB9B2E8}" destId="{4C11F0D3-B1D8-41E5-B4ED-D28D5406ED7A}" srcOrd="0" destOrd="0" parTransId="{C60CEBD2-531F-45D5-9CB2-1FBB715F4879}" sibTransId="{A1BF3405-CB09-4D5F-AAD9-E76A127FDC0C}"/>
+    <dgm:cxn modelId="{4219486A-1AA6-4D7C-8DCD-F38DE310E10B}" type="presOf" srcId="{924689B8-E4E2-4802-BC6B-5B17E3AC8DDF}" destId="{E2ADE456-C079-4778-88D3-2ABF030BE345}" srcOrd="0" destOrd="0" presId="urn:microsoft.com/office/officeart/2005/8/layout/list1"/>
+    <dgm:cxn modelId="{26882D24-1258-440C-9950-32BA7E116E89}" type="presOf" srcId="{A43E1EE4-EA84-469B-B8E9-F87184BCD406}" destId="{FC04ED5C-48CE-49A3-98DF-4CA3B004B014}" srcOrd="0" destOrd="0" presId="urn:microsoft.com/office/officeart/2005/8/layout/list1"/>
+    <dgm:cxn modelId="{108E09CC-8703-4C9A-9F4C-239B367EEF86}" type="presOf" srcId="{3BFDB7AE-EA70-4208-99E4-6652F73E09AF}" destId="{501DDC76-9B9F-4697-8027-10EB121BC8A9}" srcOrd="1" destOrd="0" presId="urn:microsoft.com/office/officeart/2005/8/layout/list1"/>
+    <dgm:cxn modelId="{5D020E2A-D409-452B-ABB3-0EFE3A92652C}" type="presOf" srcId="{4C11F0D3-B1D8-41E5-B4ED-D28D5406ED7A}" destId="{C94856A0-C8B1-4244-B645-C266926A0AAB}" srcOrd="0" destOrd="0" presId="urn:microsoft.com/office/officeart/2005/8/layout/list1"/>
+    <dgm:cxn modelId="{9738BE00-F026-4DB2-B7F4-EA1061D3A7FF}" type="presOf" srcId="{3BFDB7AE-EA70-4208-99E4-6652F73E09AF}" destId="{0F91977E-FD5F-4F09-AD28-B3380115D8C3}" srcOrd="0" destOrd="0" presId="urn:microsoft.com/office/officeart/2005/8/layout/list1"/>
+    <dgm:cxn modelId="{D348ABC0-E7C5-475A-B6F1-B134560759E1}" type="presOf" srcId="{4D5D3E7B-9F50-4387-AFBC-12316FB9B2E8}" destId="{F126904A-86E7-4DEB-A715-98702053D074}" srcOrd="0" destOrd="0" presId="urn:microsoft.com/office/officeart/2005/8/layout/list1"/>
+    <dgm:cxn modelId="{3B487C66-25D7-4E41-A5C2-F42C47637A7A}" type="presOf" srcId="{924689B8-E4E2-4802-BC6B-5B17E3AC8DDF}" destId="{E74DBF66-3AE1-4F14-A029-A5F2D0C36F78}" srcOrd="1" destOrd="0" presId="urn:microsoft.com/office/officeart/2005/8/layout/list1"/>
+    <dgm:cxn modelId="{A1CD1BE4-A834-4463-86D1-583A19E39584}" type="presOf" srcId="{9BF01063-3BAB-4F4D-ADE8-387A89D22F7C}" destId="{159D9149-F9AA-45E8-ABA6-7AC56A21C1F8}" srcOrd="0" destOrd="0" presId="urn:microsoft.com/office/officeart/2005/8/layout/list1"/>
+    <dgm:cxn modelId="{DED07964-2F3D-434B-8896-63F590AFB3D4}" srcId="{9BF01063-3BAB-4F4D-ADE8-387A89D22F7C}" destId="{4D5D3E7B-9F50-4387-AFBC-12316FB9B2E8}" srcOrd="0" destOrd="0" parTransId="{4B140464-D0A6-4FE6-BFF1-D92A0DD7F2F3}" sibTransId="{86595B4C-0A5C-4BD5-A6B3-FDB543D91B73}"/>
+    <dgm:cxn modelId="{E344A32A-539A-4B7E-ACFA-95DEF5620BA5}" srcId="{9BF01063-3BAB-4F4D-ADE8-387A89D22F7C}" destId="{3BFDB7AE-EA70-4208-99E4-6652F73E09AF}" srcOrd="1" destOrd="0" parTransId="{54A7580C-2761-4683-A631-30A94395D65A}" sibTransId="{9EFD2A57-70D2-4814-9534-F69C1AAF4BEC}"/>
+    <dgm:cxn modelId="{418BDB1E-B14B-41A7-9D8C-9C6887C8BC7F}" type="presOf" srcId="{4D5D3E7B-9F50-4387-AFBC-12316FB9B2E8}" destId="{15417C44-1630-41CC-AC5B-95723803EAAC}" srcOrd="1" destOrd="0" presId="urn:microsoft.com/office/officeart/2005/8/layout/list1"/>
     <dgm:cxn modelId="{5BEF8FBD-F7BC-444D-94D8-BB8E5A82AA43}" srcId="{9BF01063-3BAB-4F4D-ADE8-387A89D22F7C}" destId="{924689B8-E4E2-4802-BC6B-5B17E3AC8DDF}" srcOrd="2" destOrd="0" parTransId="{670CB166-EC54-4ECF-99EE-166A3C70F39E}" sibTransId="{A9E69FD6-91A0-40D3-96F5-93981AACB6C2}"/>
-    <dgm:cxn modelId="{4219486A-1AA6-4D7C-8DCD-F38DE310E10B}" type="presOf" srcId="{924689B8-E4E2-4802-BC6B-5B17E3AC8DDF}" destId="{E2ADE456-C079-4778-88D3-2ABF030BE345}" srcOrd="0" destOrd="0" presId="urn:microsoft.com/office/officeart/2005/8/layout/list1"/>
-    <dgm:cxn modelId="{A1CD1BE4-A834-4463-86D1-583A19E39584}" type="presOf" srcId="{9BF01063-3BAB-4F4D-ADE8-387A89D22F7C}" destId="{159D9149-F9AA-45E8-ABA6-7AC56A21C1F8}" srcOrd="0" destOrd="0" presId="urn:microsoft.com/office/officeart/2005/8/layout/list1"/>
-    <dgm:cxn modelId="{5D020E2A-D409-452B-ABB3-0EFE3A92652C}" type="presOf" srcId="{4C11F0D3-B1D8-41E5-B4ED-D28D5406ED7A}" destId="{C94856A0-C8B1-4244-B645-C266926A0AAB}" srcOrd="0" destOrd="0" presId="urn:microsoft.com/office/officeart/2005/8/layout/list1"/>
-    <dgm:cxn modelId="{FB20BC1E-834C-48C0-BD4E-04A5E0873844}" srcId="{4D5D3E7B-9F50-4387-AFBC-12316FB9B2E8}" destId="{4C11F0D3-B1D8-41E5-B4ED-D28D5406ED7A}" srcOrd="0" destOrd="0" parTransId="{C60CEBD2-531F-45D5-9CB2-1FBB715F4879}" sibTransId="{A1BF3405-CB09-4D5F-AAD9-E76A127FDC0C}"/>
-    <dgm:cxn modelId="{9738BE00-F026-4DB2-B7F4-EA1061D3A7FF}" type="presOf" srcId="{3BFDB7AE-EA70-4208-99E4-6652F73E09AF}" destId="{0F91977E-FD5F-4F09-AD28-B3380115D8C3}" srcOrd="0" destOrd="0" presId="urn:microsoft.com/office/officeart/2005/8/layout/list1"/>
-    <dgm:cxn modelId="{3B487C66-25D7-4E41-A5C2-F42C47637A7A}" type="presOf" srcId="{924689B8-E4E2-4802-BC6B-5B17E3AC8DDF}" destId="{E74DBF66-3AE1-4F14-A029-A5F2D0C36F78}" srcOrd="1" destOrd="0" presId="urn:microsoft.com/office/officeart/2005/8/layout/list1"/>
-    <dgm:cxn modelId="{26882D24-1258-440C-9950-32BA7E116E89}" type="presOf" srcId="{A43E1EE4-EA84-469B-B8E9-F87184BCD406}" destId="{FC04ED5C-48CE-49A3-98DF-4CA3B004B014}" srcOrd="0" destOrd="0" presId="urn:microsoft.com/office/officeart/2005/8/layout/list1"/>
-    <dgm:cxn modelId="{418BDB1E-B14B-41A7-9D8C-9C6887C8BC7F}" type="presOf" srcId="{4D5D3E7B-9F50-4387-AFBC-12316FB9B2E8}" destId="{15417C44-1630-41CC-AC5B-95723803EAAC}" srcOrd="1" destOrd="0" presId="urn:microsoft.com/office/officeart/2005/8/layout/list1"/>
-    <dgm:cxn modelId="{78C0F103-0BC0-46BC-BBBC-D58341736E99}" type="presOf" srcId="{5D56325C-A28C-4982-810F-F3CCECEC2E7D}" destId="{3C682040-43AF-4BE8-950E-E13003E6C6C7}" srcOrd="0" destOrd="0" presId="urn:microsoft.com/office/officeart/2005/8/layout/list1"/>
-    <dgm:cxn modelId="{E344A32A-539A-4B7E-ACFA-95DEF5620BA5}" srcId="{9BF01063-3BAB-4F4D-ADE8-387A89D22F7C}" destId="{3BFDB7AE-EA70-4208-99E4-6652F73E09AF}" srcOrd="1" destOrd="0" parTransId="{54A7580C-2761-4683-A631-30A94395D65A}" sibTransId="{9EFD2A57-70D2-4814-9534-F69C1AAF4BEC}"/>
-    <dgm:cxn modelId="{108E09CC-8703-4C9A-9F4C-239B367EEF86}" type="presOf" srcId="{3BFDB7AE-EA70-4208-99E4-6652F73E09AF}" destId="{501DDC76-9B9F-4697-8027-10EB121BC8A9}" srcOrd="1" destOrd="0" presId="urn:microsoft.com/office/officeart/2005/8/layout/list1"/>
-    <dgm:cxn modelId="{DED07964-2F3D-434B-8896-63F590AFB3D4}" srcId="{9BF01063-3BAB-4F4D-ADE8-387A89D22F7C}" destId="{4D5D3E7B-9F50-4387-AFBC-12316FB9B2E8}" srcOrd="0" destOrd="0" parTransId="{4B140464-D0A6-4FE6-BFF1-D92A0DD7F2F3}" sibTransId="{86595B4C-0A5C-4BD5-A6B3-FDB543D91B73}"/>
-    <dgm:cxn modelId="{2206174B-0967-4701-B7BB-572D079B3A22}" srcId="{3BFDB7AE-EA70-4208-99E4-6652F73E09AF}" destId="{5D56325C-A28C-4982-810F-F3CCECEC2E7D}" srcOrd="0" destOrd="0" parTransId="{5D99972C-BEA3-4759-BAAC-F0514ABC1FE1}" sibTransId="{ECCC7701-505F-42F0-B3C4-E9890A7BB77B}"/>
-    <dgm:cxn modelId="{D348ABC0-E7C5-475A-B6F1-B134560759E1}" type="presOf" srcId="{4D5D3E7B-9F50-4387-AFBC-12316FB9B2E8}" destId="{F126904A-86E7-4DEB-A715-98702053D074}" srcOrd="0" destOrd="0" presId="urn:microsoft.com/office/officeart/2005/8/layout/list1"/>
-    <dgm:cxn modelId="{C611089B-F9C4-4CB8-A2DC-4A6E2B8ECF02}" srcId="{924689B8-E4E2-4802-BC6B-5B17E3AC8DDF}" destId="{A43E1EE4-EA84-469B-B8E9-F87184BCD406}" srcOrd="0" destOrd="0" parTransId="{B5EEE765-35D4-4DF0-BFEC-78B63BE24D65}" sibTransId="{DFDEAEA3-03A5-44E8-ACA1-35C31669F285}"/>
     <dgm:cxn modelId="{BE00BBB3-1184-461B-97F7-D315BDD3D691}" type="presParOf" srcId="{159D9149-F9AA-45E8-ABA6-7AC56A21C1F8}" destId="{1063D51E-A931-450E-B6C9-26E16E6105C8}" srcOrd="0" destOrd="0" presId="urn:microsoft.com/office/officeart/2005/8/layout/list1"/>
     <dgm:cxn modelId="{79CF50A7-E302-42DE-B4FA-14593CA58892}" type="presParOf" srcId="{1063D51E-A931-450E-B6C9-26E16E6105C8}" destId="{F126904A-86E7-4DEB-A715-98702053D074}" srcOrd="0" destOrd="0" presId="urn:microsoft.com/office/officeart/2005/8/layout/list1"/>
     <dgm:cxn modelId="{3ABCB8CF-0045-4A73-BD75-619AA227F38A}" type="presParOf" srcId="{1063D51E-A931-450E-B6C9-26E16E6105C8}" destId="{15417C44-1630-41CC-AC5B-95723803EAAC}" srcOrd="1" destOrd="0" presId="urn:microsoft.com/office/officeart/2005/8/layout/list1"/>
@@ -5193,7 +5210,15 @@
         <a:p>
           <a:r>
             <a:rPr lang="es-PE" sz="1400" dirty="0" smtClean="0"/>
-            <a:t>Documento que contiene en lenguaje natural y en español el pseudocódigo del algoritmo Tabú para la asignación del mejor proveedor al cliente, dados los factores mencionados en el objetivo específico 4.</a:t>
+            <a:t>Documento que contiene en lenguaje natural y en español el pseudocódigo del algoritmo Tabú para la asignación </a:t>
+          </a:r>
+          <a:r>
+            <a:rPr lang="es-PE" sz="1400" dirty="0" smtClean="0"/>
+            <a:t>de los mejores proveedores </a:t>
+          </a:r>
+          <a:r>
+            <a:rPr lang="es-PE" sz="1400" dirty="0" smtClean="0"/>
+            <a:t>al cliente, dados los factores mencionados en el objetivo específico 4.</a:t>
           </a:r>
           <a:endParaRPr lang="es-PE" sz="1400" dirty="0"/>
         </a:p>
@@ -6621,8 +6646,8 @@
       </dsp:nvSpPr>
       <dsp:spPr>
         <a:xfrm>
-          <a:off x="0" y="340245"/>
-          <a:ext cx="8136904" cy="2074297"/>
+          <a:off x="0" y="273603"/>
+          <a:ext cx="8136904" cy="2283792"/>
         </a:xfrm>
         <a:prstGeom prst="rect">
           <a:avLst/>
@@ -6662,7 +6687,7 @@
         <a:fontRef idx="minor"/>
       </dsp:style>
       <dsp:txBody>
-        <a:bodyPr spcFirstLastPara="0" vert="horz" wrap="square" lIns="631514" tIns="291592" rIns="631514" bIns="113792" numCol="1" spcCol="1270" anchor="t" anchorCtr="0">
+        <a:bodyPr spcFirstLastPara="0" vert="horz" wrap="square" lIns="631514" tIns="270764" rIns="631514" bIns="113792" numCol="1" spcCol="1270" anchor="t" anchorCtr="0">
           <a:noAutofit/>
         </a:bodyPr>
         <a:lstStyle/>
@@ -6681,7 +6706,15 @@
           </a:pPr>
           <a:r>
             <a:rPr lang="es-ES" sz="1600" kern="1200" dirty="0" smtClean="0"/>
-            <a:t>Implementar un proceso de búsqueda para la asignación automática del mejor proveedor al cliente basada en el algoritmo Tabú </a:t>
+            <a:t>Implementar un proceso de búsqueda para la asignación automática </a:t>
+          </a:r>
+          <a:r>
+            <a:rPr lang="es-ES" sz="1600" kern="1200" dirty="0" smtClean="0"/>
+            <a:t>de los mejores proveedores </a:t>
+          </a:r>
+          <a:r>
+            <a:rPr lang="es-ES" sz="1600" kern="1200" dirty="0" smtClean="0"/>
+            <a:t>al cliente basada en el algoritmo Tabú </a:t>
           </a:r>
           <a:r>
             <a:rPr lang="es-MX" sz="1600" kern="1200" dirty="0" smtClean="0"/>
@@ -6692,42 +6725,49 @@
           </a:br>
           <a:r>
             <a:rPr lang="es-MX" sz="1600" kern="1200" dirty="0" smtClean="0"/>
-            <a:t>   a. Disponibilidad del proveedor, según calendario virtual.</a:t>
+            <a:t>   a. Tipos de servicios requeridos por el cliente.</a:t>
           </a:r>
           <a:br>
             <a:rPr lang="es-MX" sz="1600" kern="1200" dirty="0" smtClean="0"/>
           </a:br>
           <a:r>
             <a:rPr lang="es-MX" sz="1600" kern="1200" dirty="0" smtClean="0"/>
-            <a:t>   b. Distanciamiento entre proveedor y cliente.</a:t>
+            <a:t>   b. Servicios brindados por los proveedores.</a:t>
           </a:r>
           <a:br>
             <a:rPr lang="es-MX" sz="1600" kern="1200" dirty="0" smtClean="0"/>
           </a:br>
           <a:r>
             <a:rPr lang="es-MX" sz="1600" kern="1200" dirty="0" smtClean="0"/>
-            <a:t>   c. Puntuación promedio del proveedor, según la calificación de los   </a:t>
+            <a:t>   c. Distanciamiento entre proveedores y cliente.</a:t>
           </a:r>
           <a:br>
             <a:rPr lang="es-MX" sz="1600" kern="1200" dirty="0" smtClean="0"/>
           </a:br>
           <a:r>
             <a:rPr lang="es-MX" sz="1600" kern="1200" dirty="0" smtClean="0"/>
-            <a:t>       clientes.</a:t>
+            <a:t>   d. Puntuación promedio del proveedor, según la calificación de los   </a:t>
           </a:r>
           <a:br>
             <a:rPr lang="es-MX" sz="1600" kern="1200" dirty="0" smtClean="0"/>
           </a:br>
           <a:r>
             <a:rPr lang="es-MX" sz="1600" kern="1200" dirty="0" smtClean="0"/>
-            <a:t>   d. Cumplimiento por parte del proveedor de las reglas de negocio.</a:t>
+            <a:t>       clientes por trabajos anteriores.</a:t>
+          </a:r>
+          <a:br>
+            <a:rPr lang="es-MX" sz="1600" kern="1200" dirty="0" smtClean="0"/>
+          </a:br>
+          <a:r>
+            <a:rPr lang="es-MX" sz="1600" kern="1200" dirty="0" smtClean="0"/>
+            <a:t>   e. Cumplimiento por parte del proveedor de las reglas de negocio.</a:t>
           </a:r>
           <a:endParaRPr lang="es-PE" sz="1600" kern="1200" dirty="0"/>
         </a:p>
       </dsp:txBody>
       <dsp:txXfrm>
-        <a:off x="0" y="340245"/>
-        <a:ext cx="8136904" cy="2074297"/>
+        <a:off x="0" y="273603"/>
+        <a:ext cx="8136904" cy="2283792"/>
       </dsp:txXfrm>
     </dsp:sp>
     <dsp:sp modelId="{15417C44-1630-41CC-AC5B-95723803EAAC}">
@@ -6737,8 +6777,8 @@
       </dsp:nvSpPr>
       <dsp:spPr>
         <a:xfrm>
-          <a:off x="406845" y="59805"/>
-          <a:ext cx="5695832" cy="560880"/>
+          <a:off x="406845" y="7923"/>
+          <a:ext cx="5695832" cy="531360"/>
         </a:xfrm>
         <a:prstGeom prst="roundRect">
           <a:avLst/>
@@ -6803,8 +6843,8 @@
         </a:p>
       </dsp:txBody>
       <dsp:txXfrm>
-        <a:off x="434225" y="87185"/>
-        <a:ext cx="5641072" cy="506120"/>
+        <a:off x="432784" y="33862"/>
+        <a:ext cx="5643954" cy="479482"/>
       </dsp:txXfrm>
     </dsp:sp>
     <dsp:sp modelId="{3C682040-43AF-4BE8-950E-E13003E6C6C7}">
@@ -6814,8 +6854,8 @@
       </dsp:nvSpPr>
       <dsp:spPr>
         <a:xfrm>
-          <a:off x="0" y="2797582"/>
-          <a:ext cx="8136904" cy="925852"/>
+          <a:off x="0" y="2920276"/>
+          <a:ext cx="8136904" cy="899613"/>
         </a:xfrm>
         <a:prstGeom prst="rect">
           <a:avLst/>
@@ -6855,7 +6895,7 @@
         <a:fontRef idx="minor"/>
       </dsp:style>
       <dsp:txBody>
-        <a:bodyPr spcFirstLastPara="0" vert="horz" wrap="square" lIns="631514" tIns="291592" rIns="631514" bIns="113792" numCol="1" spcCol="1270" anchor="t" anchorCtr="0">
+        <a:bodyPr spcFirstLastPara="0" vert="horz" wrap="square" lIns="631514" tIns="270764" rIns="631514" bIns="113792" numCol="1" spcCol="1270" anchor="t" anchorCtr="0">
           <a:noAutofit/>
         </a:bodyPr>
         <a:lstStyle/>
@@ -6887,8 +6927,8 @@
         </a:p>
       </dsp:txBody>
       <dsp:txXfrm>
-        <a:off x="0" y="2797582"/>
-        <a:ext cx="8136904" cy="925852"/>
+        <a:off x="0" y="2920276"/>
+        <a:ext cx="8136904" cy="899613"/>
       </dsp:txXfrm>
     </dsp:sp>
     <dsp:sp modelId="{501DDC76-9B9F-4697-8027-10EB121BC8A9}">
@@ -6898,8 +6938,8 @@
       </dsp:nvSpPr>
       <dsp:spPr>
         <a:xfrm>
-          <a:off x="406845" y="2517142"/>
-          <a:ext cx="5695832" cy="560880"/>
+          <a:off x="406845" y="2654596"/>
+          <a:ext cx="5695832" cy="531360"/>
         </a:xfrm>
         <a:prstGeom prst="roundRect">
           <a:avLst/>
@@ -6964,8 +7004,8 @@
         </a:p>
       </dsp:txBody>
       <dsp:txXfrm>
-        <a:off x="434225" y="2544522"/>
-        <a:ext cx="5641072" cy="506120"/>
+        <a:off x="432784" y="2680535"/>
+        <a:ext cx="5643954" cy="479482"/>
       </dsp:txXfrm>
     </dsp:sp>
     <dsp:sp modelId="{FC04ED5C-48CE-49A3-98DF-4CA3B004B014}">
@@ -6975,8 +7015,8 @@
       </dsp:nvSpPr>
       <dsp:spPr>
         <a:xfrm>
-          <a:off x="0" y="4106475"/>
-          <a:ext cx="8136904" cy="733162"/>
+          <a:off x="0" y="4182769"/>
+          <a:ext cx="8136904" cy="708750"/>
         </a:xfrm>
         <a:prstGeom prst="rect">
           <a:avLst/>
@@ -7016,7 +7056,7 @@
         <a:fontRef idx="minor"/>
       </dsp:style>
       <dsp:txBody>
-        <a:bodyPr spcFirstLastPara="0" vert="horz" wrap="square" lIns="631514" tIns="291592" rIns="631514" bIns="113792" numCol="1" spcCol="1270" anchor="t" anchorCtr="0">
+        <a:bodyPr spcFirstLastPara="0" vert="horz" wrap="square" lIns="631514" tIns="270764" rIns="631514" bIns="113792" numCol="1" spcCol="1270" anchor="t" anchorCtr="0">
           <a:noAutofit/>
         </a:bodyPr>
         <a:lstStyle/>
@@ -7041,8 +7081,8 @@
         </a:p>
       </dsp:txBody>
       <dsp:txXfrm>
-        <a:off x="0" y="4106475"/>
-        <a:ext cx="8136904" cy="733162"/>
+        <a:off x="0" y="4182769"/>
+        <a:ext cx="8136904" cy="708750"/>
       </dsp:txXfrm>
     </dsp:sp>
     <dsp:sp modelId="{E74DBF66-3AE1-4F14-A029-A5F2D0C36F78}">
@@ -7052,8 +7092,8 @@
       </dsp:nvSpPr>
       <dsp:spPr>
         <a:xfrm>
-          <a:off x="406845" y="3826035"/>
-          <a:ext cx="5695832" cy="560880"/>
+          <a:off x="406845" y="3917089"/>
+          <a:ext cx="5695832" cy="531360"/>
         </a:xfrm>
         <a:prstGeom prst="roundRect">
           <a:avLst/>
@@ -7118,8 +7158,8 @@
         </a:p>
       </dsp:txBody>
       <dsp:txXfrm>
-        <a:off x="434225" y="3853415"/>
-        <a:ext cx="5641072" cy="506120"/>
+        <a:off x="432784" y="3943028"/>
+        <a:ext cx="5643954" cy="479482"/>
       </dsp:txXfrm>
     </dsp:sp>
   </dsp:spTree>
@@ -7686,7 +7726,15 @@
           </a:pPr>
           <a:r>
             <a:rPr lang="es-PE" sz="1400" kern="1200" dirty="0" smtClean="0"/>
-            <a:t>Documento que contiene en lenguaje natural y en español el pseudocódigo del algoritmo Tabú para la asignación del mejor proveedor al cliente, dados los factores mencionados en el objetivo específico 4.</a:t>
+            <a:t>Documento que contiene en lenguaje natural y en español el pseudocódigo del algoritmo Tabú para la asignación </a:t>
+          </a:r>
+          <a:r>
+            <a:rPr lang="es-PE" sz="1400" kern="1200" dirty="0" smtClean="0"/>
+            <a:t>de los mejores proveedores </a:t>
+          </a:r>
+          <a:r>
+            <a:rPr lang="es-PE" sz="1400" kern="1200" dirty="0" smtClean="0"/>
+            <a:t>al cliente, dados los factores mencionados en el objetivo específico 4.</a:t>
           </a:r>
           <a:endParaRPr lang="es-PE" sz="1400" kern="1200" dirty="0"/>
         </a:p>
@@ -15320,6 +15368,628 @@
       </p:grpSpPr>
       <p:sp>
         <p:nvSpPr>
+          <p:cNvPr id="25602" name="Rectangle 7"/>
+          <p:cNvSpPr>
+            <a:spLocks noGrp="1" noChangeArrowheads="1"/>
+          </p:cNvSpPr>
+          <p:nvPr>
+            <p:ph type="sldNum" sz="quarter" idx="5"/>
+          </p:nvPr>
+        </p:nvSpPr>
+        <p:spPr>
+          <a:noFill/>
+          <a:ln/>
+          <a:extLst>
+            <a:ext uri="{909E8E84-426E-40DD-AFC4-6F175D3DCCD1}">
+              <a14:hiddenFill xmlns:a14="http://schemas.microsoft.com/office/drawing/2010/main">
+                <a:solidFill>
+                  <a:srgbClr val="FFFFFF"/>
+                </a:solidFill>
+              </a14:hiddenFill>
+            </a:ext>
+            <a:ext uri="{91240B29-F687-4F45-9708-019B960494DF}">
+              <a14:hiddenLine xmlns:a14="http://schemas.microsoft.com/office/drawing/2010/main" w="9525">
+                <a:solidFill>
+                  <a:srgbClr val="000000"/>
+                </a:solidFill>
+                <a:miter lim="800000"/>
+                <a:headEnd/>
+                <a:tailEnd/>
+              </a14:hiddenLine>
+            </a:ext>
+          </a:extLst>
+        </p:spPr>
+        <p:txBody>
+          <a:bodyPr/>
+          <a:lstStyle>
+            <a:lvl1pPr eaLnBrk="0" hangingPunct="0">
+              <a:defRPr>
+                <a:solidFill>
+                  <a:schemeClr val="tx1"/>
+                </a:solidFill>
+                <a:latin typeface="Arial" charset="0"/>
+              </a:defRPr>
+            </a:lvl1pPr>
+            <a:lvl2pPr marL="742950" indent="-285750" eaLnBrk="0" hangingPunct="0">
+              <a:defRPr>
+                <a:solidFill>
+                  <a:schemeClr val="tx1"/>
+                </a:solidFill>
+                <a:latin typeface="Arial" charset="0"/>
+              </a:defRPr>
+            </a:lvl2pPr>
+            <a:lvl3pPr marL="1143000" indent="-228600" eaLnBrk="0" hangingPunct="0">
+              <a:defRPr>
+                <a:solidFill>
+                  <a:schemeClr val="tx1"/>
+                </a:solidFill>
+                <a:latin typeface="Arial" charset="0"/>
+              </a:defRPr>
+            </a:lvl3pPr>
+            <a:lvl4pPr marL="1600200" indent="-228600" eaLnBrk="0" hangingPunct="0">
+              <a:defRPr>
+                <a:solidFill>
+                  <a:schemeClr val="tx1"/>
+                </a:solidFill>
+                <a:latin typeface="Arial" charset="0"/>
+              </a:defRPr>
+            </a:lvl4pPr>
+            <a:lvl5pPr marL="2057400" indent="-228600" eaLnBrk="0" hangingPunct="0">
+              <a:defRPr>
+                <a:solidFill>
+                  <a:schemeClr val="tx1"/>
+                </a:solidFill>
+                <a:latin typeface="Arial" charset="0"/>
+              </a:defRPr>
+            </a:lvl5pPr>
+            <a:lvl6pPr marL="2514600" indent="-228600" eaLnBrk="0" fontAlgn="base" hangingPunct="0">
+              <a:spcBef>
+                <a:spcPct val="0"/>
+              </a:spcBef>
+              <a:spcAft>
+                <a:spcPct val="0"/>
+              </a:spcAft>
+              <a:defRPr>
+                <a:solidFill>
+                  <a:schemeClr val="tx1"/>
+                </a:solidFill>
+                <a:latin typeface="Arial" charset="0"/>
+              </a:defRPr>
+            </a:lvl6pPr>
+            <a:lvl7pPr marL="2971800" indent="-228600" eaLnBrk="0" fontAlgn="base" hangingPunct="0">
+              <a:spcBef>
+                <a:spcPct val="0"/>
+              </a:spcBef>
+              <a:spcAft>
+                <a:spcPct val="0"/>
+              </a:spcAft>
+              <a:defRPr>
+                <a:solidFill>
+                  <a:schemeClr val="tx1"/>
+                </a:solidFill>
+                <a:latin typeface="Arial" charset="0"/>
+              </a:defRPr>
+            </a:lvl7pPr>
+            <a:lvl8pPr marL="3429000" indent="-228600" eaLnBrk="0" fontAlgn="base" hangingPunct="0">
+              <a:spcBef>
+                <a:spcPct val="0"/>
+              </a:spcBef>
+              <a:spcAft>
+                <a:spcPct val="0"/>
+              </a:spcAft>
+              <a:defRPr>
+                <a:solidFill>
+                  <a:schemeClr val="tx1"/>
+                </a:solidFill>
+                <a:latin typeface="Arial" charset="0"/>
+              </a:defRPr>
+            </a:lvl8pPr>
+            <a:lvl9pPr marL="3886200" indent="-228600" eaLnBrk="0" fontAlgn="base" hangingPunct="0">
+              <a:spcBef>
+                <a:spcPct val="0"/>
+              </a:spcBef>
+              <a:spcAft>
+                <a:spcPct val="0"/>
+              </a:spcAft>
+              <a:defRPr>
+                <a:solidFill>
+                  <a:schemeClr val="tx1"/>
+                </a:solidFill>
+                <a:latin typeface="Arial" charset="0"/>
+              </a:defRPr>
+            </a:lvl9pPr>
+          </a:lstStyle>
+          <a:p>
+            <a:pPr eaLnBrk="1" hangingPunct="1"/>
+            <a:fld id="{C7A84954-99BE-4A84-9D76-D0FB30F80B52}" type="slidenum">
+              <a:rPr lang="pt-BR" smtClean="0"/>
+              <a:pPr eaLnBrk="1" hangingPunct="1"/>
+              <a:t>16</a:t>
+            </a:fld>
+            <a:endParaRPr lang="pt-BR" smtClean="0"/>
+          </a:p>
+        </p:txBody>
+      </p:sp>
+      <p:sp>
+        <p:nvSpPr>
+          <p:cNvPr id="25603" name="Rectangle 2"/>
+          <p:cNvSpPr>
+            <a:spLocks noGrp="1" noRot="1" noChangeAspect="1" noChangeArrowheads="1" noTextEdit="1"/>
+          </p:cNvSpPr>
+          <p:nvPr>
+            <p:ph type="sldImg"/>
+          </p:nvPr>
+        </p:nvSpPr>
+        <p:spPr>
+          <a:xfrm>
+            <a:off x="1143000" y="395288"/>
+            <a:ext cx="4572000" cy="3429000"/>
+          </a:xfrm>
+          <a:ln/>
+        </p:spPr>
+      </p:sp>
+      <p:sp>
+        <p:nvSpPr>
+          <p:cNvPr id="25604" name="Rectangle 3"/>
+          <p:cNvSpPr>
+            <a:spLocks noGrp="1" noChangeArrowheads="1"/>
+          </p:cNvSpPr>
+          <p:nvPr>
+            <p:ph type="body" idx="1"/>
+          </p:nvPr>
+        </p:nvSpPr>
+        <p:spPr>
+          <a:noFill/>
+          <a:ln>
+            <a:solidFill>
+              <a:schemeClr val="tx1"/>
+            </a:solidFill>
+          </a:ln>
+          <a:extLst>
+            <a:ext uri="{909E8E84-426E-40DD-AFC4-6F175D3DCCD1}">
+              <a14:hiddenFill xmlns:a14="http://schemas.microsoft.com/office/drawing/2010/main">
+                <a:solidFill>
+                  <a:srgbClr val="FFFFFF"/>
+                </a:solidFill>
+              </a14:hiddenFill>
+            </a:ext>
+          </a:extLst>
+        </p:spPr>
+        <p:txBody>
+          <a:bodyPr/>
+          <a:lstStyle/>
+          <a:p>
+            <a:pPr eaLnBrk="1" hangingPunct="1"/>
+            <a:endParaRPr lang="en-US" smtClean="0">
+              <a:latin typeface="Arial" charset="0"/>
+            </a:endParaRPr>
+          </a:p>
+        </p:txBody>
+      </p:sp>
+      <p:sp>
+        <p:nvSpPr>
+          <p:cNvPr id="25605" name="Rectangle 4"/>
+          <p:cNvSpPr>
+            <a:spLocks noChangeArrowheads="1"/>
+          </p:cNvSpPr>
+          <p:nvPr/>
+        </p:nvSpPr>
+        <p:spPr bwMode="auto">
+          <a:xfrm>
+            <a:off x="0" y="0"/>
+            <a:ext cx="6858000" cy="107950"/>
+          </a:xfrm>
+          <a:prstGeom prst="rect">
+            <a:avLst/>
+          </a:prstGeom>
+          <a:solidFill>
+            <a:srgbClr val="5B917A"/>
+          </a:solidFill>
+          <a:ln>
+            <a:noFill/>
+          </a:ln>
+          <a:extLst>
+            <a:ext uri="{91240B29-F687-4F45-9708-019B960494DF}">
+              <a14:hiddenLine xmlns:a14="http://schemas.microsoft.com/office/drawing/2010/main" w="9525">
+                <a:solidFill>
+                  <a:srgbClr val="000000"/>
+                </a:solidFill>
+                <a:miter lim="800000"/>
+                <a:headEnd/>
+                <a:tailEnd/>
+              </a14:hiddenLine>
+            </a:ext>
+          </a:extLst>
+        </p:spPr>
+        <p:txBody>
+          <a:bodyPr wrap="none" anchor="ctr"/>
+          <a:lstStyle/>
+          <a:p>
+            <a:endParaRPr lang="es-PE"/>
+          </a:p>
+        </p:txBody>
+      </p:sp>
+      <p:sp>
+        <p:nvSpPr>
+          <p:cNvPr id="25606" name="Rectangle 5"/>
+          <p:cNvSpPr>
+            <a:spLocks noChangeArrowheads="1"/>
+          </p:cNvSpPr>
+          <p:nvPr/>
+        </p:nvSpPr>
+        <p:spPr bwMode="auto">
+          <a:xfrm>
+            <a:off x="0" y="9001125"/>
+            <a:ext cx="6524625" cy="107950"/>
+          </a:xfrm>
+          <a:prstGeom prst="rect">
+            <a:avLst/>
+          </a:prstGeom>
+          <a:solidFill>
+            <a:srgbClr val="5B917A"/>
+          </a:solidFill>
+          <a:ln>
+            <a:noFill/>
+          </a:ln>
+          <a:extLst>
+            <a:ext uri="{91240B29-F687-4F45-9708-019B960494DF}">
+              <a14:hiddenLine xmlns:a14="http://schemas.microsoft.com/office/drawing/2010/main" w="9525">
+                <a:solidFill>
+                  <a:srgbClr val="000000"/>
+                </a:solidFill>
+                <a:miter lim="800000"/>
+                <a:headEnd/>
+                <a:tailEnd/>
+              </a14:hiddenLine>
+            </a:ext>
+          </a:extLst>
+        </p:spPr>
+        <p:txBody>
+          <a:bodyPr wrap="none" anchor="ctr"/>
+          <a:lstStyle/>
+          <a:p>
+            <a:endParaRPr lang="es-PE"/>
+          </a:p>
+        </p:txBody>
+      </p:sp>
+    </p:spTree>
+  </p:cSld>
+  <p:clrMapOvr>
+    <a:masterClrMapping/>
+  </p:clrMapOvr>
+</p:notes>
+</file>
+
+<file path=ppt/notesSlides/notesSlide17.xml><?xml version="1.0" encoding="utf-8"?>
+<p:notes xmlns:a="http://schemas.openxmlformats.org/drawingml/2006/main" xmlns:r="http://schemas.openxmlformats.org/officeDocument/2006/relationships" xmlns:p="http://schemas.openxmlformats.org/presentationml/2006/main">
+  <p:cSld>
+    <p:spTree>
+      <p:nvGrpSpPr>
+        <p:cNvPr id="1" name=""/>
+        <p:cNvGrpSpPr/>
+        <p:nvPr/>
+      </p:nvGrpSpPr>
+      <p:grpSpPr>
+        <a:xfrm>
+          <a:off x="0" y="0"/>
+          <a:ext cx="0" cy="0"/>
+          <a:chOff x="0" y="0"/>
+          <a:chExt cx="0" cy="0"/>
+        </a:xfrm>
+      </p:grpSpPr>
+      <p:sp>
+        <p:nvSpPr>
+          <p:cNvPr id="25602" name="Rectangle 7"/>
+          <p:cNvSpPr>
+            <a:spLocks noGrp="1" noChangeArrowheads="1"/>
+          </p:cNvSpPr>
+          <p:nvPr>
+            <p:ph type="sldNum" sz="quarter" idx="5"/>
+          </p:nvPr>
+        </p:nvSpPr>
+        <p:spPr>
+          <a:noFill/>
+          <a:ln/>
+          <a:extLst>
+            <a:ext uri="{909E8E84-426E-40DD-AFC4-6F175D3DCCD1}">
+              <a14:hiddenFill xmlns:a14="http://schemas.microsoft.com/office/drawing/2010/main">
+                <a:solidFill>
+                  <a:srgbClr val="FFFFFF"/>
+                </a:solidFill>
+              </a14:hiddenFill>
+            </a:ext>
+            <a:ext uri="{91240B29-F687-4F45-9708-019B960494DF}">
+              <a14:hiddenLine xmlns:a14="http://schemas.microsoft.com/office/drawing/2010/main" w="9525">
+                <a:solidFill>
+                  <a:srgbClr val="000000"/>
+                </a:solidFill>
+                <a:miter lim="800000"/>
+                <a:headEnd/>
+                <a:tailEnd/>
+              </a14:hiddenLine>
+            </a:ext>
+          </a:extLst>
+        </p:spPr>
+        <p:txBody>
+          <a:bodyPr/>
+          <a:lstStyle>
+            <a:lvl1pPr eaLnBrk="0" hangingPunct="0">
+              <a:defRPr>
+                <a:solidFill>
+                  <a:schemeClr val="tx1"/>
+                </a:solidFill>
+                <a:latin typeface="Arial" charset="0"/>
+              </a:defRPr>
+            </a:lvl1pPr>
+            <a:lvl2pPr marL="742950" indent="-285750" eaLnBrk="0" hangingPunct="0">
+              <a:defRPr>
+                <a:solidFill>
+                  <a:schemeClr val="tx1"/>
+                </a:solidFill>
+                <a:latin typeface="Arial" charset="0"/>
+              </a:defRPr>
+            </a:lvl2pPr>
+            <a:lvl3pPr marL="1143000" indent="-228600" eaLnBrk="0" hangingPunct="0">
+              <a:defRPr>
+                <a:solidFill>
+                  <a:schemeClr val="tx1"/>
+                </a:solidFill>
+                <a:latin typeface="Arial" charset="0"/>
+              </a:defRPr>
+            </a:lvl3pPr>
+            <a:lvl4pPr marL="1600200" indent="-228600" eaLnBrk="0" hangingPunct="0">
+              <a:defRPr>
+                <a:solidFill>
+                  <a:schemeClr val="tx1"/>
+                </a:solidFill>
+                <a:latin typeface="Arial" charset="0"/>
+              </a:defRPr>
+            </a:lvl4pPr>
+            <a:lvl5pPr marL="2057400" indent="-228600" eaLnBrk="0" hangingPunct="0">
+              <a:defRPr>
+                <a:solidFill>
+                  <a:schemeClr val="tx1"/>
+                </a:solidFill>
+                <a:latin typeface="Arial" charset="0"/>
+              </a:defRPr>
+            </a:lvl5pPr>
+            <a:lvl6pPr marL="2514600" indent="-228600" eaLnBrk="0" fontAlgn="base" hangingPunct="0">
+              <a:spcBef>
+                <a:spcPct val="0"/>
+              </a:spcBef>
+              <a:spcAft>
+                <a:spcPct val="0"/>
+              </a:spcAft>
+              <a:defRPr>
+                <a:solidFill>
+                  <a:schemeClr val="tx1"/>
+                </a:solidFill>
+                <a:latin typeface="Arial" charset="0"/>
+              </a:defRPr>
+            </a:lvl6pPr>
+            <a:lvl7pPr marL="2971800" indent="-228600" eaLnBrk="0" fontAlgn="base" hangingPunct="0">
+              <a:spcBef>
+                <a:spcPct val="0"/>
+              </a:spcBef>
+              <a:spcAft>
+                <a:spcPct val="0"/>
+              </a:spcAft>
+              <a:defRPr>
+                <a:solidFill>
+                  <a:schemeClr val="tx1"/>
+                </a:solidFill>
+                <a:latin typeface="Arial" charset="0"/>
+              </a:defRPr>
+            </a:lvl7pPr>
+            <a:lvl8pPr marL="3429000" indent="-228600" eaLnBrk="0" fontAlgn="base" hangingPunct="0">
+              <a:spcBef>
+                <a:spcPct val="0"/>
+              </a:spcBef>
+              <a:spcAft>
+                <a:spcPct val="0"/>
+              </a:spcAft>
+              <a:defRPr>
+                <a:solidFill>
+                  <a:schemeClr val="tx1"/>
+                </a:solidFill>
+                <a:latin typeface="Arial" charset="0"/>
+              </a:defRPr>
+            </a:lvl8pPr>
+            <a:lvl9pPr marL="3886200" indent="-228600" eaLnBrk="0" fontAlgn="base" hangingPunct="0">
+              <a:spcBef>
+                <a:spcPct val="0"/>
+              </a:spcBef>
+              <a:spcAft>
+                <a:spcPct val="0"/>
+              </a:spcAft>
+              <a:defRPr>
+                <a:solidFill>
+                  <a:schemeClr val="tx1"/>
+                </a:solidFill>
+                <a:latin typeface="Arial" charset="0"/>
+              </a:defRPr>
+            </a:lvl9pPr>
+          </a:lstStyle>
+          <a:p>
+            <a:pPr eaLnBrk="1" hangingPunct="1"/>
+            <a:fld id="{C7A84954-99BE-4A84-9D76-D0FB30F80B52}" type="slidenum">
+              <a:rPr lang="pt-BR" smtClean="0"/>
+              <a:pPr eaLnBrk="1" hangingPunct="1"/>
+              <a:t>17</a:t>
+            </a:fld>
+            <a:endParaRPr lang="pt-BR" smtClean="0"/>
+          </a:p>
+        </p:txBody>
+      </p:sp>
+      <p:sp>
+        <p:nvSpPr>
+          <p:cNvPr id="25603" name="Rectangle 2"/>
+          <p:cNvSpPr>
+            <a:spLocks noGrp="1" noRot="1" noChangeAspect="1" noChangeArrowheads="1" noTextEdit="1"/>
+          </p:cNvSpPr>
+          <p:nvPr>
+            <p:ph type="sldImg"/>
+          </p:nvPr>
+        </p:nvSpPr>
+        <p:spPr>
+          <a:xfrm>
+            <a:off x="1143000" y="395288"/>
+            <a:ext cx="4572000" cy="3429000"/>
+          </a:xfrm>
+          <a:ln/>
+        </p:spPr>
+      </p:sp>
+      <p:sp>
+        <p:nvSpPr>
+          <p:cNvPr id="25604" name="Rectangle 3"/>
+          <p:cNvSpPr>
+            <a:spLocks noGrp="1" noChangeArrowheads="1"/>
+          </p:cNvSpPr>
+          <p:nvPr>
+            <p:ph type="body" idx="1"/>
+          </p:nvPr>
+        </p:nvSpPr>
+        <p:spPr>
+          <a:noFill/>
+          <a:ln>
+            <a:solidFill>
+              <a:schemeClr val="tx1"/>
+            </a:solidFill>
+          </a:ln>
+          <a:extLst>
+            <a:ext uri="{909E8E84-426E-40DD-AFC4-6F175D3DCCD1}">
+              <a14:hiddenFill xmlns:a14="http://schemas.microsoft.com/office/drawing/2010/main">
+                <a:solidFill>
+                  <a:srgbClr val="FFFFFF"/>
+                </a:solidFill>
+              </a14:hiddenFill>
+            </a:ext>
+          </a:extLst>
+        </p:spPr>
+        <p:txBody>
+          <a:bodyPr/>
+          <a:lstStyle/>
+          <a:p>
+            <a:pPr eaLnBrk="1" hangingPunct="1"/>
+            <a:endParaRPr lang="en-US" smtClean="0">
+              <a:latin typeface="Arial" charset="0"/>
+            </a:endParaRPr>
+          </a:p>
+        </p:txBody>
+      </p:sp>
+      <p:sp>
+        <p:nvSpPr>
+          <p:cNvPr id="25605" name="Rectangle 4"/>
+          <p:cNvSpPr>
+            <a:spLocks noChangeArrowheads="1"/>
+          </p:cNvSpPr>
+          <p:nvPr/>
+        </p:nvSpPr>
+        <p:spPr bwMode="auto">
+          <a:xfrm>
+            <a:off x="0" y="0"/>
+            <a:ext cx="6858000" cy="107950"/>
+          </a:xfrm>
+          <a:prstGeom prst="rect">
+            <a:avLst/>
+          </a:prstGeom>
+          <a:solidFill>
+            <a:srgbClr val="5B917A"/>
+          </a:solidFill>
+          <a:ln>
+            <a:noFill/>
+          </a:ln>
+          <a:extLst>
+            <a:ext uri="{91240B29-F687-4F45-9708-019B960494DF}">
+              <a14:hiddenLine xmlns:a14="http://schemas.microsoft.com/office/drawing/2010/main" w="9525">
+                <a:solidFill>
+                  <a:srgbClr val="000000"/>
+                </a:solidFill>
+                <a:miter lim="800000"/>
+                <a:headEnd/>
+                <a:tailEnd/>
+              </a14:hiddenLine>
+            </a:ext>
+          </a:extLst>
+        </p:spPr>
+        <p:txBody>
+          <a:bodyPr wrap="none" anchor="ctr"/>
+          <a:lstStyle/>
+          <a:p>
+            <a:endParaRPr lang="es-PE"/>
+          </a:p>
+        </p:txBody>
+      </p:sp>
+      <p:sp>
+        <p:nvSpPr>
+          <p:cNvPr id="25606" name="Rectangle 5"/>
+          <p:cNvSpPr>
+            <a:spLocks noChangeArrowheads="1"/>
+          </p:cNvSpPr>
+          <p:nvPr/>
+        </p:nvSpPr>
+        <p:spPr bwMode="auto">
+          <a:xfrm>
+            <a:off x="0" y="9001125"/>
+            <a:ext cx="6524625" cy="107950"/>
+          </a:xfrm>
+          <a:prstGeom prst="rect">
+            <a:avLst/>
+          </a:prstGeom>
+          <a:solidFill>
+            <a:srgbClr val="5B917A"/>
+          </a:solidFill>
+          <a:ln>
+            <a:noFill/>
+          </a:ln>
+          <a:extLst>
+            <a:ext uri="{91240B29-F687-4F45-9708-019B960494DF}">
+              <a14:hiddenLine xmlns:a14="http://schemas.microsoft.com/office/drawing/2010/main" w="9525">
+                <a:solidFill>
+                  <a:srgbClr val="000000"/>
+                </a:solidFill>
+                <a:miter lim="800000"/>
+                <a:headEnd/>
+                <a:tailEnd/>
+              </a14:hiddenLine>
+            </a:ext>
+          </a:extLst>
+        </p:spPr>
+        <p:txBody>
+          <a:bodyPr wrap="none" anchor="ctr"/>
+          <a:lstStyle/>
+          <a:p>
+            <a:endParaRPr lang="es-PE"/>
+          </a:p>
+        </p:txBody>
+      </p:sp>
+    </p:spTree>
+  </p:cSld>
+  <p:clrMapOvr>
+    <a:masterClrMapping/>
+  </p:clrMapOvr>
+</p:notes>
+</file>
+
+<file path=ppt/notesSlides/notesSlide18.xml><?xml version="1.0" encoding="utf-8"?>
+<p:notes xmlns:a="http://schemas.openxmlformats.org/drawingml/2006/main" xmlns:r="http://schemas.openxmlformats.org/officeDocument/2006/relationships" xmlns:p="http://schemas.openxmlformats.org/presentationml/2006/main">
+  <p:cSld>
+    <p:spTree>
+      <p:nvGrpSpPr>
+        <p:cNvPr id="1" name=""/>
+        <p:cNvGrpSpPr/>
+        <p:nvPr/>
+      </p:nvGrpSpPr>
+      <p:grpSpPr>
+        <a:xfrm>
+          <a:off x="0" y="0"/>
+          <a:ext cx="0" cy="0"/>
+          <a:chOff x="0" y="0"/>
+          <a:chExt cx="0" cy="0"/>
+        </a:xfrm>
+      </p:grpSpPr>
+      <p:sp>
+        <p:nvSpPr>
           <p:cNvPr id="26626" name="Rectangle 7"/>
           <p:cNvSpPr>
             <a:spLocks noGrp="1" noChangeArrowheads="1"/>
@@ -15456,7 +16126,7 @@
             <a:fld id="{1A13A496-257D-4726-8CF3-42737291D3B3}" type="slidenum">
               <a:rPr lang="pt-BR" smtClean="0"/>
               <a:pPr eaLnBrk="1" hangingPunct="1"/>
-              <a:t>16</a:t>
+              <a:t>18</a:t>
             </a:fld>
             <a:endParaRPr lang="pt-BR" smtClean="0"/>
           </a:p>
@@ -15612,7 +16282,7 @@
 </p:notes>
 </file>
 
-<file path=ppt/notesSlides/notesSlide17.xml><?xml version="1.0" encoding="utf-8"?>
+<file path=ppt/notesSlides/notesSlide19.xml><?xml version="1.0" encoding="utf-8"?>
 <p:notes xmlns:a="http://schemas.openxmlformats.org/drawingml/2006/main" xmlns:r="http://schemas.openxmlformats.org/officeDocument/2006/relationships" xmlns:p="http://schemas.openxmlformats.org/presentationml/2006/main">
   <p:cSld>
     <p:spTree>
@@ -15653,7 +16323,7 @@
                 </a:solidFill>
               </a:rPr>
               <a:pPr/>
-              <a:t>17</a:t>
+              <a:t>19</a:t>
             </a:fld>
             <a:endParaRPr lang="pt-BR" smtClean="0">
               <a:solidFill>
@@ -17804,7 +18474,7 @@
               <a:pPr>
                 <a:defRPr/>
               </a:pPr>
-              <a:t>15/09/2013</a:t>
+              <a:t>30/09/2013</a:t>
             </a:fld>
             <a:endParaRPr lang="es-PE"/>
           </a:p>
@@ -18002,7 +18672,7 @@
               <a:pPr>
                 <a:defRPr/>
               </a:pPr>
-              <a:t>15/09/2013</a:t>
+              <a:t>30/09/2013</a:t>
             </a:fld>
             <a:endParaRPr lang="es-PE"/>
           </a:p>
@@ -18209,7 +18879,7 @@
               <a:pPr>
                 <a:defRPr/>
               </a:pPr>
-              <a:t>15/09/2013</a:t>
+              <a:t>30/09/2013</a:t>
             </a:fld>
             <a:endParaRPr lang="es-PE"/>
           </a:p>
@@ -19654,7 +20324,7 @@
               <a:pPr>
                 <a:defRPr/>
               </a:pPr>
-              <a:t>15/09/2013</a:t>
+              <a:t>30/09/2013</a:t>
             </a:fld>
             <a:endParaRPr lang="es-PE"/>
           </a:p>
@@ -21889,7 +22559,7 @@
               <a:pPr>
                 <a:defRPr/>
               </a:pPr>
-              <a:t>15/09/2013</a:t>
+              <a:t>30/09/2013</a:t>
             </a:fld>
             <a:endParaRPr lang="es-PE"/>
           </a:p>
@@ -24128,7 +24798,7 @@
               <a:pPr>
                 <a:defRPr/>
               </a:pPr>
-              <a:t>15/09/2013</a:t>
+              <a:t>30/09/2013</a:t>
             </a:fld>
             <a:endParaRPr lang="es-PE"/>
           </a:p>
@@ -26197,7 +26867,7 @@
               <a:pPr>
                 <a:defRPr/>
               </a:pPr>
-              <a:t>15/09/2013</a:t>
+              <a:t>30/09/2013</a:t>
             </a:fld>
             <a:endParaRPr lang="es-PE"/>
           </a:p>
@@ -27737,7 +28407,7 @@
               <a:pPr>
                 <a:defRPr/>
               </a:pPr>
-              <a:t>15/09/2013</a:t>
+              <a:t>30/09/2013</a:t>
             </a:fld>
             <a:endParaRPr lang="es-PE"/>
           </a:p>
@@ -27859,7 +28529,7 @@
               <a:pPr>
                 <a:defRPr/>
               </a:pPr>
-              <a:t>15/09/2013</a:t>
+              <a:t>30/09/2013</a:t>
             </a:fld>
             <a:endParaRPr lang="es-PE"/>
           </a:p>
@@ -28163,7 +28833,7 @@
               <a:pPr>
                 <a:defRPr/>
               </a:pPr>
-              <a:t>15/09/2013</a:t>
+              <a:t>30/09/2013</a:t>
             </a:fld>
             <a:endParaRPr lang="es-PE"/>
           </a:p>
@@ -28446,7 +29116,7 @@
               <a:pPr>
                 <a:defRPr/>
               </a:pPr>
-              <a:t>15/09/2013</a:t>
+              <a:t>30/09/2013</a:t>
             </a:fld>
             <a:endParaRPr lang="es-PE"/>
           </a:p>
@@ -28733,7 +29403,7 @@
               <a:pPr>
                 <a:defRPr/>
               </a:pPr>
-              <a:t>15/09/2013</a:t>
+              <a:t>30/09/2013</a:t>
             </a:fld>
             <a:endParaRPr lang="es-PE"/>
           </a:p>
@@ -36851,8 +37521,8 @@
         </p:nvSpPr>
         <p:spPr>
           <a:xfrm>
-            <a:off x="467544" y="908720"/>
-            <a:ext cx="8353425" cy="4968552"/>
+            <a:off x="395536" y="1628800"/>
+            <a:ext cx="8353425" cy="3888432"/>
           </a:xfrm>
         </p:spPr>
         <p:txBody>
@@ -36867,16 +37537,16 @@
               <a:buChar char="ü"/>
             </a:pPr>
             <a:r>
-              <a:rPr lang="es-MX" sz="2200" dirty="0" smtClean="0"/>
+              <a:rPr lang="es-MX" sz="2400" dirty="0" smtClean="0"/>
               <a:t>Estructura </a:t>
             </a:r>
             <a:r>
-              <a:rPr lang="es-MX" sz="2200" dirty="0"/>
+              <a:rPr lang="es-MX" sz="2400" dirty="0"/>
               <a:t>de Descomposición de </a:t>
             </a:r>
             <a:r>
-              <a:rPr lang="es-MX" sz="2200" dirty="0" smtClean="0"/>
-              <a:t>Trabajo</a:t>
+              <a:rPr lang="es-MX" sz="2400" dirty="0" smtClean="0"/>
+              <a:t>Trabajo (EDT)</a:t>
             </a:r>
           </a:p>
           <a:p>
@@ -36888,8 +37558,8 @@
               <a:buChar char="ü"/>
             </a:pPr>
             <a:r>
-              <a:rPr lang="es-MX" sz="2200" dirty="0" smtClean="0"/>
-              <a:t>Plan de Trabajo – Tesis 2 (Gantt)</a:t>
+              <a:rPr lang="es-MX" sz="2400" dirty="0" smtClean="0"/>
+              <a:t>Plan de Trabajo – Tesis 2 (Diagrama de Gantt)</a:t>
             </a:r>
           </a:p>
           <a:p>
@@ -36901,7 +37571,7 @@
               <a:buChar char="ü"/>
             </a:pPr>
             <a:r>
-              <a:rPr lang="es-PE" sz="2200" dirty="0" smtClean="0">
+              <a:rPr lang="es-PE" sz="2400" dirty="0" smtClean="0">
                 <a:solidFill>
                   <a:srgbClr val="000000"/>
                 </a:solidFill>
@@ -36918,7 +37588,7 @@
               <a:buChar char="ü"/>
             </a:pPr>
             <a:r>
-              <a:rPr lang="es-MX" sz="2200" dirty="0"/>
+              <a:rPr lang="es-MX" sz="2400" dirty="0"/>
               <a:t>Plan de Gestión del Proyecto</a:t>
             </a:r>
           </a:p>
@@ -36931,7 +37601,7 @@
               <a:buChar char="ü"/>
             </a:pPr>
             <a:r>
-              <a:rPr lang="es-MX" sz="2200" dirty="0" smtClean="0">
+              <a:rPr lang="es-MX" sz="2400" dirty="0" smtClean="0">
                 <a:solidFill>
                   <a:srgbClr val="000000"/>
                 </a:solidFill>
@@ -36948,7 +37618,7 @@
               <a:buChar char="ü"/>
             </a:pPr>
             <a:r>
-              <a:rPr lang="es-MX" sz="2200" dirty="0" smtClean="0">
+              <a:rPr lang="es-MX" sz="2400" dirty="0" smtClean="0">
                 <a:solidFill>
                   <a:srgbClr val="000000"/>
                 </a:solidFill>
@@ -36964,14 +37634,11 @@
               <a:buFont typeface="Wingdings" pitchFamily="2" charset="2"/>
               <a:buChar char="ü"/>
             </a:pPr>
-            <a:r>
-              <a:rPr lang="es-MX" sz="2200" dirty="0" smtClean="0">
-                <a:solidFill>
-                  <a:srgbClr val="000000"/>
-                </a:solidFill>
-              </a:rPr>
-              <a:t>Documento con el Caso de Negocio</a:t>
-            </a:r>
+            <a:endParaRPr lang="es-MX" sz="2400" dirty="0" smtClean="0">
+              <a:solidFill>
+                <a:srgbClr val="000000"/>
+              </a:solidFill>
+            </a:endParaRPr>
           </a:p>
           <a:p>
             <a:pPr marL="787400" eaLnBrk="1" hangingPunct="1">
@@ -36981,72 +37648,7 @@
               <a:buFont typeface="Wingdings" pitchFamily="2" charset="2"/>
               <a:buChar char="ü"/>
             </a:pPr>
-            <a:r>
-              <a:rPr lang="es-MX" sz="2200" dirty="0" smtClean="0">
-                <a:solidFill>
-                  <a:srgbClr val="000000"/>
-                </a:solidFill>
-              </a:rPr>
-              <a:t>Diagramas de Procesos de Negocio</a:t>
-            </a:r>
-          </a:p>
-          <a:p>
-            <a:pPr marL="787400" eaLnBrk="1" hangingPunct="1">
-              <a:spcBef>
-                <a:spcPct val="40000"/>
-              </a:spcBef>
-              <a:buFont typeface="Wingdings" pitchFamily="2" charset="2"/>
-              <a:buChar char="ü"/>
-            </a:pPr>
-            <a:r>
-              <a:rPr lang="es-MX" sz="2200" dirty="0" smtClean="0">
-                <a:solidFill>
-                  <a:srgbClr val="000000"/>
-                </a:solidFill>
-              </a:rPr>
-              <a:t>Documento con las Reglas de Negocio</a:t>
-            </a:r>
-          </a:p>
-          <a:p>
-            <a:pPr marL="787400" eaLnBrk="1" hangingPunct="1">
-              <a:spcBef>
-                <a:spcPct val="40000"/>
-              </a:spcBef>
-              <a:buFont typeface="Wingdings" pitchFamily="2" charset="2"/>
-              <a:buChar char="ü"/>
-            </a:pPr>
-            <a:r>
-              <a:rPr lang="es-MX" sz="2200" dirty="0" smtClean="0">
-                <a:solidFill>
-                  <a:srgbClr val="000000"/>
-                </a:solidFill>
-              </a:rPr>
-              <a:t>Documento y cuadro comparativo con las herramientas tecnológicas disponibles</a:t>
-            </a:r>
-          </a:p>
-          <a:p>
-            <a:pPr marL="787400" eaLnBrk="1" hangingPunct="1">
-              <a:spcBef>
-                <a:spcPct val="40000"/>
-              </a:spcBef>
-              <a:buFont typeface="Wingdings" pitchFamily="2" charset="2"/>
-              <a:buChar char="ü"/>
-            </a:pPr>
-            <a:endParaRPr lang="es-MX" sz="2200" dirty="0" smtClean="0">
-              <a:solidFill>
-                <a:srgbClr val="000000"/>
-              </a:solidFill>
-            </a:endParaRPr>
-          </a:p>
-          <a:p>
-            <a:pPr marL="787400" eaLnBrk="1" hangingPunct="1">
-              <a:spcBef>
-                <a:spcPct val="40000"/>
-              </a:spcBef>
-              <a:buFont typeface="Wingdings" pitchFamily="2" charset="2"/>
-              <a:buChar char="ü"/>
-            </a:pPr>
-            <a:endParaRPr lang="es-PE" sz="2200" dirty="0" smtClean="0">
+            <a:endParaRPr lang="es-PE" sz="2400" dirty="0" smtClean="0">
               <a:solidFill>
                 <a:srgbClr val="000000"/>
               </a:solidFill>
@@ -37064,8 +37666,8 @@
         </p:nvSpPr>
         <p:spPr bwMode="auto">
           <a:xfrm>
-            <a:off x="3851275" y="285750"/>
-            <a:ext cx="5184775" cy="519113"/>
+            <a:off x="1691680" y="285750"/>
+            <a:ext cx="7344371" cy="523220"/>
           </a:xfrm>
           <a:prstGeom prst="rect">
             <a:avLst/>
@@ -37095,7 +37697,7 @@
           </a:extLst>
         </p:spPr>
         <p:txBody>
-          <a:bodyPr>
+          <a:bodyPr wrap="square">
             <a:spAutoFit/>
           </a:bodyPr>
           <a:lstStyle>
@@ -37243,15 +37845,6 @@
               </a:rPr>
               <a:t>trabajo</a:t>
             </a:r>
-            <a:r>
-              <a:rPr lang="pt-BR" sz="2800" b="1" dirty="0" smtClean="0">
-                <a:solidFill>
-                  <a:srgbClr val="17375E"/>
-                </a:solidFill>
-                <a:cs typeface="Arial" charset="0"/>
-              </a:rPr>
-              <a:t> </a:t>
-            </a:r>
             <a:endParaRPr lang="pt-BR" sz="2800" b="1" dirty="0">
               <a:solidFill>
                 <a:srgbClr val="17375E"/>
@@ -37261,7 +37854,50 @@
           </a:p>
         </p:txBody>
       </p:sp>
+      <p:sp>
+        <p:nvSpPr>
+          <p:cNvPr id="4" name="TextBox 3"/>
+          <p:cNvSpPr txBox="1"/>
+          <p:nvPr/>
+        </p:nvSpPr>
+        <p:spPr>
+          <a:xfrm>
+            <a:off x="395536" y="836712"/>
+            <a:ext cx="3888432" cy="461665"/>
+          </a:xfrm>
+          <a:prstGeom prst="rect">
+            <a:avLst/>
+          </a:prstGeom>
+          <a:noFill/>
+        </p:spPr>
+        <p:txBody>
+          <a:bodyPr wrap="square" rtlCol="0">
+            <a:spAutoFit/>
+          </a:bodyPr>
+          <a:lstStyle/>
+          <a:p>
+            <a:r>
+              <a:rPr lang="es-PE" sz="2400" b="1" dirty="0" smtClean="0">
+                <a:solidFill>
+                  <a:srgbClr val="002060"/>
+                </a:solidFill>
+              </a:rPr>
+              <a:t>Gestión de Proyecto</a:t>
+            </a:r>
+            <a:endParaRPr lang="es-PE" sz="2400" b="1" dirty="0">
+              <a:solidFill>
+                <a:srgbClr val="002060"/>
+              </a:solidFill>
+            </a:endParaRPr>
+          </a:p>
+        </p:txBody>
+      </p:sp>
     </p:spTree>
+    <p:extLst>
+      <p:ext uri="{BB962C8B-B14F-4D97-AF65-F5344CB8AC3E}">
+        <p14:creationId xmlns:p14="http://schemas.microsoft.com/office/powerpoint/2010/main" val="1233676739"/>
+      </p:ext>
+    </p:extLst>
   </p:cSld>
   <p:clrMapOvr>
     <a:masterClrMapping/>
@@ -37305,8 +37941,8 @@
         </p:nvSpPr>
         <p:spPr>
           <a:xfrm>
-            <a:off x="467544" y="908720"/>
-            <a:ext cx="8353425" cy="4968552"/>
+            <a:off x="323031" y="1196752"/>
+            <a:ext cx="8353425" cy="5184576"/>
           </a:xfrm>
         </p:spPr>
         <p:txBody>
@@ -37321,28 +37957,12 @@
               <a:buChar char="ü"/>
             </a:pPr>
             <a:r>
-              <a:rPr lang="pt-BR" sz="2400" dirty="0" smtClean="0">
+              <a:rPr lang="es-MX" sz="2400" dirty="0" smtClean="0">
                 <a:solidFill>
                   <a:srgbClr val="000000"/>
                 </a:solidFill>
               </a:rPr>
-              <a:t>Lista </a:t>
-            </a:r>
-            <a:r>
-              <a:rPr lang="pt-BR" sz="2400" dirty="0">
-                <a:solidFill>
-                  <a:srgbClr val="000000"/>
-                </a:solidFill>
-              </a:rPr>
-              <a:t>de </a:t>
-            </a:r>
-            <a:r>
-              <a:rPr lang="es-ES" sz="2400" dirty="0" smtClean="0">
-                <a:solidFill>
-                  <a:srgbClr val="000000"/>
-                </a:solidFill>
-              </a:rPr>
-              <a:t>Requerimientos</a:t>
+              <a:t>Documento con el Caso de Negocio</a:t>
             </a:r>
           </a:p>
           <a:p>
@@ -37354,36 +37974,12 @@
               <a:buChar char="ü"/>
             </a:pPr>
             <a:r>
-              <a:rPr lang="pt-BR" sz="2400" dirty="0" smtClean="0">
+              <a:rPr lang="es-MX" sz="2400" dirty="0" smtClean="0">
                 <a:solidFill>
                   <a:srgbClr val="000000"/>
                 </a:solidFill>
               </a:rPr>
-              <a:t>Documento </a:t>
-            </a:r>
-            <a:r>
-              <a:rPr lang="es-ES" sz="2400" dirty="0" smtClean="0">
-                <a:solidFill>
-                  <a:srgbClr val="000000"/>
-                </a:solidFill>
-              </a:rPr>
-              <a:t>con</a:t>
-            </a:r>
-            <a:r>
-              <a:rPr lang="pt-BR" sz="2400" dirty="0" smtClean="0">
-                <a:solidFill>
-                  <a:srgbClr val="000000"/>
-                </a:solidFill>
-              </a:rPr>
-              <a:t> Historias de </a:t>
-            </a:r>
-            <a:r>
-              <a:rPr lang="es-ES" sz="2400" dirty="0" smtClean="0">
-                <a:solidFill>
-                  <a:srgbClr val="000000"/>
-                </a:solidFill>
-              </a:rPr>
-              <a:t>Usuario</a:t>
+              <a:t>Diagramas de Procesos de Negocio</a:t>
             </a:r>
           </a:p>
           <a:p>
@@ -37395,20 +37991,12 @@
               <a:buChar char="ü"/>
             </a:pPr>
             <a:r>
-              <a:rPr lang="es-MX" sz="2400" dirty="0">
+              <a:rPr lang="es-MX" sz="2400" dirty="0" smtClean="0">
                 <a:solidFill>
                   <a:srgbClr val="000000"/>
                 </a:solidFill>
               </a:rPr>
-              <a:t>Diagrama de Clases de </a:t>
-            </a:r>
-            <a:r>
-              <a:rPr lang="es-MX" sz="2400" dirty="0" smtClean="0">
-                <a:solidFill>
-                  <a:srgbClr val="000000"/>
-                </a:solidFill>
-              </a:rPr>
-              <a:t>Análisis</a:t>
+              <a:t>Documento con las Reglas de Negocio</a:t>
             </a:r>
           </a:p>
           <a:p>
@@ -37425,6 +38013,122 @@
                   <a:srgbClr val="000000"/>
                 </a:solidFill>
               </a:rPr>
+              <a:t>Documento y cuadro comparativo con las herramientas tecnológicas disponibles</a:t>
+            </a:r>
+          </a:p>
+          <a:p>
+            <a:pPr marL="787400" eaLnBrk="1" hangingPunct="1">
+              <a:spcBef>
+                <a:spcPct val="40000"/>
+              </a:spcBef>
+              <a:buFont typeface="Wingdings" pitchFamily="2" charset="2"/>
+              <a:buChar char="ü"/>
+            </a:pPr>
+            <a:r>
+              <a:rPr lang="pt-BR" sz="2400" dirty="0" smtClean="0">
+                <a:solidFill>
+                  <a:srgbClr val="000000"/>
+                </a:solidFill>
+              </a:rPr>
+              <a:t>Lista </a:t>
+            </a:r>
+            <a:r>
+              <a:rPr lang="pt-BR" sz="2400" dirty="0">
+                <a:solidFill>
+                  <a:srgbClr val="000000"/>
+                </a:solidFill>
+              </a:rPr>
+              <a:t>de </a:t>
+            </a:r>
+            <a:r>
+              <a:rPr lang="es-ES" sz="2400" dirty="0" smtClean="0">
+                <a:solidFill>
+                  <a:srgbClr val="000000"/>
+                </a:solidFill>
+              </a:rPr>
+              <a:t>Requerimientos</a:t>
+            </a:r>
+          </a:p>
+          <a:p>
+            <a:pPr marL="787400" eaLnBrk="1" hangingPunct="1">
+              <a:spcBef>
+                <a:spcPct val="40000"/>
+              </a:spcBef>
+              <a:buFont typeface="Wingdings" pitchFamily="2" charset="2"/>
+              <a:buChar char="ü"/>
+            </a:pPr>
+            <a:r>
+              <a:rPr lang="pt-BR" sz="2400" dirty="0" smtClean="0">
+                <a:solidFill>
+                  <a:srgbClr val="000000"/>
+                </a:solidFill>
+              </a:rPr>
+              <a:t>Documento </a:t>
+            </a:r>
+            <a:r>
+              <a:rPr lang="es-ES" sz="2400" dirty="0" smtClean="0">
+                <a:solidFill>
+                  <a:srgbClr val="000000"/>
+                </a:solidFill>
+              </a:rPr>
+              <a:t>con</a:t>
+            </a:r>
+            <a:r>
+              <a:rPr lang="pt-BR" sz="2400" dirty="0" smtClean="0">
+                <a:solidFill>
+                  <a:srgbClr val="000000"/>
+                </a:solidFill>
+              </a:rPr>
+              <a:t> Historias de </a:t>
+            </a:r>
+            <a:r>
+              <a:rPr lang="es-ES" sz="2400" dirty="0" smtClean="0">
+                <a:solidFill>
+                  <a:srgbClr val="000000"/>
+                </a:solidFill>
+              </a:rPr>
+              <a:t>Usuario</a:t>
+            </a:r>
+          </a:p>
+          <a:p>
+            <a:pPr marL="787400" eaLnBrk="1" hangingPunct="1">
+              <a:spcBef>
+                <a:spcPct val="40000"/>
+              </a:spcBef>
+              <a:buFont typeface="Wingdings" pitchFamily="2" charset="2"/>
+              <a:buChar char="ü"/>
+            </a:pPr>
+            <a:r>
+              <a:rPr lang="es-MX" sz="2400" dirty="0">
+                <a:solidFill>
+                  <a:srgbClr val="000000"/>
+                </a:solidFill>
+              </a:rPr>
+              <a:t>Diagrama de Clases de </a:t>
+            </a:r>
+            <a:r>
+              <a:rPr lang="es-MX" sz="2400" dirty="0" smtClean="0">
+                <a:solidFill>
+                  <a:srgbClr val="000000"/>
+                </a:solidFill>
+              </a:rPr>
+              <a:t>Análisis</a:t>
+            </a:r>
+          </a:p>
+          <a:p>
+            <a:pPr marL="787400" eaLnBrk="1" hangingPunct="1">
+              <a:spcBef>
+                <a:spcPct val="40000"/>
+              </a:spcBef>
+              <a:buFont typeface="Wingdings" pitchFamily="2" charset="2"/>
+              <a:buChar char="ü"/>
+            </a:pPr>
+            <a:r>
+              <a:rPr lang="es-MX" sz="2400" dirty="0" smtClean="0">
+                <a:solidFill>
+                  <a:srgbClr val="000000"/>
+                </a:solidFill>
+              </a:rPr>
               <a:t>Principales </a:t>
             </a:r>
             <a:r>
@@ -37443,7 +38147,33 @@
               </a:rPr>
               <a:t>Gráfica</a:t>
             </a:r>
-            <a:endParaRPr lang="es-PE" sz="2400" dirty="0" smtClean="0">
+          </a:p>
+          <a:p>
+            <a:pPr marL="787400" eaLnBrk="1" hangingPunct="1">
+              <a:spcBef>
+                <a:spcPct val="40000"/>
+              </a:spcBef>
+              <a:buFont typeface="Wingdings" pitchFamily="2" charset="2"/>
+              <a:buChar char="ü"/>
+            </a:pPr>
+            <a:r>
+              <a:rPr lang="es-MX" sz="2400" dirty="0" smtClean="0">
+                <a:solidFill>
+                  <a:srgbClr val="000000"/>
+                </a:solidFill>
+              </a:rPr>
+              <a:t>Documento de Arquitectura</a:t>
+            </a:r>
+          </a:p>
+          <a:p>
+            <a:pPr marL="787400" eaLnBrk="1" hangingPunct="1">
+              <a:spcBef>
+                <a:spcPct val="40000"/>
+              </a:spcBef>
+              <a:buFont typeface="Wingdings" pitchFamily="2" charset="2"/>
+              <a:buChar char="ü"/>
+            </a:pPr>
+            <a:endParaRPr lang="es-PE" sz="2800" dirty="0" smtClean="0">
               <a:solidFill>
                 <a:srgbClr val="000000"/>
               </a:solidFill>
@@ -37461,8 +38191,8 @@
         </p:nvSpPr>
         <p:spPr bwMode="auto">
           <a:xfrm>
-            <a:off x="3851275" y="285750"/>
-            <a:ext cx="5184775" cy="519113"/>
+            <a:off x="2195736" y="285750"/>
+            <a:ext cx="6840315" cy="523220"/>
           </a:xfrm>
           <a:prstGeom prst="rect">
             <a:avLst/>
@@ -37492,7 +38222,7 @@
           </a:extLst>
         </p:spPr>
         <p:txBody>
-          <a:bodyPr>
+          <a:bodyPr wrap="square">
             <a:spAutoFit/>
           </a:bodyPr>
           <a:lstStyle>
@@ -37596,21 +38326,74 @@
           <a:p>
             <a:pPr algn="r" eaLnBrk="1" hangingPunct="1"/>
             <a:r>
-              <a:rPr lang="pt-BR" sz="2800" b="1">
+              <a:rPr lang="pt-BR" sz="2800" b="1" dirty="0">
                 <a:solidFill>
                   <a:srgbClr val="17375E"/>
                 </a:solidFill>
                 <a:cs typeface="Arial" charset="0"/>
               </a:rPr>
-              <a:t>Avances del trabajo</a:t>
-            </a:r>
+              <a:t>Avances del </a:t>
+            </a:r>
+            <a:r>
+              <a:rPr lang="pt-BR" sz="2800" b="1" dirty="0" smtClean="0">
+                <a:solidFill>
+                  <a:srgbClr val="17375E"/>
+                </a:solidFill>
+                <a:cs typeface="Arial" charset="0"/>
+              </a:rPr>
+              <a:t>trabajo</a:t>
+            </a:r>
+            <a:endParaRPr lang="pt-BR" sz="2800" b="1" dirty="0">
+              <a:solidFill>
+                <a:srgbClr val="17375E"/>
+              </a:solidFill>
+              <a:cs typeface="Arial" charset="0"/>
+            </a:endParaRPr>
+          </a:p>
+        </p:txBody>
+      </p:sp>
+      <p:sp>
+        <p:nvSpPr>
+          <p:cNvPr id="5" name="TextBox 4"/>
+          <p:cNvSpPr txBox="1"/>
+          <p:nvPr/>
+        </p:nvSpPr>
+        <p:spPr>
+          <a:xfrm>
+            <a:off x="395536" y="764704"/>
+            <a:ext cx="3888432" cy="461665"/>
+          </a:xfrm>
+          <a:prstGeom prst="rect">
+            <a:avLst/>
+          </a:prstGeom>
+          <a:noFill/>
+        </p:spPr>
+        <p:txBody>
+          <a:bodyPr wrap="square" rtlCol="0">
+            <a:spAutoFit/>
+          </a:bodyPr>
+          <a:lstStyle/>
+          <a:p>
+            <a:r>
+              <a:rPr lang="es-PE" sz="2400" b="1" dirty="0" smtClean="0">
+                <a:solidFill>
+                  <a:srgbClr val="002060"/>
+                </a:solidFill>
+              </a:rPr>
+              <a:t>Análisis y Diseño</a:t>
+            </a:r>
+            <a:endParaRPr lang="es-PE" sz="2400" b="1" dirty="0">
+              <a:solidFill>
+                <a:srgbClr val="002060"/>
+              </a:solidFill>
+            </a:endParaRPr>
           </a:p>
         </p:txBody>
       </p:sp>
     </p:spTree>
     <p:extLst>
       <p:ext uri="{BB962C8B-B14F-4D97-AF65-F5344CB8AC3E}">
-        <p14:creationId xmlns:p14="http://schemas.microsoft.com/office/powerpoint/2010/main" val="856566524"/>
+        <p14:creationId xmlns:p14="http://schemas.microsoft.com/office/powerpoint/2010/main" val="2793383855"/>
       </p:ext>
     </p:extLst>
   </p:cSld>
@@ -37646,6 +38429,769 @@
       </p:grpSpPr>
       <p:sp>
         <p:nvSpPr>
+          <p:cNvPr id="12290" name="Rectangle 2"/>
+          <p:cNvSpPr>
+            <a:spLocks noGrp="1"/>
+          </p:cNvSpPr>
+          <p:nvPr>
+            <p:ph idx="1"/>
+          </p:nvPr>
+        </p:nvSpPr>
+        <p:spPr>
+          <a:xfrm>
+            <a:off x="251520" y="1340768"/>
+            <a:ext cx="8353425" cy="4392488"/>
+          </a:xfrm>
+        </p:spPr>
+        <p:txBody>
+          <a:bodyPr/>
+          <a:lstStyle/>
+          <a:p>
+            <a:pPr marL="787400" eaLnBrk="1" hangingPunct="1">
+              <a:spcBef>
+                <a:spcPct val="40000"/>
+              </a:spcBef>
+              <a:buFont typeface="Wingdings" pitchFamily="2" charset="2"/>
+              <a:buChar char="ü"/>
+            </a:pPr>
+            <a:r>
+              <a:rPr lang="es-MX" sz="2400" dirty="0" smtClean="0">
+                <a:solidFill>
+                  <a:srgbClr val="000000"/>
+                </a:solidFill>
+              </a:rPr>
+              <a:t>Mecanismo de búsqueda manual y automatizada de proveedores</a:t>
+            </a:r>
+          </a:p>
+          <a:p>
+            <a:pPr marL="787400" eaLnBrk="1" hangingPunct="1">
+              <a:spcBef>
+                <a:spcPct val="40000"/>
+              </a:spcBef>
+              <a:buFont typeface="Wingdings" pitchFamily="2" charset="2"/>
+              <a:buChar char="ü"/>
+            </a:pPr>
+            <a:r>
+              <a:rPr lang="es-MX" sz="2400" dirty="0" smtClean="0">
+                <a:solidFill>
+                  <a:srgbClr val="000000"/>
+                </a:solidFill>
+              </a:rPr>
+              <a:t>Creación del proyecto en entorno integrado de desarrollo</a:t>
+            </a:r>
+          </a:p>
+          <a:p>
+            <a:pPr marL="787400" eaLnBrk="1" hangingPunct="1">
+              <a:spcBef>
+                <a:spcPct val="40000"/>
+              </a:spcBef>
+              <a:buFont typeface="Wingdings" pitchFamily="2" charset="2"/>
+              <a:buChar char="ü"/>
+            </a:pPr>
+            <a:r>
+              <a:rPr lang="es-MX" sz="2400" dirty="0" smtClean="0">
+                <a:solidFill>
+                  <a:srgbClr val="000000"/>
+                </a:solidFill>
+              </a:rPr>
+              <a:t>Adhesión de plantillas, estilos, y scripts al proyecto</a:t>
+            </a:r>
+          </a:p>
+          <a:p>
+            <a:pPr marL="787400" eaLnBrk="1" hangingPunct="1">
+              <a:spcBef>
+                <a:spcPct val="40000"/>
+              </a:spcBef>
+              <a:buFont typeface="Wingdings" pitchFamily="2" charset="2"/>
+              <a:buChar char="ü"/>
+            </a:pPr>
+            <a:r>
+              <a:rPr lang="es-MX" sz="2400" dirty="0" smtClean="0">
+                <a:solidFill>
+                  <a:srgbClr val="000000"/>
+                </a:solidFill>
+              </a:rPr>
+              <a:t>Perfiles, seguridad, </a:t>
+            </a:r>
+            <a:r>
+              <a:rPr lang="es-MX" sz="2400" dirty="0" err="1" smtClean="0">
+                <a:solidFill>
+                  <a:srgbClr val="000000"/>
+                </a:solidFill>
+              </a:rPr>
+              <a:t>login</a:t>
+            </a:r>
+            <a:r>
+              <a:rPr lang="es-MX" sz="2400" dirty="0" smtClean="0">
+                <a:solidFill>
+                  <a:srgbClr val="000000"/>
+                </a:solidFill>
+              </a:rPr>
+              <a:t>/</a:t>
+            </a:r>
+            <a:r>
+              <a:rPr lang="es-MX" sz="2400" dirty="0" err="1" smtClean="0">
+                <a:solidFill>
+                  <a:srgbClr val="000000"/>
+                </a:solidFill>
+              </a:rPr>
+              <a:t>logout</a:t>
+            </a:r>
+            <a:endParaRPr lang="es-MX" sz="2400" dirty="0" smtClean="0">
+              <a:solidFill>
+                <a:srgbClr val="000000"/>
+              </a:solidFill>
+            </a:endParaRPr>
+          </a:p>
+          <a:p>
+            <a:pPr marL="787400" eaLnBrk="1" hangingPunct="1">
+              <a:spcBef>
+                <a:spcPct val="40000"/>
+              </a:spcBef>
+              <a:buFont typeface="Wingdings" pitchFamily="2" charset="2"/>
+              <a:buChar char="ü"/>
+            </a:pPr>
+            <a:r>
+              <a:rPr lang="es-MX" sz="2400" dirty="0" smtClean="0">
+                <a:solidFill>
+                  <a:srgbClr val="000000"/>
+                </a:solidFill>
+              </a:rPr>
+              <a:t>Mapeo de </a:t>
+            </a:r>
+            <a:r>
+              <a:rPr lang="es-MX" sz="2400" dirty="0" smtClean="0">
+                <a:solidFill>
+                  <a:srgbClr val="000000"/>
+                </a:solidFill>
+              </a:rPr>
+              <a:t>11 </a:t>
+            </a:r>
+            <a:r>
+              <a:rPr lang="es-MX" sz="2400" dirty="0" smtClean="0">
+                <a:solidFill>
+                  <a:srgbClr val="000000"/>
+                </a:solidFill>
+              </a:rPr>
+              <a:t>clases/tablas – levantamiento de base de datos</a:t>
+            </a:r>
+          </a:p>
+          <a:p>
+            <a:pPr marL="787400" eaLnBrk="1" hangingPunct="1">
+              <a:spcBef>
+                <a:spcPct val="40000"/>
+              </a:spcBef>
+              <a:buFont typeface="Wingdings" pitchFamily="2" charset="2"/>
+              <a:buChar char="ü"/>
+            </a:pPr>
+            <a:r>
+              <a:rPr lang="es-MX" sz="2400" dirty="0" smtClean="0">
+                <a:solidFill>
+                  <a:srgbClr val="000000"/>
+                </a:solidFill>
+              </a:rPr>
+              <a:t>Registro de proveedores, clientes y </a:t>
+            </a:r>
+            <a:r>
+              <a:rPr lang="es-MX" sz="2400" dirty="0" smtClean="0">
+                <a:solidFill>
+                  <a:srgbClr val="000000"/>
+                </a:solidFill>
+              </a:rPr>
+              <a:t>suministradores</a:t>
+            </a:r>
+            <a:endParaRPr lang="es-PE" sz="2400" dirty="0" smtClean="0">
+              <a:solidFill>
+                <a:srgbClr val="000000"/>
+              </a:solidFill>
+            </a:endParaRPr>
+          </a:p>
+        </p:txBody>
+      </p:sp>
+      <p:sp>
+        <p:nvSpPr>
+          <p:cNvPr id="12292" name="CaixaDeTexto 3"/>
+          <p:cNvSpPr txBox="1">
+            <a:spLocks noChangeArrowheads="1"/>
+          </p:cNvSpPr>
+          <p:nvPr/>
+        </p:nvSpPr>
+        <p:spPr bwMode="auto">
+          <a:xfrm>
+            <a:off x="3851275" y="285750"/>
+            <a:ext cx="5184775" cy="519113"/>
+          </a:xfrm>
+          <a:prstGeom prst="rect">
+            <a:avLst/>
+          </a:prstGeom>
+          <a:noFill/>
+          <a:ln>
+            <a:noFill/>
+          </a:ln>
+          <a:extLst>
+            <a:ext uri="{909E8E84-426E-40DD-AFC4-6F175D3DCCD1}">
+              <a14:hiddenFill xmlns:a14="http://schemas.microsoft.com/office/drawing/2010/main">
+                <a:solidFill>
+                  <a:srgbClr val="FFFFFF"/>
+                </a:solidFill>
+              </a14:hiddenFill>
+            </a:ext>
+            <a:ext uri="{91240B29-F687-4F45-9708-019B960494DF}">
+              <a14:hiddenLine xmlns:a14="http://schemas.microsoft.com/office/drawing/2010/main" w="9525">
+                <a:solidFill>
+                  <a:srgbClr val="000000"/>
+                </a:solidFill>
+                <a:miter lim="800000"/>
+                <a:headEnd/>
+                <a:tailEnd/>
+              </a14:hiddenLine>
+            </a:ext>
+          </a:extLst>
+        </p:spPr>
+        <p:txBody>
+          <a:bodyPr>
+            <a:spAutoFit/>
+          </a:bodyPr>
+          <a:lstStyle>
+            <a:lvl1pPr eaLnBrk="0" hangingPunct="0">
+              <a:defRPr>
+                <a:solidFill>
+                  <a:schemeClr val="tx1"/>
+                </a:solidFill>
+                <a:latin typeface="Arial" charset="0"/>
+              </a:defRPr>
+            </a:lvl1pPr>
+            <a:lvl2pPr marL="742950" indent="-285750" eaLnBrk="0" hangingPunct="0">
+              <a:defRPr>
+                <a:solidFill>
+                  <a:schemeClr val="tx1"/>
+                </a:solidFill>
+                <a:latin typeface="Arial" charset="0"/>
+              </a:defRPr>
+            </a:lvl2pPr>
+            <a:lvl3pPr marL="1143000" indent="-228600" eaLnBrk="0" hangingPunct="0">
+              <a:defRPr>
+                <a:solidFill>
+                  <a:schemeClr val="tx1"/>
+                </a:solidFill>
+                <a:latin typeface="Arial" charset="0"/>
+              </a:defRPr>
+            </a:lvl3pPr>
+            <a:lvl4pPr marL="1600200" indent="-228600" eaLnBrk="0" hangingPunct="0">
+              <a:defRPr>
+                <a:solidFill>
+                  <a:schemeClr val="tx1"/>
+                </a:solidFill>
+                <a:latin typeface="Arial" charset="0"/>
+              </a:defRPr>
+            </a:lvl4pPr>
+            <a:lvl5pPr marL="2057400" indent="-228600" eaLnBrk="0" hangingPunct="0">
+              <a:defRPr>
+                <a:solidFill>
+                  <a:schemeClr val="tx1"/>
+                </a:solidFill>
+                <a:latin typeface="Arial" charset="0"/>
+              </a:defRPr>
+            </a:lvl5pPr>
+            <a:lvl6pPr marL="2514600" indent="-228600" eaLnBrk="0" fontAlgn="base" hangingPunct="0">
+              <a:spcBef>
+                <a:spcPct val="0"/>
+              </a:spcBef>
+              <a:spcAft>
+                <a:spcPct val="0"/>
+              </a:spcAft>
+              <a:defRPr>
+                <a:solidFill>
+                  <a:schemeClr val="tx1"/>
+                </a:solidFill>
+                <a:latin typeface="Arial" charset="0"/>
+              </a:defRPr>
+            </a:lvl6pPr>
+            <a:lvl7pPr marL="2971800" indent="-228600" eaLnBrk="0" fontAlgn="base" hangingPunct="0">
+              <a:spcBef>
+                <a:spcPct val="0"/>
+              </a:spcBef>
+              <a:spcAft>
+                <a:spcPct val="0"/>
+              </a:spcAft>
+              <a:defRPr>
+                <a:solidFill>
+                  <a:schemeClr val="tx1"/>
+                </a:solidFill>
+                <a:latin typeface="Arial" charset="0"/>
+              </a:defRPr>
+            </a:lvl7pPr>
+            <a:lvl8pPr marL="3429000" indent="-228600" eaLnBrk="0" fontAlgn="base" hangingPunct="0">
+              <a:spcBef>
+                <a:spcPct val="0"/>
+              </a:spcBef>
+              <a:spcAft>
+                <a:spcPct val="0"/>
+              </a:spcAft>
+              <a:defRPr>
+                <a:solidFill>
+                  <a:schemeClr val="tx1"/>
+                </a:solidFill>
+                <a:latin typeface="Arial" charset="0"/>
+              </a:defRPr>
+            </a:lvl8pPr>
+            <a:lvl9pPr marL="3886200" indent="-228600" eaLnBrk="0" fontAlgn="base" hangingPunct="0">
+              <a:spcBef>
+                <a:spcPct val="0"/>
+              </a:spcBef>
+              <a:spcAft>
+                <a:spcPct val="0"/>
+              </a:spcAft>
+              <a:defRPr>
+                <a:solidFill>
+                  <a:schemeClr val="tx1"/>
+                </a:solidFill>
+                <a:latin typeface="Arial" charset="0"/>
+              </a:defRPr>
+            </a:lvl9pPr>
+          </a:lstStyle>
+          <a:p>
+            <a:pPr algn="r" eaLnBrk="1" hangingPunct="1"/>
+            <a:r>
+              <a:rPr lang="pt-BR" sz="2800" b="1">
+                <a:solidFill>
+                  <a:srgbClr val="17375E"/>
+                </a:solidFill>
+                <a:cs typeface="Arial" charset="0"/>
+              </a:rPr>
+              <a:t>Avances del trabajo</a:t>
+            </a:r>
+          </a:p>
+        </p:txBody>
+      </p:sp>
+      <p:sp>
+        <p:nvSpPr>
+          <p:cNvPr id="5" name="TextBox 4"/>
+          <p:cNvSpPr txBox="1"/>
+          <p:nvPr/>
+        </p:nvSpPr>
+        <p:spPr>
+          <a:xfrm>
+            <a:off x="395536" y="764704"/>
+            <a:ext cx="3888432" cy="461665"/>
+          </a:xfrm>
+          <a:prstGeom prst="rect">
+            <a:avLst/>
+          </a:prstGeom>
+          <a:noFill/>
+        </p:spPr>
+        <p:txBody>
+          <a:bodyPr wrap="square" rtlCol="0">
+            <a:spAutoFit/>
+          </a:bodyPr>
+          <a:lstStyle/>
+          <a:p>
+            <a:r>
+              <a:rPr lang="es-PE" sz="2400" b="1" dirty="0" smtClean="0">
+                <a:solidFill>
+                  <a:srgbClr val="002060"/>
+                </a:solidFill>
+              </a:rPr>
+              <a:t>Implementación</a:t>
+            </a:r>
+            <a:endParaRPr lang="es-PE" sz="2400" b="1" dirty="0">
+              <a:solidFill>
+                <a:srgbClr val="002060"/>
+              </a:solidFill>
+            </a:endParaRPr>
+          </a:p>
+        </p:txBody>
+      </p:sp>
+    </p:spTree>
+    <p:extLst>
+      <p:ext uri="{BB962C8B-B14F-4D97-AF65-F5344CB8AC3E}">
+        <p14:creationId xmlns:p14="http://schemas.microsoft.com/office/powerpoint/2010/main" val="2242624320"/>
+      </p:ext>
+    </p:extLst>
+  </p:cSld>
+  <p:clrMapOvr>
+    <a:masterClrMapping/>
+  </p:clrMapOvr>
+  <p:timing>
+    <p:tnLst>
+      <p:par>
+        <p:cTn id="1" dur="indefinite" restart="never" nodeType="tmRoot"/>
+      </p:par>
+    </p:tnLst>
+  </p:timing>
+</p:sld>
+</file>
+
+<file path=ppt/slides/slide17.xml><?xml version="1.0" encoding="utf-8"?>
+<p:sld xmlns:a="http://schemas.openxmlformats.org/drawingml/2006/main" xmlns:r="http://schemas.openxmlformats.org/officeDocument/2006/relationships" xmlns:p="http://schemas.openxmlformats.org/presentationml/2006/main">
+  <p:cSld>
+    <p:spTree>
+      <p:nvGrpSpPr>
+        <p:cNvPr id="1" name=""/>
+        <p:cNvGrpSpPr/>
+        <p:nvPr/>
+      </p:nvGrpSpPr>
+      <p:grpSpPr>
+        <a:xfrm>
+          <a:off x="0" y="0"/>
+          <a:ext cx="0" cy="0"/>
+          <a:chOff x="0" y="0"/>
+          <a:chExt cx="0" cy="0"/>
+        </a:xfrm>
+      </p:grpSpPr>
+      <p:sp>
+        <p:nvSpPr>
+          <p:cNvPr id="12290" name="Rectangle 2"/>
+          <p:cNvSpPr>
+            <a:spLocks noGrp="1"/>
+          </p:cNvSpPr>
+          <p:nvPr>
+            <p:ph idx="1"/>
+          </p:nvPr>
+        </p:nvSpPr>
+        <p:spPr>
+          <a:xfrm>
+            <a:off x="251520" y="1340768"/>
+            <a:ext cx="8353425" cy="4392488"/>
+          </a:xfrm>
+        </p:spPr>
+        <p:txBody>
+          <a:bodyPr/>
+          <a:lstStyle/>
+          <a:p>
+            <a:pPr marL="787400" eaLnBrk="1" hangingPunct="1">
+              <a:spcBef>
+                <a:spcPct val="40000"/>
+              </a:spcBef>
+              <a:buFont typeface="Wingdings" pitchFamily="2" charset="2"/>
+              <a:buChar char="ü"/>
+            </a:pPr>
+            <a:r>
+              <a:rPr lang="es-MX" sz="2400" dirty="0">
+                <a:solidFill>
+                  <a:srgbClr val="000000"/>
+                </a:solidFill>
+              </a:rPr>
+              <a:t>Registro de </a:t>
+            </a:r>
+            <a:r>
+              <a:rPr lang="es-MX" sz="2400" dirty="0" smtClean="0">
+                <a:solidFill>
+                  <a:srgbClr val="000000"/>
+                </a:solidFill>
+              </a:rPr>
+              <a:t>usuarios</a:t>
+            </a:r>
+          </a:p>
+          <a:p>
+            <a:pPr marL="787400" eaLnBrk="1" hangingPunct="1">
+              <a:spcBef>
+                <a:spcPct val="40000"/>
+              </a:spcBef>
+              <a:buFont typeface="Wingdings" pitchFamily="2" charset="2"/>
+              <a:buChar char="ü"/>
+            </a:pPr>
+            <a:r>
+              <a:rPr lang="es-MX" sz="2400" dirty="0" smtClean="0">
+                <a:solidFill>
+                  <a:srgbClr val="000000"/>
+                </a:solidFill>
+              </a:rPr>
+              <a:t>Integración </a:t>
+            </a:r>
+            <a:r>
+              <a:rPr lang="es-MX" sz="2400" dirty="0">
+                <a:solidFill>
+                  <a:srgbClr val="000000"/>
+                </a:solidFill>
+              </a:rPr>
+              <a:t>con Google </a:t>
+            </a:r>
+            <a:r>
+              <a:rPr lang="es-MX" sz="2400" dirty="0" err="1">
+                <a:solidFill>
+                  <a:srgbClr val="000000"/>
+                </a:solidFill>
+              </a:rPr>
+              <a:t>Maps</a:t>
+            </a:r>
+            <a:r>
+              <a:rPr lang="es-MX" sz="2400" dirty="0">
+                <a:solidFill>
+                  <a:srgbClr val="000000"/>
+                </a:solidFill>
+              </a:rPr>
+              <a:t> para registro de ubicación de </a:t>
+            </a:r>
+            <a:r>
+              <a:rPr lang="es-MX" sz="2400" dirty="0" smtClean="0">
+                <a:solidFill>
+                  <a:srgbClr val="000000"/>
+                </a:solidFill>
+              </a:rPr>
+              <a:t>usuario</a:t>
+            </a:r>
+          </a:p>
+          <a:p>
+            <a:pPr marL="787400" eaLnBrk="1" hangingPunct="1">
+              <a:spcBef>
+                <a:spcPct val="40000"/>
+              </a:spcBef>
+              <a:buFont typeface="Wingdings" pitchFamily="2" charset="2"/>
+              <a:buChar char="ü"/>
+            </a:pPr>
+            <a:r>
+              <a:rPr lang="es-MX" sz="2400" dirty="0" smtClean="0">
+                <a:solidFill>
+                  <a:srgbClr val="000000"/>
+                </a:solidFill>
+              </a:rPr>
+              <a:t>Recarga </a:t>
+            </a:r>
+            <a:r>
+              <a:rPr lang="es-MX" sz="2400" dirty="0">
+                <a:solidFill>
+                  <a:srgbClr val="000000"/>
+                </a:solidFill>
+              </a:rPr>
+              <a:t>de leads </a:t>
+            </a:r>
+          </a:p>
+        </p:txBody>
+      </p:sp>
+      <p:sp>
+        <p:nvSpPr>
+          <p:cNvPr id="12292" name="CaixaDeTexto 3"/>
+          <p:cNvSpPr txBox="1">
+            <a:spLocks noChangeArrowheads="1"/>
+          </p:cNvSpPr>
+          <p:nvPr/>
+        </p:nvSpPr>
+        <p:spPr bwMode="auto">
+          <a:xfrm>
+            <a:off x="3851275" y="285750"/>
+            <a:ext cx="5184775" cy="519113"/>
+          </a:xfrm>
+          <a:prstGeom prst="rect">
+            <a:avLst/>
+          </a:prstGeom>
+          <a:noFill/>
+          <a:ln>
+            <a:noFill/>
+          </a:ln>
+          <a:extLst>
+            <a:ext uri="{909E8E84-426E-40DD-AFC4-6F175D3DCCD1}">
+              <a14:hiddenFill xmlns:a14="http://schemas.microsoft.com/office/drawing/2010/main">
+                <a:solidFill>
+                  <a:srgbClr val="FFFFFF"/>
+                </a:solidFill>
+              </a14:hiddenFill>
+            </a:ext>
+            <a:ext uri="{91240B29-F687-4F45-9708-019B960494DF}">
+              <a14:hiddenLine xmlns:a14="http://schemas.microsoft.com/office/drawing/2010/main" w="9525">
+                <a:solidFill>
+                  <a:srgbClr val="000000"/>
+                </a:solidFill>
+                <a:miter lim="800000"/>
+                <a:headEnd/>
+                <a:tailEnd/>
+              </a14:hiddenLine>
+            </a:ext>
+          </a:extLst>
+        </p:spPr>
+        <p:txBody>
+          <a:bodyPr>
+            <a:spAutoFit/>
+          </a:bodyPr>
+          <a:lstStyle>
+            <a:lvl1pPr eaLnBrk="0" hangingPunct="0">
+              <a:defRPr>
+                <a:solidFill>
+                  <a:schemeClr val="tx1"/>
+                </a:solidFill>
+                <a:latin typeface="Arial" charset="0"/>
+              </a:defRPr>
+            </a:lvl1pPr>
+            <a:lvl2pPr marL="742950" indent="-285750" eaLnBrk="0" hangingPunct="0">
+              <a:defRPr>
+                <a:solidFill>
+                  <a:schemeClr val="tx1"/>
+                </a:solidFill>
+                <a:latin typeface="Arial" charset="0"/>
+              </a:defRPr>
+            </a:lvl2pPr>
+            <a:lvl3pPr marL="1143000" indent="-228600" eaLnBrk="0" hangingPunct="0">
+              <a:defRPr>
+                <a:solidFill>
+                  <a:schemeClr val="tx1"/>
+                </a:solidFill>
+                <a:latin typeface="Arial" charset="0"/>
+              </a:defRPr>
+            </a:lvl3pPr>
+            <a:lvl4pPr marL="1600200" indent="-228600" eaLnBrk="0" hangingPunct="0">
+              <a:defRPr>
+                <a:solidFill>
+                  <a:schemeClr val="tx1"/>
+                </a:solidFill>
+                <a:latin typeface="Arial" charset="0"/>
+              </a:defRPr>
+            </a:lvl4pPr>
+            <a:lvl5pPr marL="2057400" indent="-228600" eaLnBrk="0" hangingPunct="0">
+              <a:defRPr>
+                <a:solidFill>
+                  <a:schemeClr val="tx1"/>
+                </a:solidFill>
+                <a:latin typeface="Arial" charset="0"/>
+              </a:defRPr>
+            </a:lvl5pPr>
+            <a:lvl6pPr marL="2514600" indent="-228600" eaLnBrk="0" fontAlgn="base" hangingPunct="0">
+              <a:spcBef>
+                <a:spcPct val="0"/>
+              </a:spcBef>
+              <a:spcAft>
+                <a:spcPct val="0"/>
+              </a:spcAft>
+              <a:defRPr>
+                <a:solidFill>
+                  <a:schemeClr val="tx1"/>
+                </a:solidFill>
+                <a:latin typeface="Arial" charset="0"/>
+              </a:defRPr>
+            </a:lvl6pPr>
+            <a:lvl7pPr marL="2971800" indent="-228600" eaLnBrk="0" fontAlgn="base" hangingPunct="0">
+              <a:spcBef>
+                <a:spcPct val="0"/>
+              </a:spcBef>
+              <a:spcAft>
+                <a:spcPct val="0"/>
+              </a:spcAft>
+              <a:defRPr>
+                <a:solidFill>
+                  <a:schemeClr val="tx1"/>
+                </a:solidFill>
+                <a:latin typeface="Arial" charset="0"/>
+              </a:defRPr>
+            </a:lvl7pPr>
+            <a:lvl8pPr marL="3429000" indent="-228600" eaLnBrk="0" fontAlgn="base" hangingPunct="0">
+              <a:spcBef>
+                <a:spcPct val="0"/>
+              </a:spcBef>
+              <a:spcAft>
+                <a:spcPct val="0"/>
+              </a:spcAft>
+              <a:defRPr>
+                <a:solidFill>
+                  <a:schemeClr val="tx1"/>
+                </a:solidFill>
+                <a:latin typeface="Arial" charset="0"/>
+              </a:defRPr>
+            </a:lvl8pPr>
+            <a:lvl9pPr marL="3886200" indent="-228600" eaLnBrk="0" fontAlgn="base" hangingPunct="0">
+              <a:spcBef>
+                <a:spcPct val="0"/>
+              </a:spcBef>
+              <a:spcAft>
+                <a:spcPct val="0"/>
+              </a:spcAft>
+              <a:defRPr>
+                <a:solidFill>
+                  <a:schemeClr val="tx1"/>
+                </a:solidFill>
+                <a:latin typeface="Arial" charset="0"/>
+              </a:defRPr>
+            </a:lvl9pPr>
+          </a:lstStyle>
+          <a:p>
+            <a:pPr algn="r" eaLnBrk="1" hangingPunct="1"/>
+            <a:r>
+              <a:rPr lang="pt-BR" sz="2800" b="1">
+                <a:solidFill>
+                  <a:srgbClr val="17375E"/>
+                </a:solidFill>
+                <a:cs typeface="Arial" charset="0"/>
+              </a:rPr>
+              <a:t>Avances del trabajo</a:t>
+            </a:r>
+          </a:p>
+        </p:txBody>
+      </p:sp>
+      <p:sp>
+        <p:nvSpPr>
+          <p:cNvPr id="5" name="TextBox 4"/>
+          <p:cNvSpPr txBox="1"/>
+          <p:nvPr/>
+        </p:nvSpPr>
+        <p:spPr>
+          <a:xfrm>
+            <a:off x="395536" y="764704"/>
+            <a:ext cx="3888432" cy="461665"/>
+          </a:xfrm>
+          <a:prstGeom prst="rect">
+            <a:avLst/>
+          </a:prstGeom>
+          <a:noFill/>
+        </p:spPr>
+        <p:txBody>
+          <a:bodyPr wrap="square" rtlCol="0">
+            <a:spAutoFit/>
+          </a:bodyPr>
+          <a:lstStyle/>
+          <a:p>
+            <a:r>
+              <a:rPr lang="es-PE" sz="2400" b="1" dirty="0" smtClean="0">
+                <a:solidFill>
+                  <a:srgbClr val="002060"/>
+                </a:solidFill>
+              </a:rPr>
+              <a:t>Implementación</a:t>
+            </a:r>
+            <a:endParaRPr lang="es-PE" sz="2400" b="1" dirty="0">
+              <a:solidFill>
+                <a:srgbClr val="002060"/>
+              </a:solidFill>
+            </a:endParaRPr>
+          </a:p>
+        </p:txBody>
+      </p:sp>
+    </p:spTree>
+    <p:extLst>
+      <p:ext uri="{BB962C8B-B14F-4D97-AF65-F5344CB8AC3E}">
+        <p14:creationId xmlns:p14="http://schemas.microsoft.com/office/powerpoint/2010/main" val="2617040339"/>
+      </p:ext>
+    </p:extLst>
+  </p:cSld>
+  <p:clrMapOvr>
+    <a:masterClrMapping/>
+  </p:clrMapOvr>
+  <p:timing>
+    <p:tnLst>
+      <p:par>
+        <p:cTn id="1" dur="indefinite" restart="never" nodeType="tmRoot"/>
+      </p:par>
+    </p:tnLst>
+  </p:timing>
+</p:sld>
+</file>
+
+<file path=ppt/slides/slide18.xml><?xml version="1.0" encoding="utf-8"?>
+<p:sld xmlns:a="http://schemas.openxmlformats.org/drawingml/2006/main" xmlns:r="http://schemas.openxmlformats.org/officeDocument/2006/relationships" xmlns:p="http://schemas.openxmlformats.org/presentationml/2006/main">
+  <p:cSld>
+    <p:spTree>
+      <p:nvGrpSpPr>
+        <p:cNvPr id="1" name=""/>
+        <p:cNvGrpSpPr/>
+        <p:nvPr/>
+      </p:nvGrpSpPr>
+      <p:grpSpPr>
+        <a:xfrm>
+          <a:off x="0" y="0"/>
+          <a:ext cx="0" cy="0"/>
+          <a:chOff x="0" y="0"/>
+          <a:chExt cx="0" cy="0"/>
+        </a:xfrm>
+      </p:grpSpPr>
+      <p:sp>
+        <p:nvSpPr>
           <p:cNvPr id="13314" name="Rectangle 2"/>
           <p:cNvSpPr>
             <a:spLocks noGrp="1"/>
@@ -37677,29 +39223,7 @@
                   <a:srgbClr val="000000"/>
                 </a:solidFill>
               </a:rPr>
-              <a:t>Documento de Arquitectura (100%)</a:t>
-            </a:r>
-            <a:endParaRPr lang="es-MX" sz="2400" dirty="0">
-              <a:solidFill>
-                <a:srgbClr val="000000"/>
-              </a:solidFill>
-            </a:endParaRPr>
-          </a:p>
-          <a:p>
-            <a:pPr marL="787400" eaLnBrk="1" hangingPunct="1">
-              <a:spcBef>
-                <a:spcPct val="40000"/>
-              </a:spcBef>
-              <a:buFont typeface="Wingdings" pitchFamily="2" charset="2"/>
-              <a:buChar char="ü"/>
-            </a:pPr>
-            <a:r>
-              <a:rPr lang="es-MX" sz="2400" dirty="0" smtClean="0">
-                <a:solidFill>
-                  <a:srgbClr val="000000"/>
-                </a:solidFill>
-              </a:rPr>
-              <a:t>Lógica de búsqueda y asignación de proveedores (pseudocódigo y diagramas al 100%)</a:t>
+              <a:t>Implementación Algoritmo Tabú (60%)</a:t>
             </a:r>
             <a:endParaRPr lang="es-MX" sz="2400" dirty="0">
               <a:solidFill>
@@ -37868,7 +39392,7 @@
     </p:spTree>
     <p:extLst>
       <p:ext uri="{BB962C8B-B14F-4D97-AF65-F5344CB8AC3E}">
-        <p14:creationId xmlns:p14="http://schemas.microsoft.com/office/powerpoint/2010/main" val="3456562553"/>
+        <p14:creationId xmlns:p14="http://schemas.microsoft.com/office/powerpoint/2010/main" val="2476302955"/>
       </p:ext>
     </p:extLst>
   </p:cSld>
@@ -37885,7 +39409,7 @@
 </p:sld>
 </file>
 
-<file path=ppt/slides/slide17.xml><?xml version="1.0" encoding="utf-8"?>
+<file path=ppt/slides/slide19.xml><?xml version="1.0" encoding="utf-8"?>
 <p:sld xmlns:a="http://schemas.openxmlformats.org/drawingml/2006/main" xmlns:r="http://schemas.openxmlformats.org/officeDocument/2006/relationships" xmlns:p="http://schemas.openxmlformats.org/presentationml/2006/main">
   <p:cSld>
     <p:spTree>
@@ -42426,7 +43950,13 @@
         <p:nvGraphicFramePr>
           <p:cNvPr id="9" name="9 Diagrama"/>
           <p:cNvGraphicFramePr/>
-          <p:nvPr/>
+          <p:nvPr>
+            <p:extLst>
+              <p:ext uri="{D42A27DB-BD31-4B8C-83A1-F6EECF244321}">
+                <p14:modId xmlns:p14="http://schemas.microsoft.com/office/powerpoint/2010/main" val="353984633"/>
+              </p:ext>
+            </p:extLst>
+          </p:nvPr>
         </p:nvGraphicFramePr>
         <p:xfrm>
           <a:off x="539552" y="1049837"/>
@@ -42617,7 +44147,7 @@
           <p:nvPr>
             <p:extLst>
               <p:ext uri="{D42A27DB-BD31-4B8C-83A1-F6EECF244321}">
-                <p14:modId xmlns:p14="http://schemas.microsoft.com/office/powerpoint/2010/main" val="4173352930"/>
+                <p14:modId xmlns:p14="http://schemas.microsoft.com/office/powerpoint/2010/main" val="4027957902"/>
               </p:ext>
             </p:extLst>
           </p:nvPr>

--- a/Documentación/Presentaciones PPT/Tesis 2 - Mendez Presentación.pptx
+++ b/Documentación/Presentaciones PPT/Tesis 2 - Mendez Presentación.pptx
@@ -3829,118 +3829,7 @@
         </a:p>
       </dgm:t>
     </dgm:pt>
-    <dgm:pt modelId="{3BFDB7AE-EA70-4208-99E4-6652F73E09AF}">
-      <dgm:prSet phldrT="[Texto]"/>
-      <dgm:spPr/>
-      <dgm:t>
-        <a:bodyPr/>
-        <a:lstStyle/>
-        <a:p>
-          <a:r>
-            <a:rPr lang="es-PE" b="1" dirty="0" smtClean="0"/>
-            <a:t>Objetivo Específico 2 [OE2]</a:t>
-          </a:r>
-          <a:endParaRPr lang="es-PE" b="1" dirty="0"/>
-        </a:p>
-      </dgm:t>
-    </dgm:pt>
-    <dgm:pt modelId="{54A7580C-2761-4683-A631-30A94395D65A}" type="parTrans" cxnId="{E344A32A-539A-4B7E-ACFA-95DEF5620BA5}">
-      <dgm:prSet/>
-      <dgm:spPr/>
-      <dgm:t>
-        <a:bodyPr/>
-        <a:lstStyle/>
-        <a:p>
-          <a:endParaRPr lang="es-PE"/>
-        </a:p>
-      </dgm:t>
-    </dgm:pt>
-    <dgm:pt modelId="{9EFD2A57-70D2-4814-9534-F69C1AAF4BEC}" type="sibTrans" cxnId="{E344A32A-539A-4B7E-ACFA-95DEF5620BA5}">
-      <dgm:prSet/>
-      <dgm:spPr/>
-      <dgm:t>
-        <a:bodyPr/>
-        <a:lstStyle/>
-        <a:p>
-          <a:endParaRPr lang="es-PE"/>
-        </a:p>
-      </dgm:t>
-    </dgm:pt>
     <dgm:pt modelId="{A43E1EE4-EA84-469B-B8E9-F87184BCD406}">
-      <dgm:prSet phldrT="[Texto]" custT="1"/>
-      <dgm:spPr/>
-      <dgm:t>
-        <a:bodyPr/>
-        <a:lstStyle/>
-        <a:p>
-          <a:r>
-            <a:rPr lang="es-ES" sz="1600" dirty="0" smtClean="0"/>
-            <a:t>Definir las reglas y políticas de negocio que deben cumplir todos los actores involucrados.</a:t>
-          </a:r>
-          <a:endParaRPr lang="es-PE" sz="1600" dirty="0"/>
-        </a:p>
-      </dgm:t>
-    </dgm:pt>
-    <dgm:pt modelId="{B5EEE765-35D4-4DF0-BFEC-78B63BE24D65}" type="parTrans" cxnId="{C611089B-F9C4-4CB8-A2DC-4A6E2B8ECF02}">
-      <dgm:prSet/>
-      <dgm:spPr/>
-      <dgm:t>
-        <a:bodyPr/>
-        <a:lstStyle/>
-        <a:p>
-          <a:endParaRPr lang="es-PE"/>
-        </a:p>
-      </dgm:t>
-    </dgm:pt>
-    <dgm:pt modelId="{DFDEAEA3-03A5-44E8-ACA1-35C31669F285}" type="sibTrans" cxnId="{C611089B-F9C4-4CB8-A2DC-4A6E2B8ECF02}">
-      <dgm:prSet/>
-      <dgm:spPr/>
-      <dgm:t>
-        <a:bodyPr/>
-        <a:lstStyle/>
-        <a:p>
-          <a:endParaRPr lang="es-PE"/>
-        </a:p>
-      </dgm:t>
-    </dgm:pt>
-    <dgm:pt modelId="{924689B8-E4E2-4802-BC6B-5B17E3AC8DDF}">
-      <dgm:prSet phldrT="[Texto]" custT="1"/>
-      <dgm:spPr/>
-      <dgm:t>
-        <a:bodyPr/>
-        <a:lstStyle/>
-        <a:p>
-          <a:r>
-            <a:rPr lang="es-PE" sz="2000" b="1" dirty="0" smtClean="0"/>
-            <a:t>Objetivo Específico 3 [OE3]</a:t>
-          </a:r>
-          <a:endParaRPr lang="es-PE" sz="2000" b="1" dirty="0"/>
-        </a:p>
-      </dgm:t>
-    </dgm:pt>
-    <dgm:pt modelId="{A9E69FD6-91A0-40D3-96F5-93981AACB6C2}" type="sibTrans" cxnId="{5BEF8FBD-F7BC-444D-94D8-BB8E5A82AA43}">
-      <dgm:prSet/>
-      <dgm:spPr/>
-      <dgm:t>
-        <a:bodyPr/>
-        <a:lstStyle/>
-        <a:p>
-          <a:endParaRPr lang="es-PE"/>
-        </a:p>
-      </dgm:t>
-    </dgm:pt>
-    <dgm:pt modelId="{670CB166-EC54-4ECF-99EE-166A3C70F39E}" type="parTrans" cxnId="{5BEF8FBD-F7BC-444D-94D8-BB8E5A82AA43}">
-      <dgm:prSet/>
-      <dgm:spPr/>
-      <dgm:t>
-        <a:bodyPr/>
-        <a:lstStyle/>
-        <a:p>
-          <a:endParaRPr lang="es-PE"/>
-        </a:p>
-      </dgm:t>
-    </dgm:pt>
-    <dgm:pt modelId="{5D56325C-A28C-4982-810F-F3CCECEC2E7D}">
       <dgm:prSet phldrT="[Texto]" custT="1"/>
       <dgm:spPr/>
       <dgm:t>
@@ -4000,17 +3889,13 @@
           </a:r>
           <a:r>
             <a:rPr lang="es-ES" sz="1600" dirty="0" smtClean="0"/>
-            <a:t>Cierre y retroalimentación (</a:t>
-          </a:r>
-          <a:r>
-            <a:rPr lang="es-ES" sz="1600" smtClean="0"/>
-            <a:t>post-servicio)</a:t>
+            <a:t>Cierre y retroalimentación (post-servicio)</a:t>
           </a:r>
           <a:endParaRPr lang="es-PE" sz="1600" dirty="0"/>
         </a:p>
       </dgm:t>
     </dgm:pt>
-    <dgm:pt modelId="{5D99972C-BEA3-4759-BAAC-F0514ABC1FE1}" type="parTrans" cxnId="{2206174B-0967-4701-B7BB-572D079B3A22}">
+    <dgm:pt modelId="{B5EEE765-35D4-4DF0-BFEC-78B63BE24D65}" type="parTrans" cxnId="{C611089B-F9C4-4CB8-A2DC-4A6E2B8ECF02}">
       <dgm:prSet/>
       <dgm:spPr/>
       <dgm:t>
@@ -4021,7 +3906,56 @@
         </a:p>
       </dgm:t>
     </dgm:pt>
-    <dgm:pt modelId="{ECCC7701-505F-42F0-B3C4-E9890A7BB77B}" type="sibTrans" cxnId="{2206174B-0967-4701-B7BB-572D079B3A22}">
+    <dgm:pt modelId="{DFDEAEA3-03A5-44E8-ACA1-35C31669F285}" type="sibTrans" cxnId="{C611089B-F9C4-4CB8-A2DC-4A6E2B8ECF02}">
+      <dgm:prSet/>
+      <dgm:spPr/>
+      <dgm:t>
+        <a:bodyPr/>
+        <a:lstStyle/>
+        <a:p>
+          <a:endParaRPr lang="es-PE"/>
+        </a:p>
+      </dgm:t>
+    </dgm:pt>
+    <dgm:pt modelId="{924689B8-E4E2-4802-BC6B-5B17E3AC8DDF}">
+      <dgm:prSet phldrT="[Texto]" custT="1"/>
+      <dgm:spPr/>
+      <dgm:t>
+        <a:bodyPr/>
+        <a:lstStyle/>
+        <a:p>
+          <a:r>
+            <a:rPr lang="es-PE" sz="2000" b="1" dirty="0" smtClean="0"/>
+            <a:t>Objetivo Específico </a:t>
+          </a:r>
+          <a:r>
+            <a:rPr lang="es-PE" sz="2000" b="1" dirty="0" smtClean="0"/>
+            <a:t>3 </a:t>
+          </a:r>
+          <a:r>
+            <a:rPr lang="es-PE" sz="2000" b="1" dirty="0" smtClean="0"/>
+            <a:t>[</a:t>
+          </a:r>
+          <a:r>
+            <a:rPr lang="es-PE" sz="2000" b="1" dirty="0" smtClean="0"/>
+            <a:t>OE3]</a:t>
+          </a:r>
+          <a:endParaRPr lang="es-PE" sz="2000" b="1" dirty="0"/>
+        </a:p>
+      </dgm:t>
+    </dgm:pt>
+    <dgm:pt modelId="{A9E69FD6-91A0-40D3-96F5-93981AACB6C2}" type="sibTrans" cxnId="{5BEF8FBD-F7BC-444D-94D8-BB8E5A82AA43}">
+      <dgm:prSet/>
+      <dgm:spPr/>
+      <dgm:t>
+        <a:bodyPr/>
+        <a:lstStyle/>
+        <a:p>
+          <a:endParaRPr lang="es-PE"/>
+        </a:p>
+      </dgm:t>
+    </dgm:pt>
+    <dgm:pt modelId="{670CB166-EC54-4ECF-99EE-166A3C70F39E}" type="parTrans" cxnId="{5BEF8FBD-F7BC-444D-94D8-BB8E5A82AA43}">
       <dgm:prSet/>
       <dgm:spPr/>
       <dgm:t>
@@ -4059,6 +3993,84 @@
       </dgm:t>
     </dgm:pt>
     <dgm:pt modelId="{A1BF3405-CB09-4D5F-AAD9-E76A127FDC0C}" type="sibTrans" cxnId="{FB20BC1E-834C-48C0-BD4E-04A5E0873844}">
+      <dgm:prSet/>
+      <dgm:spPr/>
+      <dgm:t>
+        <a:bodyPr/>
+        <a:lstStyle/>
+        <a:p>
+          <a:endParaRPr lang="es-PE"/>
+        </a:p>
+      </dgm:t>
+    </dgm:pt>
+    <dgm:pt modelId="{5D56325C-A28C-4982-810F-F3CCECEC2E7D}">
+      <dgm:prSet phldrT="[Texto]" custT="1"/>
+      <dgm:spPr/>
+      <dgm:t>
+        <a:bodyPr/>
+        <a:lstStyle/>
+        <a:p>
+          <a:r>
+            <a:rPr lang="es-ES" sz="1600" dirty="0" smtClean="0"/>
+            <a:t>Definir las reglas y políticas de negocio que deben cumplir todos los actores involucrados.</a:t>
+          </a:r>
+          <a:endParaRPr lang="es-PE" sz="1600" dirty="0"/>
+        </a:p>
+      </dgm:t>
+    </dgm:pt>
+    <dgm:pt modelId="{3BFDB7AE-EA70-4208-99E4-6652F73E09AF}">
+      <dgm:prSet phldrT="[Texto]"/>
+      <dgm:spPr/>
+      <dgm:t>
+        <a:bodyPr/>
+        <a:lstStyle/>
+        <a:p>
+          <a:r>
+            <a:rPr lang="es-PE" b="1" dirty="0" smtClean="0"/>
+            <a:t>Objetivo Específico </a:t>
+          </a:r>
+          <a:r>
+            <a:rPr lang="es-PE" b="1" dirty="0" smtClean="0"/>
+            <a:t>2 [OE2]</a:t>
+          </a:r>
+          <a:endParaRPr lang="es-PE" b="1" dirty="0"/>
+        </a:p>
+      </dgm:t>
+    </dgm:pt>
+    <dgm:pt modelId="{9EFD2A57-70D2-4814-9534-F69C1AAF4BEC}" type="sibTrans" cxnId="{E344A32A-539A-4B7E-ACFA-95DEF5620BA5}">
+      <dgm:prSet/>
+      <dgm:spPr/>
+      <dgm:t>
+        <a:bodyPr/>
+        <a:lstStyle/>
+        <a:p>
+          <a:endParaRPr lang="es-PE"/>
+        </a:p>
+      </dgm:t>
+    </dgm:pt>
+    <dgm:pt modelId="{54A7580C-2761-4683-A631-30A94395D65A}" type="parTrans" cxnId="{E344A32A-539A-4B7E-ACFA-95DEF5620BA5}">
+      <dgm:prSet/>
+      <dgm:spPr/>
+      <dgm:t>
+        <a:bodyPr/>
+        <a:lstStyle/>
+        <a:p>
+          <a:endParaRPr lang="es-PE"/>
+        </a:p>
+      </dgm:t>
+    </dgm:pt>
+    <dgm:pt modelId="{ECCC7701-505F-42F0-B3C4-E9890A7BB77B}" type="sibTrans" cxnId="{2206174B-0967-4701-B7BB-572D079B3A22}">
+      <dgm:prSet/>
+      <dgm:spPr/>
+      <dgm:t>
+        <a:bodyPr/>
+        <a:lstStyle/>
+        <a:p>
+          <a:endParaRPr lang="es-PE"/>
+        </a:p>
+      </dgm:t>
+    </dgm:pt>
+    <dgm:pt modelId="{5D99972C-BEA3-4759-BAAC-F0514ABC1FE1}" type="parTrans" cxnId="{2206174B-0967-4701-B7BB-572D079B3A22}">
       <dgm:prSet/>
       <dgm:spPr/>
       <dgm:t>
@@ -4561,15 +4573,7 @@
         <a:p>
           <a:r>
             <a:rPr lang="es-ES" sz="1600" dirty="0" smtClean="0"/>
-            <a:t>Implementar un proceso de búsqueda para la asignación automática </a:t>
-          </a:r>
-          <a:r>
-            <a:rPr lang="es-ES" sz="1600" dirty="0" smtClean="0"/>
-            <a:t>de los mejores proveedores </a:t>
-          </a:r>
-          <a:r>
-            <a:rPr lang="es-ES" sz="1600" dirty="0" smtClean="0"/>
-            <a:t>al cliente basada en el algoritmo Tabú </a:t>
+            <a:t>Implementar un proceso de búsqueda para la asignación automática de los mejores proveedores al cliente basada en el algoritmo Tabú </a:t>
           </a:r>
           <a:r>
             <a:rPr lang="es-MX" sz="1600" dirty="0" smtClean="0"/>
@@ -4876,22 +4880,22 @@
     </dgm:pt>
   </dgm:ptLst>
   <dgm:cxnLst>
+    <dgm:cxn modelId="{5BEF8FBD-F7BC-444D-94D8-BB8E5A82AA43}" srcId="{9BF01063-3BAB-4F4D-ADE8-387A89D22F7C}" destId="{924689B8-E4E2-4802-BC6B-5B17E3AC8DDF}" srcOrd="2" destOrd="0" parTransId="{670CB166-EC54-4ECF-99EE-166A3C70F39E}" sibTransId="{A9E69FD6-91A0-40D3-96F5-93981AACB6C2}"/>
+    <dgm:cxn modelId="{4219486A-1AA6-4D7C-8DCD-F38DE310E10B}" type="presOf" srcId="{924689B8-E4E2-4802-BC6B-5B17E3AC8DDF}" destId="{E2ADE456-C079-4778-88D3-2ABF030BE345}" srcOrd="0" destOrd="0" presId="urn:microsoft.com/office/officeart/2005/8/layout/list1"/>
+    <dgm:cxn modelId="{A1CD1BE4-A834-4463-86D1-583A19E39584}" type="presOf" srcId="{9BF01063-3BAB-4F4D-ADE8-387A89D22F7C}" destId="{159D9149-F9AA-45E8-ABA6-7AC56A21C1F8}" srcOrd="0" destOrd="0" presId="urn:microsoft.com/office/officeart/2005/8/layout/list1"/>
+    <dgm:cxn modelId="{5D020E2A-D409-452B-ABB3-0EFE3A92652C}" type="presOf" srcId="{4C11F0D3-B1D8-41E5-B4ED-D28D5406ED7A}" destId="{C94856A0-C8B1-4244-B645-C266926A0AAB}" srcOrd="0" destOrd="0" presId="urn:microsoft.com/office/officeart/2005/8/layout/list1"/>
+    <dgm:cxn modelId="{FB20BC1E-834C-48C0-BD4E-04A5E0873844}" srcId="{4D5D3E7B-9F50-4387-AFBC-12316FB9B2E8}" destId="{4C11F0D3-B1D8-41E5-B4ED-D28D5406ED7A}" srcOrd="0" destOrd="0" parTransId="{C60CEBD2-531F-45D5-9CB2-1FBB715F4879}" sibTransId="{A1BF3405-CB09-4D5F-AAD9-E76A127FDC0C}"/>
+    <dgm:cxn modelId="{9738BE00-F026-4DB2-B7F4-EA1061D3A7FF}" type="presOf" srcId="{3BFDB7AE-EA70-4208-99E4-6652F73E09AF}" destId="{0F91977E-FD5F-4F09-AD28-B3380115D8C3}" srcOrd="0" destOrd="0" presId="urn:microsoft.com/office/officeart/2005/8/layout/list1"/>
+    <dgm:cxn modelId="{3B487C66-25D7-4E41-A5C2-F42C47637A7A}" type="presOf" srcId="{924689B8-E4E2-4802-BC6B-5B17E3AC8DDF}" destId="{E74DBF66-3AE1-4F14-A029-A5F2D0C36F78}" srcOrd="1" destOrd="0" presId="urn:microsoft.com/office/officeart/2005/8/layout/list1"/>
+    <dgm:cxn modelId="{26882D24-1258-440C-9950-32BA7E116E89}" type="presOf" srcId="{A43E1EE4-EA84-469B-B8E9-F87184BCD406}" destId="{FC04ED5C-48CE-49A3-98DF-4CA3B004B014}" srcOrd="0" destOrd="0" presId="urn:microsoft.com/office/officeart/2005/8/layout/list1"/>
+    <dgm:cxn modelId="{418BDB1E-B14B-41A7-9D8C-9C6887C8BC7F}" type="presOf" srcId="{4D5D3E7B-9F50-4387-AFBC-12316FB9B2E8}" destId="{15417C44-1630-41CC-AC5B-95723803EAAC}" srcOrd="1" destOrd="0" presId="urn:microsoft.com/office/officeart/2005/8/layout/list1"/>
     <dgm:cxn modelId="{78C0F103-0BC0-46BC-BBBC-D58341736E99}" type="presOf" srcId="{5D56325C-A28C-4982-810F-F3CCECEC2E7D}" destId="{3C682040-43AF-4BE8-950E-E13003E6C6C7}" srcOrd="0" destOrd="0" presId="urn:microsoft.com/office/officeart/2005/8/layout/list1"/>
+    <dgm:cxn modelId="{E344A32A-539A-4B7E-ACFA-95DEF5620BA5}" srcId="{9BF01063-3BAB-4F4D-ADE8-387A89D22F7C}" destId="{3BFDB7AE-EA70-4208-99E4-6652F73E09AF}" srcOrd="1" destOrd="0" parTransId="{54A7580C-2761-4683-A631-30A94395D65A}" sibTransId="{9EFD2A57-70D2-4814-9534-F69C1AAF4BEC}"/>
+    <dgm:cxn modelId="{108E09CC-8703-4C9A-9F4C-239B367EEF86}" type="presOf" srcId="{3BFDB7AE-EA70-4208-99E4-6652F73E09AF}" destId="{501DDC76-9B9F-4697-8027-10EB121BC8A9}" srcOrd="1" destOrd="0" presId="urn:microsoft.com/office/officeart/2005/8/layout/list1"/>
+    <dgm:cxn modelId="{DED07964-2F3D-434B-8896-63F590AFB3D4}" srcId="{9BF01063-3BAB-4F4D-ADE8-387A89D22F7C}" destId="{4D5D3E7B-9F50-4387-AFBC-12316FB9B2E8}" srcOrd="0" destOrd="0" parTransId="{4B140464-D0A6-4FE6-BFF1-D92A0DD7F2F3}" sibTransId="{86595B4C-0A5C-4BD5-A6B3-FDB543D91B73}"/>
     <dgm:cxn modelId="{2206174B-0967-4701-B7BB-572D079B3A22}" srcId="{3BFDB7AE-EA70-4208-99E4-6652F73E09AF}" destId="{5D56325C-A28C-4982-810F-F3CCECEC2E7D}" srcOrd="0" destOrd="0" parTransId="{5D99972C-BEA3-4759-BAAC-F0514ABC1FE1}" sibTransId="{ECCC7701-505F-42F0-B3C4-E9890A7BB77B}"/>
+    <dgm:cxn modelId="{D348ABC0-E7C5-475A-B6F1-B134560759E1}" type="presOf" srcId="{4D5D3E7B-9F50-4387-AFBC-12316FB9B2E8}" destId="{F126904A-86E7-4DEB-A715-98702053D074}" srcOrd="0" destOrd="0" presId="urn:microsoft.com/office/officeart/2005/8/layout/list1"/>
     <dgm:cxn modelId="{C611089B-F9C4-4CB8-A2DC-4A6E2B8ECF02}" srcId="{924689B8-E4E2-4802-BC6B-5B17E3AC8DDF}" destId="{A43E1EE4-EA84-469B-B8E9-F87184BCD406}" srcOrd="0" destOrd="0" parTransId="{B5EEE765-35D4-4DF0-BFEC-78B63BE24D65}" sibTransId="{DFDEAEA3-03A5-44E8-ACA1-35C31669F285}"/>
-    <dgm:cxn modelId="{FB20BC1E-834C-48C0-BD4E-04A5E0873844}" srcId="{4D5D3E7B-9F50-4387-AFBC-12316FB9B2E8}" destId="{4C11F0D3-B1D8-41E5-B4ED-D28D5406ED7A}" srcOrd="0" destOrd="0" parTransId="{C60CEBD2-531F-45D5-9CB2-1FBB715F4879}" sibTransId="{A1BF3405-CB09-4D5F-AAD9-E76A127FDC0C}"/>
-    <dgm:cxn modelId="{4219486A-1AA6-4D7C-8DCD-F38DE310E10B}" type="presOf" srcId="{924689B8-E4E2-4802-BC6B-5B17E3AC8DDF}" destId="{E2ADE456-C079-4778-88D3-2ABF030BE345}" srcOrd="0" destOrd="0" presId="urn:microsoft.com/office/officeart/2005/8/layout/list1"/>
-    <dgm:cxn modelId="{26882D24-1258-440C-9950-32BA7E116E89}" type="presOf" srcId="{A43E1EE4-EA84-469B-B8E9-F87184BCD406}" destId="{FC04ED5C-48CE-49A3-98DF-4CA3B004B014}" srcOrd="0" destOrd="0" presId="urn:microsoft.com/office/officeart/2005/8/layout/list1"/>
-    <dgm:cxn modelId="{108E09CC-8703-4C9A-9F4C-239B367EEF86}" type="presOf" srcId="{3BFDB7AE-EA70-4208-99E4-6652F73E09AF}" destId="{501DDC76-9B9F-4697-8027-10EB121BC8A9}" srcOrd="1" destOrd="0" presId="urn:microsoft.com/office/officeart/2005/8/layout/list1"/>
-    <dgm:cxn modelId="{5D020E2A-D409-452B-ABB3-0EFE3A92652C}" type="presOf" srcId="{4C11F0D3-B1D8-41E5-B4ED-D28D5406ED7A}" destId="{C94856A0-C8B1-4244-B645-C266926A0AAB}" srcOrd="0" destOrd="0" presId="urn:microsoft.com/office/officeart/2005/8/layout/list1"/>
-    <dgm:cxn modelId="{9738BE00-F026-4DB2-B7F4-EA1061D3A7FF}" type="presOf" srcId="{3BFDB7AE-EA70-4208-99E4-6652F73E09AF}" destId="{0F91977E-FD5F-4F09-AD28-B3380115D8C3}" srcOrd="0" destOrd="0" presId="urn:microsoft.com/office/officeart/2005/8/layout/list1"/>
-    <dgm:cxn modelId="{D348ABC0-E7C5-475A-B6F1-B134560759E1}" type="presOf" srcId="{4D5D3E7B-9F50-4387-AFBC-12316FB9B2E8}" destId="{F126904A-86E7-4DEB-A715-98702053D074}" srcOrd="0" destOrd="0" presId="urn:microsoft.com/office/officeart/2005/8/layout/list1"/>
-    <dgm:cxn modelId="{3B487C66-25D7-4E41-A5C2-F42C47637A7A}" type="presOf" srcId="{924689B8-E4E2-4802-BC6B-5B17E3AC8DDF}" destId="{E74DBF66-3AE1-4F14-A029-A5F2D0C36F78}" srcOrd="1" destOrd="0" presId="urn:microsoft.com/office/officeart/2005/8/layout/list1"/>
-    <dgm:cxn modelId="{A1CD1BE4-A834-4463-86D1-583A19E39584}" type="presOf" srcId="{9BF01063-3BAB-4F4D-ADE8-387A89D22F7C}" destId="{159D9149-F9AA-45E8-ABA6-7AC56A21C1F8}" srcOrd="0" destOrd="0" presId="urn:microsoft.com/office/officeart/2005/8/layout/list1"/>
-    <dgm:cxn modelId="{DED07964-2F3D-434B-8896-63F590AFB3D4}" srcId="{9BF01063-3BAB-4F4D-ADE8-387A89D22F7C}" destId="{4D5D3E7B-9F50-4387-AFBC-12316FB9B2E8}" srcOrd="0" destOrd="0" parTransId="{4B140464-D0A6-4FE6-BFF1-D92A0DD7F2F3}" sibTransId="{86595B4C-0A5C-4BD5-A6B3-FDB543D91B73}"/>
-    <dgm:cxn modelId="{E344A32A-539A-4B7E-ACFA-95DEF5620BA5}" srcId="{9BF01063-3BAB-4F4D-ADE8-387A89D22F7C}" destId="{3BFDB7AE-EA70-4208-99E4-6652F73E09AF}" srcOrd="1" destOrd="0" parTransId="{54A7580C-2761-4683-A631-30A94395D65A}" sibTransId="{9EFD2A57-70D2-4814-9534-F69C1AAF4BEC}"/>
-    <dgm:cxn modelId="{418BDB1E-B14B-41A7-9D8C-9C6887C8BC7F}" type="presOf" srcId="{4D5D3E7B-9F50-4387-AFBC-12316FB9B2E8}" destId="{15417C44-1630-41CC-AC5B-95723803EAAC}" srcOrd="1" destOrd="0" presId="urn:microsoft.com/office/officeart/2005/8/layout/list1"/>
-    <dgm:cxn modelId="{5BEF8FBD-F7BC-444D-94D8-BB8E5A82AA43}" srcId="{9BF01063-3BAB-4F4D-ADE8-387A89D22F7C}" destId="{924689B8-E4E2-4802-BC6B-5B17E3AC8DDF}" srcOrd="2" destOrd="0" parTransId="{670CB166-EC54-4ECF-99EE-166A3C70F39E}" sibTransId="{A9E69FD6-91A0-40D3-96F5-93981AACB6C2}"/>
     <dgm:cxn modelId="{BE00BBB3-1184-461B-97F7-D315BDD3D691}" type="presParOf" srcId="{159D9149-F9AA-45E8-ABA6-7AC56A21C1F8}" destId="{1063D51E-A931-450E-B6C9-26E16E6105C8}" srcOrd="0" destOrd="0" presId="urn:microsoft.com/office/officeart/2005/8/layout/list1"/>
     <dgm:cxn modelId="{79CF50A7-E302-42DE-B4FA-14593CA58892}" type="presParOf" srcId="{1063D51E-A931-450E-B6C9-26E16E6105C8}" destId="{F126904A-86E7-4DEB-A715-98702053D074}" srcOrd="0" destOrd="0" presId="urn:microsoft.com/office/officeart/2005/8/layout/list1"/>
     <dgm:cxn modelId="{3ABCB8CF-0045-4A73-BD75-619AA227F38A}" type="presParOf" srcId="{1063D51E-A931-450E-B6C9-26E16E6105C8}" destId="{15417C44-1630-41CC-AC5B-95723803EAAC}" srcOrd="1" destOrd="0" presId="urn:microsoft.com/office/officeart/2005/8/layout/list1"/>
@@ -5054,7 +5058,15 @@
         <a:p>
           <a:r>
             <a:rPr lang="es-PE" sz="1400" dirty="0" smtClean="0"/>
-            <a:t>Documento que contiene los diagramas de procesos de negocio mencionados en el objetivo específico 2.</a:t>
+            <a:t>Documento que contiene y describe todas las reglas y políticas de negocio que deben ser cumplidas por </a:t>
+          </a:r>
+          <a:r>
+            <a:rPr lang="es-ES" sz="1400" dirty="0" smtClean="0"/>
+            <a:t>clientes, proveedores y suministradores </a:t>
+          </a:r>
+          <a:r>
+            <a:rPr lang="es-PE" sz="1400" dirty="0" smtClean="0"/>
+            <a:t>a fin de poder llevar a cabo el caso de negocio.</a:t>
           </a:r>
           <a:endParaRPr lang="es-PE" sz="1400" dirty="0"/>
         </a:p>
@@ -5128,15 +5140,7 @@
         <a:p>
           <a:r>
             <a:rPr lang="es-PE" sz="1400" dirty="0" smtClean="0"/>
-            <a:t>Documento que contiene y describe todas las reglas y políticas de negocio que deben ser cumplidas por </a:t>
-          </a:r>
-          <a:r>
-            <a:rPr lang="es-ES" sz="1400" dirty="0" smtClean="0"/>
-            <a:t>clientes, proveedores y suministradores </a:t>
-          </a:r>
-          <a:r>
-            <a:rPr lang="es-PE" sz="1400" dirty="0" smtClean="0"/>
-            <a:t>a fin de poder llevar a cabo el caso de negocio.</a:t>
+            <a:t>Documento que contiene los diagramas de procesos de negocio mencionados en el objetivo específico 3.</a:t>
           </a:r>
           <a:endParaRPr lang="es-PE" sz="1400" dirty="0"/>
         </a:p>
@@ -5210,15 +5214,7 @@
         <a:p>
           <a:r>
             <a:rPr lang="es-PE" sz="1400" dirty="0" smtClean="0"/>
-            <a:t>Documento que contiene en lenguaje natural y en español el pseudocódigo del algoritmo Tabú para la asignación </a:t>
-          </a:r>
-          <a:r>
-            <a:rPr lang="es-PE" sz="1400" dirty="0" smtClean="0"/>
-            <a:t>de los mejores proveedores </a:t>
-          </a:r>
-          <a:r>
-            <a:rPr lang="es-PE" sz="1400" dirty="0" smtClean="0"/>
-            <a:t>al cliente, dados los factores mencionados en el objetivo específico 4.</a:t>
+            <a:t>Documento que contiene en lenguaje natural y en español el pseudocódigo del algoritmo Tabú para la asignación de los mejores proveedores al cliente, dados los factores mencionados en el objetivo específico 4.</a:t>
           </a:r>
           <a:endParaRPr lang="es-PE" sz="1400" dirty="0"/>
         </a:p>
@@ -5471,7 +5467,7 @@
       </dgm:t>
     </dgm:pt>
     <dgm:pt modelId="{123E87A1-D0D6-46FD-AD18-592C1BD4BACE}" type="pres">
-      <dgm:prSet presAssocID="{435DC60F-67DF-4C3F-8884-A3E18B4F7F92}" presName="descendantText" presStyleLbl="alignAccFollowNode1" presStyleIdx="1" presStyleCnt="6" custScaleX="132134">
+      <dgm:prSet presAssocID="{435DC60F-67DF-4C3F-8884-A3E18B4F7F92}" presName="descendantText" presStyleLbl="alignAccFollowNode1" presStyleIdx="1" presStyleCnt="6" custScaleX="132134" custScaleY="111236">
         <dgm:presLayoutVars>
           <dgm:bulletEnabled val="1"/>
         </dgm:presLayoutVars>
@@ -5494,7 +5490,7 @@
       <dgm:spPr/>
     </dgm:pt>
     <dgm:pt modelId="{B3F5683C-6936-44A0-9206-6A2FB0D41DEA}" type="pres">
-      <dgm:prSet presAssocID="{BB7FC414-5851-4AE2-B36B-DDDACD64A9D9}" presName="parentText" presStyleLbl="node1" presStyleIdx="2" presStyleCnt="6" custScaleX="28022" custScaleY="128064">
+      <dgm:prSet presAssocID="{BB7FC414-5851-4AE2-B36B-DDDACD64A9D9}" presName="parentText" presStyleLbl="node1" presStyleIdx="2" presStyleCnt="6" custScaleX="28022" custScaleY="94353">
         <dgm:presLayoutVars>
           <dgm:chMax val="1"/>
           <dgm:bulletEnabled val="1"/>
@@ -5510,7 +5506,7 @@
       </dgm:t>
     </dgm:pt>
     <dgm:pt modelId="{AFC1D999-AB59-46E9-9D86-EC2926324F27}" type="pres">
-      <dgm:prSet presAssocID="{BB7FC414-5851-4AE2-B36B-DDDACD64A9D9}" presName="descendantText" presStyleLbl="alignAccFollowNode1" presStyleIdx="2" presStyleCnt="6" custScaleX="130731" custScaleY="141667">
+      <dgm:prSet presAssocID="{BB7FC414-5851-4AE2-B36B-DDDACD64A9D9}" presName="descendantText" presStyleLbl="alignAccFollowNode1" presStyleIdx="2" presStyleCnt="6" custScaleX="130731" custScaleY="101072">
         <dgm:presLayoutVars>
           <dgm:bulletEnabled val="1"/>
         </dgm:presLayoutVars>
@@ -6272,6 +6268,164 @@
       <dsp:spPr>
         <a:xfrm>
           <a:off x="0" y="1486946"/>
+          <a:ext cx="8136904" cy="960750"/>
+        </a:xfrm>
+        <a:prstGeom prst="rect">
+          <a:avLst/>
+        </a:prstGeom>
+        <a:solidFill>
+          <a:schemeClr val="lt1">
+            <a:alpha val="90000"/>
+            <a:hueOff val="0"/>
+            <a:satOff val="0"/>
+            <a:lumOff val="0"/>
+            <a:alphaOff val="0"/>
+          </a:schemeClr>
+        </a:solidFill>
+        <a:ln w="25400" cap="flat" cmpd="sng" algn="ctr">
+          <a:solidFill>
+            <a:schemeClr val="accent6">
+              <a:hueOff val="0"/>
+              <a:satOff val="0"/>
+              <a:lumOff val="0"/>
+              <a:alphaOff val="0"/>
+            </a:schemeClr>
+          </a:solidFill>
+          <a:prstDash val="solid"/>
+        </a:ln>
+        <a:effectLst/>
+      </dsp:spPr>
+      <dsp:style>
+        <a:lnRef idx="2">
+          <a:scrgbClr r="0" g="0" b="0"/>
+        </a:lnRef>
+        <a:fillRef idx="1">
+          <a:scrgbClr r="0" g="0" b="0"/>
+        </a:fillRef>
+        <a:effectRef idx="0">
+          <a:scrgbClr r="0" g="0" b="0"/>
+        </a:effectRef>
+        <a:fontRef idx="minor"/>
+      </dsp:style>
+      <dsp:txBody>
+        <a:bodyPr spcFirstLastPara="0" vert="horz" wrap="square" lIns="631514" tIns="416560" rIns="631514" bIns="113792" numCol="1" spcCol="1270" anchor="t" anchorCtr="0">
+          <a:noAutofit/>
+        </a:bodyPr>
+        <a:lstStyle/>
+        <a:p>
+          <a:pPr marL="171450" lvl="1" indent="-171450" algn="l" defTabSz="711200">
+            <a:lnSpc>
+              <a:spcPct val="90000"/>
+            </a:lnSpc>
+            <a:spcBef>
+              <a:spcPct val="0"/>
+            </a:spcBef>
+            <a:spcAft>
+              <a:spcPct val="15000"/>
+            </a:spcAft>
+            <a:buChar char="••"/>
+          </a:pPr>
+          <a:r>
+            <a:rPr lang="es-ES" sz="1600" kern="1200" dirty="0" smtClean="0"/>
+            <a:t>Definir las reglas y políticas de negocio que deben cumplir todos los actores involucrados.</a:t>
+          </a:r>
+          <a:endParaRPr lang="es-PE" sz="1600" kern="1200" dirty="0"/>
+        </a:p>
+      </dsp:txBody>
+      <dsp:txXfrm>
+        <a:off x="0" y="1486946"/>
+        <a:ext cx="8136904" cy="960750"/>
+      </dsp:txXfrm>
+    </dsp:sp>
+    <dsp:sp modelId="{501DDC76-9B9F-4697-8027-10EB121BC8A9}">
+      <dsp:nvSpPr>
+        <dsp:cNvPr id="0" name=""/>
+        <dsp:cNvSpPr/>
+      </dsp:nvSpPr>
+      <dsp:spPr>
+        <a:xfrm>
+          <a:off x="406845" y="1191746"/>
+          <a:ext cx="5695832" cy="590400"/>
+        </a:xfrm>
+        <a:prstGeom prst="roundRect">
+          <a:avLst/>
+        </a:prstGeom>
+        <a:solidFill>
+          <a:schemeClr val="accent6">
+            <a:hueOff val="0"/>
+            <a:satOff val="0"/>
+            <a:lumOff val="0"/>
+            <a:alphaOff val="0"/>
+          </a:schemeClr>
+        </a:solidFill>
+        <a:ln w="25400" cap="flat" cmpd="sng" algn="ctr">
+          <a:solidFill>
+            <a:schemeClr val="lt1">
+              <a:hueOff val="0"/>
+              <a:satOff val="0"/>
+              <a:lumOff val="0"/>
+              <a:alphaOff val="0"/>
+            </a:schemeClr>
+          </a:solidFill>
+          <a:prstDash val="solid"/>
+        </a:ln>
+        <a:effectLst/>
+      </dsp:spPr>
+      <dsp:style>
+        <a:lnRef idx="2">
+          <a:scrgbClr r="0" g="0" b="0"/>
+        </a:lnRef>
+        <a:fillRef idx="1">
+          <a:scrgbClr r="0" g="0" b="0"/>
+        </a:fillRef>
+        <a:effectRef idx="0">
+          <a:scrgbClr r="0" g="0" b="0"/>
+        </a:effectRef>
+        <a:fontRef idx="minor">
+          <a:schemeClr val="lt1"/>
+        </a:fontRef>
+      </dsp:style>
+      <dsp:txBody>
+        <a:bodyPr spcFirstLastPara="0" vert="horz" wrap="square" lIns="215289" tIns="0" rIns="215289" bIns="0" numCol="1" spcCol="1270" anchor="ctr" anchorCtr="0">
+          <a:noAutofit/>
+        </a:bodyPr>
+        <a:lstStyle/>
+        <a:p>
+          <a:pPr lvl="0" algn="l" defTabSz="889000">
+            <a:lnSpc>
+              <a:spcPct val="90000"/>
+            </a:lnSpc>
+            <a:spcBef>
+              <a:spcPct val="0"/>
+            </a:spcBef>
+            <a:spcAft>
+              <a:spcPct val="35000"/>
+            </a:spcAft>
+          </a:pPr>
+          <a:r>
+            <a:rPr lang="es-PE" sz="2000" b="1" kern="1200" dirty="0" smtClean="0"/>
+            <a:t>Objetivo Específico </a:t>
+          </a:r>
+          <a:r>
+            <a:rPr lang="es-PE" sz="2000" b="1" kern="1200" dirty="0" smtClean="0"/>
+            <a:t>2 [OE2]</a:t>
+          </a:r>
+          <a:endParaRPr lang="es-PE" sz="2000" b="1" kern="1200" dirty="0"/>
+        </a:p>
+      </dsp:txBody>
+      <dsp:txXfrm>
+        <a:off x="435666" y="1220567"/>
+        <a:ext cx="5638190" cy="532758"/>
+      </dsp:txXfrm>
+    </dsp:sp>
+    <dsp:sp modelId="{FC04ED5C-48CE-49A3-98DF-4CA3B004B014}">
+      <dsp:nvSpPr>
+        <dsp:cNvPr id="0" name=""/>
+        <dsp:cNvSpPr/>
+      </dsp:nvSpPr>
+      <dsp:spPr>
+        <a:xfrm>
+          <a:off x="0" y="2850896"/>
           <a:ext cx="8136904" cy="2016000"/>
         </a:xfrm>
         <a:prstGeom prst="rect">
@@ -6382,28 +6536,24 @@
           </a:r>
           <a:r>
             <a:rPr lang="es-ES" sz="1600" kern="1200" dirty="0" smtClean="0"/>
-            <a:t>Cierre y retroalimentación (</a:t>
-          </a:r>
-          <a:r>
-            <a:rPr lang="es-ES" sz="1600" kern="1200" smtClean="0"/>
-            <a:t>post-servicio)</a:t>
+            <a:t>Cierre y retroalimentación (post-servicio)</a:t>
           </a:r>
           <a:endParaRPr lang="es-PE" sz="1600" kern="1200" dirty="0"/>
         </a:p>
       </dsp:txBody>
       <dsp:txXfrm>
-        <a:off x="0" y="1486946"/>
+        <a:off x="0" y="2850896"/>
         <a:ext cx="8136904" cy="2016000"/>
       </dsp:txXfrm>
     </dsp:sp>
-    <dsp:sp modelId="{501DDC76-9B9F-4697-8027-10EB121BC8A9}">
+    <dsp:sp modelId="{E74DBF66-3AE1-4F14-A029-A5F2D0C36F78}">
       <dsp:nvSpPr>
         <dsp:cNvPr id="0" name=""/>
         <dsp:cNvSpPr/>
       </dsp:nvSpPr>
       <dsp:spPr>
         <a:xfrm>
-          <a:off x="406845" y="1191746"/>
+          <a:off x="406845" y="2555696"/>
           <a:ext cx="5695832" cy="590400"/>
         </a:xfrm>
         <a:prstGeom prst="roundRect">
@@ -6463,167 +6613,25 @@
           </a:pPr>
           <a:r>
             <a:rPr lang="es-PE" sz="2000" b="1" kern="1200" dirty="0" smtClean="0"/>
-            <a:t>Objetivo Específico 2 [OE2]</a:t>
+            <a:t>Objetivo Específico </a:t>
+          </a:r>
+          <a:r>
+            <a:rPr lang="es-PE" sz="2000" b="1" kern="1200" dirty="0" smtClean="0"/>
+            <a:t>3 </a:t>
+          </a:r>
+          <a:r>
+            <a:rPr lang="es-PE" sz="2000" b="1" kern="1200" dirty="0" smtClean="0"/>
+            <a:t>[</a:t>
+          </a:r>
+          <a:r>
+            <a:rPr lang="es-PE" sz="2000" b="1" kern="1200" dirty="0" smtClean="0"/>
+            <a:t>OE3]</a:t>
           </a:r>
           <a:endParaRPr lang="es-PE" sz="2000" b="1" kern="1200" dirty="0"/>
         </a:p>
       </dsp:txBody>
       <dsp:txXfrm>
-        <a:off x="435666" y="1220567"/>
-        <a:ext cx="5638190" cy="532758"/>
-      </dsp:txXfrm>
-    </dsp:sp>
-    <dsp:sp modelId="{FC04ED5C-48CE-49A3-98DF-4CA3B004B014}">
-      <dsp:nvSpPr>
-        <dsp:cNvPr id="0" name=""/>
-        <dsp:cNvSpPr/>
-      </dsp:nvSpPr>
-      <dsp:spPr>
-        <a:xfrm>
-          <a:off x="0" y="3906146"/>
-          <a:ext cx="8136904" cy="960750"/>
-        </a:xfrm>
-        <a:prstGeom prst="rect">
-          <a:avLst/>
-        </a:prstGeom>
-        <a:solidFill>
-          <a:schemeClr val="lt1">
-            <a:alpha val="90000"/>
-            <a:hueOff val="0"/>
-            <a:satOff val="0"/>
-            <a:lumOff val="0"/>
-            <a:alphaOff val="0"/>
-          </a:schemeClr>
-        </a:solidFill>
-        <a:ln w="25400" cap="flat" cmpd="sng" algn="ctr">
-          <a:solidFill>
-            <a:schemeClr val="accent6">
-              <a:hueOff val="0"/>
-              <a:satOff val="0"/>
-              <a:lumOff val="0"/>
-              <a:alphaOff val="0"/>
-            </a:schemeClr>
-          </a:solidFill>
-          <a:prstDash val="solid"/>
-        </a:ln>
-        <a:effectLst/>
-      </dsp:spPr>
-      <dsp:style>
-        <a:lnRef idx="2">
-          <a:scrgbClr r="0" g="0" b="0"/>
-        </a:lnRef>
-        <a:fillRef idx="1">
-          <a:scrgbClr r="0" g="0" b="0"/>
-        </a:fillRef>
-        <a:effectRef idx="0">
-          <a:scrgbClr r="0" g="0" b="0"/>
-        </a:effectRef>
-        <a:fontRef idx="minor"/>
-      </dsp:style>
-      <dsp:txBody>
-        <a:bodyPr spcFirstLastPara="0" vert="horz" wrap="square" lIns="631514" tIns="416560" rIns="631514" bIns="113792" numCol="1" spcCol="1270" anchor="t" anchorCtr="0">
-          <a:noAutofit/>
-        </a:bodyPr>
-        <a:lstStyle/>
-        <a:p>
-          <a:pPr marL="171450" lvl="1" indent="-171450" algn="l" defTabSz="711200">
-            <a:lnSpc>
-              <a:spcPct val="90000"/>
-            </a:lnSpc>
-            <a:spcBef>
-              <a:spcPct val="0"/>
-            </a:spcBef>
-            <a:spcAft>
-              <a:spcPct val="15000"/>
-            </a:spcAft>
-            <a:buChar char="••"/>
-          </a:pPr>
-          <a:r>
-            <a:rPr lang="es-ES" sz="1600" kern="1200" dirty="0" smtClean="0"/>
-            <a:t>Definir las reglas y políticas de negocio que deben cumplir todos los actores involucrados.</a:t>
-          </a:r>
-          <a:endParaRPr lang="es-PE" sz="1600" kern="1200" dirty="0"/>
-        </a:p>
-      </dsp:txBody>
-      <dsp:txXfrm>
-        <a:off x="0" y="3906146"/>
-        <a:ext cx="8136904" cy="960750"/>
-      </dsp:txXfrm>
-    </dsp:sp>
-    <dsp:sp modelId="{E74DBF66-3AE1-4F14-A029-A5F2D0C36F78}">
-      <dsp:nvSpPr>
-        <dsp:cNvPr id="0" name=""/>
-        <dsp:cNvSpPr/>
-      </dsp:nvSpPr>
-      <dsp:spPr>
-        <a:xfrm>
-          <a:off x="406845" y="3610946"/>
-          <a:ext cx="5695832" cy="590400"/>
-        </a:xfrm>
-        <a:prstGeom prst="roundRect">
-          <a:avLst/>
-        </a:prstGeom>
-        <a:solidFill>
-          <a:schemeClr val="accent6">
-            <a:hueOff val="0"/>
-            <a:satOff val="0"/>
-            <a:lumOff val="0"/>
-            <a:alphaOff val="0"/>
-          </a:schemeClr>
-        </a:solidFill>
-        <a:ln w="25400" cap="flat" cmpd="sng" algn="ctr">
-          <a:solidFill>
-            <a:schemeClr val="lt1">
-              <a:hueOff val="0"/>
-              <a:satOff val="0"/>
-              <a:lumOff val="0"/>
-              <a:alphaOff val="0"/>
-            </a:schemeClr>
-          </a:solidFill>
-          <a:prstDash val="solid"/>
-        </a:ln>
-        <a:effectLst/>
-      </dsp:spPr>
-      <dsp:style>
-        <a:lnRef idx="2">
-          <a:scrgbClr r="0" g="0" b="0"/>
-        </a:lnRef>
-        <a:fillRef idx="1">
-          <a:scrgbClr r="0" g="0" b="0"/>
-        </a:fillRef>
-        <a:effectRef idx="0">
-          <a:scrgbClr r="0" g="0" b="0"/>
-        </a:effectRef>
-        <a:fontRef idx="minor">
-          <a:schemeClr val="lt1"/>
-        </a:fontRef>
-      </dsp:style>
-      <dsp:txBody>
-        <a:bodyPr spcFirstLastPara="0" vert="horz" wrap="square" lIns="215289" tIns="0" rIns="215289" bIns="0" numCol="1" spcCol="1270" anchor="ctr" anchorCtr="0">
-          <a:noAutofit/>
-        </a:bodyPr>
-        <a:lstStyle/>
-        <a:p>
-          <a:pPr lvl="0" algn="l" defTabSz="889000">
-            <a:lnSpc>
-              <a:spcPct val="90000"/>
-            </a:lnSpc>
-            <a:spcBef>
-              <a:spcPct val="0"/>
-            </a:spcBef>
-            <a:spcAft>
-              <a:spcPct val="35000"/>
-            </a:spcAft>
-          </a:pPr>
-          <a:r>
-            <a:rPr lang="es-PE" sz="2000" b="1" kern="1200" dirty="0" smtClean="0"/>
-            <a:t>Objetivo Específico 3 [OE3]</a:t>
-          </a:r>
-          <a:endParaRPr lang="es-PE" sz="2000" b="1" kern="1200" dirty="0"/>
-        </a:p>
-      </dsp:txBody>
-      <dsp:txXfrm>
-        <a:off x="435666" y="3639767"/>
+        <a:off x="435666" y="2584517"/>
         <a:ext cx="5638190" cy="532758"/>
       </dsp:txXfrm>
     </dsp:sp>
@@ -6706,15 +6714,7 @@
           </a:pPr>
           <a:r>
             <a:rPr lang="es-ES" sz="1600" kern="1200" dirty="0" smtClean="0"/>
-            <a:t>Implementar un proceso de búsqueda para la asignación automática </a:t>
-          </a:r>
-          <a:r>
-            <a:rPr lang="es-ES" sz="1600" kern="1200" dirty="0" smtClean="0"/>
-            <a:t>de los mejores proveedores </a:t>
-          </a:r>
-          <a:r>
-            <a:rPr lang="es-ES" sz="1600" kern="1200" dirty="0" smtClean="0"/>
-            <a:t>al cliente basada en el algoritmo Tabú </a:t>
+            <a:t>Implementar un proceso de búsqueda para la asignación automática de los mejores proveedores al cliente basada en el algoritmo Tabú </a:t>
           </a:r>
           <a:r>
             <a:rPr lang="es-MX" sz="1600" kern="1200" dirty="0" smtClean="0"/>
@@ -7181,8 +7181,8 @@
       </dsp:nvSpPr>
       <dsp:spPr>
         <a:xfrm rot="5400000">
-          <a:off x="4204325" y="-3086820"/>
-          <a:ext cx="616216" cy="6945553"/>
+          <a:off x="4187343" y="-3065486"/>
+          <a:ext cx="650181" cy="6945553"/>
         </a:xfrm>
         <a:prstGeom prst="round2SameRect">
           <a:avLst/>
@@ -7250,8 +7250,8 @@
         </a:p>
       </dsp:txBody>
       <dsp:txXfrm rot="-5400000">
-        <a:off x="1039657" y="107929"/>
-        <a:ext cx="6915472" cy="556054"/>
+        <a:off x="1039658" y="113938"/>
+        <a:ext cx="6913814" cy="586703"/>
       </dsp:txXfrm>
     </dsp:sp>
     <dsp:sp modelId="{A06528E6-100A-4976-B138-5E903706F02B}">
@@ -7261,8 +7261,8 @@
       </dsp:nvSpPr>
       <dsp:spPr>
         <a:xfrm>
-          <a:off x="220443" y="820"/>
-          <a:ext cx="819213" cy="770271"/>
+          <a:off x="220443" y="926"/>
+          <a:ext cx="819213" cy="812727"/>
         </a:xfrm>
         <a:prstGeom prst="roundRect">
           <a:avLst/>
@@ -7328,8 +7328,8 @@
         </a:p>
       </dsp:txBody>
       <dsp:txXfrm>
-        <a:off x="258045" y="38422"/>
-        <a:ext cx="744009" cy="695067"/>
+        <a:off x="260117" y="40600"/>
+        <a:ext cx="739865" cy="733379"/>
       </dsp:txXfrm>
     </dsp:sp>
     <dsp:sp modelId="{123E87A1-D0D6-46FD-AD18-592C1BD4BACE}">
@@ -7339,166 +7339,8 @@
       </dsp:nvSpPr>
       <dsp:spPr>
         <a:xfrm rot="5400000">
-          <a:off x="4202513" y="-2276223"/>
-          <a:ext cx="616216" cy="6941928"/>
-        </a:xfrm>
-        <a:prstGeom prst="round2SameRect">
-          <a:avLst/>
-        </a:prstGeom>
-        <a:solidFill>
-          <a:schemeClr val="accent6">
-            <a:alpha val="90000"/>
-            <a:tint val="40000"/>
-            <a:hueOff val="0"/>
-            <a:satOff val="0"/>
-            <a:lumOff val="0"/>
-            <a:alphaOff val="0"/>
-          </a:schemeClr>
-        </a:solidFill>
-        <a:ln w="25400" cap="flat" cmpd="sng" algn="ctr">
-          <a:solidFill>
-            <a:schemeClr val="accent6">
-              <a:alpha val="90000"/>
-              <a:tint val="40000"/>
-              <a:hueOff val="0"/>
-              <a:satOff val="0"/>
-              <a:lumOff val="0"/>
-              <a:alphaOff val="0"/>
-            </a:schemeClr>
-          </a:solidFill>
-          <a:prstDash val="solid"/>
-        </a:ln>
-        <a:effectLst/>
-      </dsp:spPr>
-      <dsp:style>
-        <a:lnRef idx="2">
-          <a:scrgbClr r="0" g="0" b="0"/>
-        </a:lnRef>
-        <a:fillRef idx="1">
-          <a:scrgbClr r="0" g="0" b="0"/>
-        </a:fillRef>
-        <a:effectRef idx="0">
-          <a:scrgbClr r="0" g="0" b="0"/>
-        </a:effectRef>
-        <a:fontRef idx="minor"/>
-      </dsp:style>
-      <dsp:txBody>
-        <a:bodyPr spcFirstLastPara="0" vert="horz" wrap="square" lIns="247650" tIns="123825" rIns="247650" bIns="123825" numCol="1" spcCol="1270" anchor="ctr" anchorCtr="0">
-          <a:noAutofit/>
-        </a:bodyPr>
-        <a:lstStyle/>
-        <a:p>
-          <a:pPr marL="114300" lvl="1" indent="-114300" algn="l" defTabSz="622300">
-            <a:lnSpc>
-              <a:spcPct val="90000"/>
-            </a:lnSpc>
-            <a:spcBef>
-              <a:spcPct val="0"/>
-            </a:spcBef>
-            <a:spcAft>
-              <a:spcPct val="15000"/>
-            </a:spcAft>
-            <a:buChar char="••"/>
-          </a:pPr>
-          <a:r>
-            <a:rPr lang="es-PE" sz="1400" kern="1200" dirty="0" smtClean="0"/>
-            <a:t>Documento que contiene los diagramas de procesos de negocio mencionados en el objetivo específico 2.</a:t>
-          </a:r>
-          <a:endParaRPr lang="es-PE" sz="1400" kern="1200" dirty="0"/>
-        </a:p>
-      </dsp:txBody>
-      <dsp:txXfrm rot="-5400000">
-        <a:off x="1039658" y="916713"/>
-        <a:ext cx="6911847" cy="556054"/>
-      </dsp:txXfrm>
-    </dsp:sp>
-    <dsp:sp modelId="{A075BA52-9E9E-49BC-B10D-54726DBFECBB}">
-      <dsp:nvSpPr>
-        <dsp:cNvPr id="0" name=""/>
-        <dsp:cNvSpPr/>
-      </dsp:nvSpPr>
-      <dsp:spPr>
-        <a:xfrm>
-          <a:off x="220443" y="809605"/>
-          <a:ext cx="819213" cy="770271"/>
-        </a:xfrm>
-        <a:prstGeom prst="roundRect">
-          <a:avLst/>
-        </a:prstGeom>
-        <a:solidFill>
-          <a:schemeClr val="accent6">
-            <a:alpha val="90000"/>
-            <a:hueOff val="0"/>
-            <a:satOff val="0"/>
-            <a:lumOff val="0"/>
-            <a:alphaOff val="-8000"/>
-          </a:schemeClr>
-        </a:solidFill>
-        <a:ln w="25400" cap="flat" cmpd="sng" algn="ctr">
-          <a:solidFill>
-            <a:schemeClr val="lt1">
-              <a:hueOff val="0"/>
-              <a:satOff val="0"/>
-              <a:lumOff val="0"/>
-              <a:alphaOff val="0"/>
-            </a:schemeClr>
-          </a:solidFill>
-          <a:prstDash val="solid"/>
-        </a:ln>
-        <a:effectLst/>
-      </dsp:spPr>
-      <dsp:style>
-        <a:lnRef idx="2">
-          <a:scrgbClr r="0" g="0" b="0"/>
-        </a:lnRef>
-        <a:fillRef idx="1">
-          <a:scrgbClr r="0" g="0" b="0"/>
-        </a:fillRef>
-        <a:effectRef idx="0">
-          <a:scrgbClr r="0" g="0" b="0"/>
-        </a:effectRef>
-        <a:fontRef idx="minor">
-          <a:schemeClr val="lt1"/>
-        </a:fontRef>
-      </dsp:style>
-      <dsp:txBody>
-        <a:bodyPr spcFirstLastPara="0" vert="horz" wrap="square" lIns="53340" tIns="26670" rIns="53340" bIns="26670" numCol="1" spcCol="1270" anchor="ctr" anchorCtr="0">
-          <a:noAutofit/>
-        </a:bodyPr>
-        <a:lstStyle/>
-        <a:p>
-          <a:pPr lvl="0" algn="ctr" defTabSz="622300">
-            <a:lnSpc>
-              <a:spcPct val="90000"/>
-            </a:lnSpc>
-            <a:spcBef>
-              <a:spcPct val="0"/>
-            </a:spcBef>
-            <a:spcAft>
-              <a:spcPct val="35000"/>
-            </a:spcAft>
-          </a:pPr>
-          <a:r>
-            <a:rPr lang="es-PE" sz="1400" b="1" kern="1200" dirty="0" smtClean="0"/>
-            <a:t>RE2 para OE2</a:t>
-          </a:r>
-          <a:endParaRPr lang="es-PE" sz="1400" kern="1200" dirty="0"/>
-        </a:p>
-      </dsp:txBody>
-      <dsp:txXfrm>
-        <a:off x="258045" y="847207"/>
-        <a:ext cx="744009" cy="695067"/>
-      </dsp:txXfrm>
-    </dsp:sp>
-    <dsp:sp modelId="{AFC1D999-AB59-46E9-9D86-EC2926324F27}">
-      <dsp:nvSpPr>
-        <dsp:cNvPr id="0" name=""/>
-        <dsp:cNvSpPr/>
-      </dsp:nvSpPr>
-      <dsp:spPr>
-        <a:xfrm rot="5400000">
-          <a:off x="4042011" y="-1319145"/>
-          <a:ext cx="872975" cy="6861512"/>
+          <a:off x="4149003" y="-2210310"/>
+          <a:ext cx="723236" cy="6941928"/>
         </a:xfrm>
         <a:prstGeom prst="round2SameRect">
           <a:avLst/>
@@ -7574,8 +7416,166 @@
         </a:p>
       </dsp:txBody>
       <dsp:txXfrm rot="-5400000">
-        <a:off x="1047743" y="1717738"/>
-        <a:ext cx="6818897" cy="787745"/>
+        <a:off x="1039658" y="934340"/>
+        <a:ext cx="6906623" cy="652626"/>
+      </dsp:txXfrm>
+    </dsp:sp>
+    <dsp:sp modelId="{A075BA52-9E9E-49BC-B10D-54726DBFECBB}">
+      <dsp:nvSpPr>
+        <dsp:cNvPr id="0" name=""/>
+        <dsp:cNvSpPr/>
+      </dsp:nvSpPr>
+      <dsp:spPr>
+        <a:xfrm>
+          <a:off x="220443" y="854290"/>
+          <a:ext cx="819213" cy="812727"/>
+        </a:xfrm>
+        <a:prstGeom prst="roundRect">
+          <a:avLst/>
+        </a:prstGeom>
+        <a:solidFill>
+          <a:schemeClr val="accent6">
+            <a:alpha val="90000"/>
+            <a:hueOff val="0"/>
+            <a:satOff val="0"/>
+            <a:lumOff val="0"/>
+            <a:alphaOff val="-8000"/>
+          </a:schemeClr>
+        </a:solidFill>
+        <a:ln w="25400" cap="flat" cmpd="sng" algn="ctr">
+          <a:solidFill>
+            <a:schemeClr val="lt1">
+              <a:hueOff val="0"/>
+              <a:satOff val="0"/>
+              <a:lumOff val="0"/>
+              <a:alphaOff val="0"/>
+            </a:schemeClr>
+          </a:solidFill>
+          <a:prstDash val="solid"/>
+        </a:ln>
+        <a:effectLst/>
+      </dsp:spPr>
+      <dsp:style>
+        <a:lnRef idx="2">
+          <a:scrgbClr r="0" g="0" b="0"/>
+        </a:lnRef>
+        <a:fillRef idx="1">
+          <a:scrgbClr r="0" g="0" b="0"/>
+        </a:fillRef>
+        <a:effectRef idx="0">
+          <a:scrgbClr r="0" g="0" b="0"/>
+        </a:effectRef>
+        <a:fontRef idx="minor">
+          <a:schemeClr val="lt1"/>
+        </a:fontRef>
+      </dsp:style>
+      <dsp:txBody>
+        <a:bodyPr spcFirstLastPara="0" vert="horz" wrap="square" lIns="53340" tIns="26670" rIns="53340" bIns="26670" numCol="1" spcCol="1270" anchor="ctr" anchorCtr="0">
+          <a:noAutofit/>
+        </a:bodyPr>
+        <a:lstStyle/>
+        <a:p>
+          <a:pPr lvl="0" algn="ctr" defTabSz="622300">
+            <a:lnSpc>
+              <a:spcPct val="90000"/>
+            </a:lnSpc>
+            <a:spcBef>
+              <a:spcPct val="0"/>
+            </a:spcBef>
+            <a:spcAft>
+              <a:spcPct val="35000"/>
+            </a:spcAft>
+          </a:pPr>
+          <a:r>
+            <a:rPr lang="es-PE" sz="1400" b="1" kern="1200" dirty="0" smtClean="0"/>
+            <a:t>RE2 para OE2</a:t>
+          </a:r>
+          <a:endParaRPr lang="es-PE" sz="1400" kern="1200" dirty="0"/>
+        </a:p>
+      </dsp:txBody>
+      <dsp:txXfrm>
+        <a:off x="260117" y="893964"/>
+        <a:ext cx="739865" cy="733379"/>
+      </dsp:txXfrm>
+    </dsp:sp>
+    <dsp:sp modelId="{AFC1D999-AB59-46E9-9D86-EC2926324F27}">
+      <dsp:nvSpPr>
+        <dsp:cNvPr id="0" name=""/>
+        <dsp:cNvSpPr/>
+      </dsp:nvSpPr>
+      <dsp:spPr>
+        <a:xfrm rot="5400000">
+          <a:off x="4154086" y="-1343039"/>
+          <a:ext cx="657151" cy="6868219"/>
+        </a:xfrm>
+        <a:prstGeom prst="round2SameRect">
+          <a:avLst/>
+        </a:prstGeom>
+        <a:solidFill>
+          <a:schemeClr val="accent6">
+            <a:alpha val="90000"/>
+            <a:tint val="40000"/>
+            <a:hueOff val="0"/>
+            <a:satOff val="0"/>
+            <a:lumOff val="0"/>
+            <a:alphaOff val="0"/>
+          </a:schemeClr>
+        </a:solidFill>
+        <a:ln w="25400" cap="flat" cmpd="sng" algn="ctr">
+          <a:solidFill>
+            <a:schemeClr val="accent6">
+              <a:alpha val="90000"/>
+              <a:tint val="40000"/>
+              <a:hueOff val="0"/>
+              <a:satOff val="0"/>
+              <a:lumOff val="0"/>
+              <a:alphaOff val="0"/>
+            </a:schemeClr>
+          </a:solidFill>
+          <a:prstDash val="solid"/>
+        </a:ln>
+        <a:effectLst/>
+      </dsp:spPr>
+      <dsp:style>
+        <a:lnRef idx="2">
+          <a:scrgbClr r="0" g="0" b="0"/>
+        </a:lnRef>
+        <a:fillRef idx="1">
+          <a:scrgbClr r="0" g="0" b="0"/>
+        </a:fillRef>
+        <a:effectRef idx="0">
+          <a:scrgbClr r="0" g="0" b="0"/>
+        </a:effectRef>
+        <a:fontRef idx="minor"/>
+      </dsp:style>
+      <dsp:txBody>
+        <a:bodyPr spcFirstLastPara="0" vert="horz" wrap="square" lIns="247650" tIns="123825" rIns="247650" bIns="123825" numCol="1" spcCol="1270" anchor="ctr" anchorCtr="0">
+          <a:noAutofit/>
+        </a:bodyPr>
+        <a:lstStyle/>
+        <a:p>
+          <a:pPr marL="114300" lvl="1" indent="-114300" algn="l" defTabSz="622300">
+            <a:lnSpc>
+              <a:spcPct val="90000"/>
+            </a:lnSpc>
+            <a:spcBef>
+              <a:spcPct val="0"/>
+            </a:spcBef>
+            <a:spcAft>
+              <a:spcPct val="15000"/>
+            </a:spcAft>
+            <a:buChar char="••"/>
+          </a:pPr>
+          <a:r>
+            <a:rPr lang="es-PE" sz="1400" kern="1200" dirty="0" smtClean="0"/>
+            <a:t>Documento que contiene los diagramas de procesos de negocio mencionados en el objetivo específico 3.</a:t>
+          </a:r>
+          <a:endParaRPr lang="es-PE" sz="1400" kern="1200" dirty="0"/>
+        </a:p>
+      </dsp:txBody>
+      <dsp:txXfrm rot="-5400000">
+        <a:off x="1048553" y="1794573"/>
+        <a:ext cx="6836140" cy="592993"/>
       </dsp:txXfrm>
     </dsp:sp>
     <dsp:sp modelId="{B3F5683C-6936-44A0-9206-6A2FB0D41DEA}">
@@ -7585,8 +7585,8 @@
       </dsp:nvSpPr>
       <dsp:spPr>
         <a:xfrm>
-          <a:off x="220443" y="1618390"/>
-          <a:ext cx="827299" cy="986440"/>
+          <a:off x="220443" y="1707653"/>
+          <a:ext cx="828108" cy="766832"/>
         </a:xfrm>
         <a:prstGeom prst="roundRect">
           <a:avLst/>
@@ -7652,8 +7652,8 @@
         </a:p>
       </dsp:txBody>
       <dsp:txXfrm>
-        <a:off x="260828" y="1658775"/>
-        <a:ext cx="746529" cy="905670"/>
+        <a:off x="257877" y="1745087"/>
+        <a:ext cx="753240" cy="691964"/>
       </dsp:txXfrm>
     </dsp:sp>
     <dsp:sp modelId="{E6AA9730-C1F3-4EA4-B4B8-FC8BA901A561}">
@@ -7663,8 +7663,8 @@
       </dsp:nvSpPr>
       <dsp:spPr>
         <a:xfrm rot="5400000">
-          <a:off x="4108959" y="-390106"/>
-          <a:ext cx="794944" cy="6935149"/>
+          <a:off x="4087051" y="-494399"/>
+          <a:ext cx="838760" cy="6935149"/>
         </a:xfrm>
         <a:prstGeom prst="round2SameRect">
           <a:avLst/>
@@ -7726,22 +7726,14 @@
           </a:pPr>
           <a:r>
             <a:rPr lang="es-PE" sz="1400" kern="1200" dirty="0" smtClean="0"/>
-            <a:t>Documento que contiene en lenguaje natural y en español el pseudocódigo del algoritmo Tabú para la asignación </a:t>
-          </a:r>
-          <a:r>
-            <a:rPr lang="es-PE" sz="1400" kern="1200" dirty="0" smtClean="0"/>
-            <a:t>de los mejores proveedores </a:t>
-          </a:r>
-          <a:r>
-            <a:rPr lang="es-PE" sz="1400" kern="1200" dirty="0" smtClean="0"/>
-            <a:t>al cliente, dados los factores mencionados en el objetivo específico 4.</a:t>
+            <a:t>Documento que contiene en lenguaje natural y en español el pseudocódigo del algoritmo Tabú para la asignación de los mejores proveedores al cliente, dados los factores mencionados en el objetivo específico 4.</a:t>
           </a:r>
           <a:endParaRPr lang="es-PE" sz="1400" kern="1200" dirty="0"/>
         </a:p>
       </dsp:txBody>
       <dsp:txXfrm rot="-5400000">
-        <a:off x="1038857" y="2718802"/>
-        <a:ext cx="6896343" cy="717332"/>
+        <a:off x="1038857" y="2594740"/>
+        <a:ext cx="6894204" cy="756870"/>
       </dsp:txXfrm>
     </dsp:sp>
     <dsp:sp modelId="{5D93FB81-256D-417C-9473-A7133EA5EFFF}">
@@ -7751,8 +7743,8 @@
       </dsp:nvSpPr>
       <dsp:spPr>
         <a:xfrm>
-          <a:off x="220443" y="2696574"/>
-          <a:ext cx="818413" cy="763600"/>
+          <a:off x="220443" y="2571286"/>
+          <a:ext cx="818413" cy="805688"/>
         </a:xfrm>
         <a:prstGeom prst="roundRect">
           <a:avLst/>
@@ -7818,8 +7810,8 @@
         </a:p>
       </dsp:txBody>
       <dsp:txXfrm>
-        <a:off x="257719" y="2733850"/>
-        <a:ext cx="743861" cy="689048"/>
+        <a:off x="259773" y="2610616"/>
+        <a:ext cx="739753" cy="727028"/>
       </dsp:txXfrm>
     </dsp:sp>
     <dsp:sp modelId="{FB62193B-2F1D-4A91-B26C-671F94C83B03}">
@@ -7829,8 +7821,8 @@
       </dsp:nvSpPr>
       <dsp:spPr>
         <a:xfrm rot="5400000">
-          <a:off x="4181314" y="458745"/>
-          <a:ext cx="616216" cy="6899531"/>
+          <a:off x="4164331" y="400257"/>
+          <a:ext cx="650181" cy="6899531"/>
         </a:xfrm>
         <a:prstGeom prst="round2SameRect">
           <a:avLst/>
@@ -7898,8 +7890,8 @@
         </a:p>
       </dsp:txBody>
       <dsp:txXfrm rot="-5400000">
-        <a:off x="1039657" y="3630484"/>
-        <a:ext cx="6869450" cy="556054"/>
+        <a:off x="1039657" y="3556671"/>
+        <a:ext cx="6867792" cy="586703"/>
       </dsp:txXfrm>
     </dsp:sp>
     <dsp:sp modelId="{8A58B697-73FE-43B7-BCEA-3226F7839FCE}">
@@ -7909,8 +7901,8 @@
       </dsp:nvSpPr>
       <dsp:spPr>
         <a:xfrm>
-          <a:off x="220443" y="3478203"/>
-          <a:ext cx="819213" cy="770271"/>
+          <a:off x="220443" y="3395998"/>
+          <a:ext cx="819213" cy="812727"/>
         </a:xfrm>
         <a:prstGeom prst="roundRect">
           <a:avLst/>
@@ -7976,8 +7968,8 @@
         </a:p>
       </dsp:txBody>
       <dsp:txXfrm>
-        <a:off x="258045" y="3515805"/>
-        <a:ext cx="744009" cy="695067"/>
+        <a:off x="260117" y="3435672"/>
+        <a:ext cx="739865" cy="733379"/>
       </dsp:txXfrm>
     </dsp:sp>
     <dsp:sp modelId="{453FC30B-1580-48DA-9784-2477E53F72C0}">
@@ -7987,8 +7979,8 @@
       </dsp:nvSpPr>
       <dsp:spPr>
         <a:xfrm rot="5400000">
-          <a:off x="4205954" y="1152253"/>
-          <a:ext cx="616216" cy="6948811"/>
+          <a:off x="4188971" y="1133348"/>
+          <a:ext cx="650181" cy="6948811"/>
         </a:xfrm>
         <a:prstGeom prst="round2SameRect">
           <a:avLst/>
@@ -8056,8 +8048,8 @@
         </a:p>
       </dsp:txBody>
       <dsp:txXfrm rot="-5400000">
-        <a:off x="1039657" y="4348632"/>
-        <a:ext cx="6918730" cy="556054"/>
+        <a:off x="1039657" y="4314402"/>
+        <a:ext cx="6917072" cy="586703"/>
       </dsp:txXfrm>
     </dsp:sp>
     <dsp:sp modelId="{05F5B675-A481-4090-9BE1-378A47821575}">
@@ -8067,8 +8059,8 @@
       </dsp:nvSpPr>
       <dsp:spPr>
         <a:xfrm>
-          <a:off x="220443" y="4285586"/>
-          <a:ext cx="819213" cy="682144"/>
+          <a:off x="220443" y="4247882"/>
+          <a:ext cx="819213" cy="719742"/>
         </a:xfrm>
         <a:prstGeom prst="roundRect">
           <a:avLst/>
@@ -8134,8 +8126,8 @@
         </a:p>
       </dsp:txBody>
       <dsp:txXfrm>
-        <a:off x="253743" y="4318886"/>
-        <a:ext cx="752613" cy="615544"/>
+        <a:off x="255578" y="4283017"/>
+        <a:ext cx="748943" cy="649472"/>
       </dsp:txXfrm>
     </dsp:sp>
   </dsp:spTree>
@@ -18474,7 +18466,7 @@
               <a:pPr>
                 <a:defRPr/>
               </a:pPr>
-              <a:t>30/09/2013</a:t>
+              <a:t>11/10/2013</a:t>
             </a:fld>
             <a:endParaRPr lang="es-PE"/>
           </a:p>
@@ -18672,7 +18664,7 @@
               <a:pPr>
                 <a:defRPr/>
               </a:pPr>
-              <a:t>30/09/2013</a:t>
+              <a:t>11/10/2013</a:t>
             </a:fld>
             <a:endParaRPr lang="es-PE"/>
           </a:p>
@@ -18879,7 +18871,7 @@
               <a:pPr>
                 <a:defRPr/>
               </a:pPr>
-              <a:t>30/09/2013</a:t>
+              <a:t>11/10/2013</a:t>
             </a:fld>
             <a:endParaRPr lang="es-PE"/>
           </a:p>
@@ -20324,7 +20316,7 @@
               <a:pPr>
                 <a:defRPr/>
               </a:pPr>
-              <a:t>30/09/2013</a:t>
+              <a:t>11/10/2013</a:t>
             </a:fld>
             <a:endParaRPr lang="es-PE"/>
           </a:p>
@@ -22559,7 +22551,7 @@
               <a:pPr>
                 <a:defRPr/>
               </a:pPr>
-              <a:t>30/09/2013</a:t>
+              <a:t>11/10/2013</a:t>
             </a:fld>
             <a:endParaRPr lang="es-PE"/>
           </a:p>
@@ -24798,7 +24790,7 @@
               <a:pPr>
                 <a:defRPr/>
               </a:pPr>
-              <a:t>30/09/2013</a:t>
+              <a:t>11/10/2013</a:t>
             </a:fld>
             <a:endParaRPr lang="es-PE"/>
           </a:p>
@@ -26867,7 +26859,7 @@
               <a:pPr>
                 <a:defRPr/>
               </a:pPr>
-              <a:t>30/09/2013</a:t>
+              <a:t>11/10/2013</a:t>
             </a:fld>
             <a:endParaRPr lang="es-PE"/>
           </a:p>
@@ -28407,7 +28399,7 @@
               <a:pPr>
                 <a:defRPr/>
               </a:pPr>
-              <a:t>30/09/2013</a:t>
+              <a:t>11/10/2013</a:t>
             </a:fld>
             <a:endParaRPr lang="es-PE"/>
           </a:p>
@@ -28529,7 +28521,7 @@
               <a:pPr>
                 <a:defRPr/>
               </a:pPr>
-              <a:t>30/09/2013</a:t>
+              <a:t>11/10/2013</a:t>
             </a:fld>
             <a:endParaRPr lang="es-PE"/>
           </a:p>
@@ -28833,7 +28825,7 @@
               <a:pPr>
                 <a:defRPr/>
               </a:pPr>
-              <a:t>30/09/2013</a:t>
+              <a:t>11/10/2013</a:t>
             </a:fld>
             <a:endParaRPr lang="es-PE"/>
           </a:p>
@@ -29116,7 +29108,7 @@
               <a:pPr>
                 <a:defRPr/>
               </a:pPr>
-              <a:t>30/09/2013</a:t>
+              <a:t>11/10/2013</a:t>
             </a:fld>
             <a:endParaRPr lang="es-PE"/>
           </a:p>
@@ -29403,7 +29395,7 @@
               <a:pPr>
                 <a:defRPr/>
               </a:pPr>
-              <a:t>30/09/2013</a:t>
+              <a:t>11/10/2013</a:t>
             </a:fld>
             <a:endParaRPr lang="es-PE"/>
           </a:p>
@@ -38557,23 +38549,7 @@
                   <a:srgbClr val="000000"/>
                 </a:solidFill>
               </a:rPr>
-              <a:t>Mapeo de </a:t>
-            </a:r>
-            <a:r>
-              <a:rPr lang="es-MX" sz="2400" dirty="0" smtClean="0">
-                <a:solidFill>
-                  <a:srgbClr val="000000"/>
-                </a:solidFill>
-              </a:rPr>
-              <a:t>11 </a:t>
-            </a:r>
-            <a:r>
-              <a:rPr lang="es-MX" sz="2400" dirty="0" smtClean="0">
-                <a:solidFill>
-                  <a:srgbClr val="000000"/>
-                </a:solidFill>
-              </a:rPr>
-              <a:t>clases/tablas – levantamiento de base de datos</a:t>
+              <a:t>Mapeo de 11 clases/tablas – levantamiento de base de datos</a:t>
             </a:r>
           </a:p>
           <a:p>
@@ -38590,15 +38566,7 @@
                   <a:srgbClr val="000000"/>
                 </a:solidFill>
               </a:rPr>
-              <a:t>Registro de proveedores, clientes y </a:t>
-            </a:r>
-            <a:r>
-              <a:rPr lang="es-MX" sz="2400" dirty="0" smtClean="0">
-                <a:solidFill>
-                  <a:srgbClr val="000000"/>
-                </a:solidFill>
-              </a:rPr>
-              <a:t>suministradores</a:t>
+              <a:t>Registro de proveedores, clientes y suministradores</a:t>
             </a:r>
             <a:endParaRPr lang="es-PE" sz="2400" dirty="0" smtClean="0">
               <a:solidFill>
@@ -43702,7 +43670,7 @@
           <p:nvPr>
             <p:extLst>
               <p:ext uri="{D42A27DB-BD31-4B8C-83A1-F6EECF244321}">
-                <p14:modId xmlns:p14="http://schemas.microsoft.com/office/powerpoint/2010/main" val="1531269200"/>
+                <p14:modId xmlns:p14="http://schemas.microsoft.com/office/powerpoint/2010/main" val="2413237663"/>
               </p:ext>
             </p:extLst>
           </p:nvPr>
@@ -44147,7 +44115,7 @@
           <p:nvPr>
             <p:extLst>
               <p:ext uri="{D42A27DB-BD31-4B8C-83A1-F6EECF244321}">
-                <p14:modId xmlns:p14="http://schemas.microsoft.com/office/powerpoint/2010/main" val="4027957902"/>
+                <p14:modId xmlns:p14="http://schemas.microsoft.com/office/powerpoint/2010/main" val="2629592219"/>
               </p:ext>
             </p:extLst>
           </p:nvPr>

--- a/Documentación/Presentaciones PPT/Tesis 2 - Mendez Presentación.pptx
+++ b/Documentación/Presentaciones PPT/Tesis 2 - Mendez Presentación.pptx
@@ -3926,19 +3926,7 @@
         <a:p>
           <a:r>
             <a:rPr lang="es-PE" sz="2000" b="1" dirty="0" smtClean="0"/>
-            <a:t>Objetivo Específico </a:t>
-          </a:r>
-          <a:r>
-            <a:rPr lang="es-PE" sz="2000" b="1" dirty="0" smtClean="0"/>
-            <a:t>3 </a:t>
-          </a:r>
-          <a:r>
-            <a:rPr lang="es-PE" sz="2000" b="1" dirty="0" smtClean="0"/>
-            <a:t>[</a:t>
-          </a:r>
-          <a:r>
-            <a:rPr lang="es-PE" sz="2000" b="1" dirty="0" smtClean="0"/>
-            <a:t>OE3]</a:t>
+            <a:t>Objetivo Específico 3 [OE3]</a:t>
           </a:r>
           <a:endParaRPr lang="es-PE" sz="2000" b="1" dirty="0"/>
         </a:p>
@@ -4027,11 +4015,7 @@
         <a:p>
           <a:r>
             <a:rPr lang="es-PE" b="1" dirty="0" smtClean="0"/>
-            <a:t>Objetivo Específico </a:t>
-          </a:r>
-          <a:r>
-            <a:rPr lang="es-PE" b="1" dirty="0" smtClean="0"/>
-            <a:t>2 [OE2]</a:t>
+            <a:t>Objetivo Específico 2 [OE2]</a:t>
           </a:r>
           <a:endParaRPr lang="es-PE" b="1" dirty="0"/>
         </a:p>
@@ -4880,22 +4864,22 @@
     </dgm:pt>
   </dgm:ptLst>
   <dgm:cxnLst>
+    <dgm:cxn modelId="{78C0F103-0BC0-46BC-BBBC-D58341736E99}" type="presOf" srcId="{5D56325C-A28C-4982-810F-F3CCECEC2E7D}" destId="{3C682040-43AF-4BE8-950E-E13003E6C6C7}" srcOrd="0" destOrd="0" presId="urn:microsoft.com/office/officeart/2005/8/layout/list1"/>
+    <dgm:cxn modelId="{2206174B-0967-4701-B7BB-572D079B3A22}" srcId="{3BFDB7AE-EA70-4208-99E4-6652F73E09AF}" destId="{5D56325C-A28C-4982-810F-F3CCECEC2E7D}" srcOrd="0" destOrd="0" parTransId="{5D99972C-BEA3-4759-BAAC-F0514ABC1FE1}" sibTransId="{ECCC7701-505F-42F0-B3C4-E9890A7BB77B}"/>
+    <dgm:cxn modelId="{C611089B-F9C4-4CB8-A2DC-4A6E2B8ECF02}" srcId="{924689B8-E4E2-4802-BC6B-5B17E3AC8DDF}" destId="{A43E1EE4-EA84-469B-B8E9-F87184BCD406}" srcOrd="0" destOrd="0" parTransId="{B5EEE765-35D4-4DF0-BFEC-78B63BE24D65}" sibTransId="{DFDEAEA3-03A5-44E8-ACA1-35C31669F285}"/>
+    <dgm:cxn modelId="{FB20BC1E-834C-48C0-BD4E-04A5E0873844}" srcId="{4D5D3E7B-9F50-4387-AFBC-12316FB9B2E8}" destId="{4C11F0D3-B1D8-41E5-B4ED-D28D5406ED7A}" srcOrd="0" destOrd="0" parTransId="{C60CEBD2-531F-45D5-9CB2-1FBB715F4879}" sibTransId="{A1BF3405-CB09-4D5F-AAD9-E76A127FDC0C}"/>
+    <dgm:cxn modelId="{4219486A-1AA6-4D7C-8DCD-F38DE310E10B}" type="presOf" srcId="{924689B8-E4E2-4802-BC6B-5B17E3AC8DDF}" destId="{E2ADE456-C079-4778-88D3-2ABF030BE345}" srcOrd="0" destOrd="0" presId="urn:microsoft.com/office/officeart/2005/8/layout/list1"/>
+    <dgm:cxn modelId="{26882D24-1258-440C-9950-32BA7E116E89}" type="presOf" srcId="{A43E1EE4-EA84-469B-B8E9-F87184BCD406}" destId="{FC04ED5C-48CE-49A3-98DF-4CA3B004B014}" srcOrd="0" destOrd="0" presId="urn:microsoft.com/office/officeart/2005/8/layout/list1"/>
+    <dgm:cxn modelId="{108E09CC-8703-4C9A-9F4C-239B367EEF86}" type="presOf" srcId="{3BFDB7AE-EA70-4208-99E4-6652F73E09AF}" destId="{501DDC76-9B9F-4697-8027-10EB121BC8A9}" srcOrd="1" destOrd="0" presId="urn:microsoft.com/office/officeart/2005/8/layout/list1"/>
+    <dgm:cxn modelId="{5D020E2A-D409-452B-ABB3-0EFE3A92652C}" type="presOf" srcId="{4C11F0D3-B1D8-41E5-B4ED-D28D5406ED7A}" destId="{C94856A0-C8B1-4244-B645-C266926A0AAB}" srcOrd="0" destOrd="0" presId="urn:microsoft.com/office/officeart/2005/8/layout/list1"/>
+    <dgm:cxn modelId="{9738BE00-F026-4DB2-B7F4-EA1061D3A7FF}" type="presOf" srcId="{3BFDB7AE-EA70-4208-99E4-6652F73E09AF}" destId="{0F91977E-FD5F-4F09-AD28-B3380115D8C3}" srcOrd="0" destOrd="0" presId="urn:microsoft.com/office/officeart/2005/8/layout/list1"/>
+    <dgm:cxn modelId="{D348ABC0-E7C5-475A-B6F1-B134560759E1}" type="presOf" srcId="{4D5D3E7B-9F50-4387-AFBC-12316FB9B2E8}" destId="{F126904A-86E7-4DEB-A715-98702053D074}" srcOrd="0" destOrd="0" presId="urn:microsoft.com/office/officeart/2005/8/layout/list1"/>
+    <dgm:cxn modelId="{3B487C66-25D7-4E41-A5C2-F42C47637A7A}" type="presOf" srcId="{924689B8-E4E2-4802-BC6B-5B17E3AC8DDF}" destId="{E74DBF66-3AE1-4F14-A029-A5F2D0C36F78}" srcOrd="1" destOrd="0" presId="urn:microsoft.com/office/officeart/2005/8/layout/list1"/>
+    <dgm:cxn modelId="{A1CD1BE4-A834-4463-86D1-583A19E39584}" type="presOf" srcId="{9BF01063-3BAB-4F4D-ADE8-387A89D22F7C}" destId="{159D9149-F9AA-45E8-ABA6-7AC56A21C1F8}" srcOrd="0" destOrd="0" presId="urn:microsoft.com/office/officeart/2005/8/layout/list1"/>
+    <dgm:cxn modelId="{DED07964-2F3D-434B-8896-63F590AFB3D4}" srcId="{9BF01063-3BAB-4F4D-ADE8-387A89D22F7C}" destId="{4D5D3E7B-9F50-4387-AFBC-12316FB9B2E8}" srcOrd="0" destOrd="0" parTransId="{4B140464-D0A6-4FE6-BFF1-D92A0DD7F2F3}" sibTransId="{86595B4C-0A5C-4BD5-A6B3-FDB543D91B73}"/>
+    <dgm:cxn modelId="{E344A32A-539A-4B7E-ACFA-95DEF5620BA5}" srcId="{9BF01063-3BAB-4F4D-ADE8-387A89D22F7C}" destId="{3BFDB7AE-EA70-4208-99E4-6652F73E09AF}" srcOrd="1" destOrd="0" parTransId="{54A7580C-2761-4683-A631-30A94395D65A}" sibTransId="{9EFD2A57-70D2-4814-9534-F69C1AAF4BEC}"/>
+    <dgm:cxn modelId="{418BDB1E-B14B-41A7-9D8C-9C6887C8BC7F}" type="presOf" srcId="{4D5D3E7B-9F50-4387-AFBC-12316FB9B2E8}" destId="{15417C44-1630-41CC-AC5B-95723803EAAC}" srcOrd="1" destOrd="0" presId="urn:microsoft.com/office/officeart/2005/8/layout/list1"/>
     <dgm:cxn modelId="{5BEF8FBD-F7BC-444D-94D8-BB8E5A82AA43}" srcId="{9BF01063-3BAB-4F4D-ADE8-387A89D22F7C}" destId="{924689B8-E4E2-4802-BC6B-5B17E3AC8DDF}" srcOrd="2" destOrd="0" parTransId="{670CB166-EC54-4ECF-99EE-166A3C70F39E}" sibTransId="{A9E69FD6-91A0-40D3-96F5-93981AACB6C2}"/>
-    <dgm:cxn modelId="{4219486A-1AA6-4D7C-8DCD-F38DE310E10B}" type="presOf" srcId="{924689B8-E4E2-4802-BC6B-5B17E3AC8DDF}" destId="{E2ADE456-C079-4778-88D3-2ABF030BE345}" srcOrd="0" destOrd="0" presId="urn:microsoft.com/office/officeart/2005/8/layout/list1"/>
-    <dgm:cxn modelId="{A1CD1BE4-A834-4463-86D1-583A19E39584}" type="presOf" srcId="{9BF01063-3BAB-4F4D-ADE8-387A89D22F7C}" destId="{159D9149-F9AA-45E8-ABA6-7AC56A21C1F8}" srcOrd="0" destOrd="0" presId="urn:microsoft.com/office/officeart/2005/8/layout/list1"/>
-    <dgm:cxn modelId="{5D020E2A-D409-452B-ABB3-0EFE3A92652C}" type="presOf" srcId="{4C11F0D3-B1D8-41E5-B4ED-D28D5406ED7A}" destId="{C94856A0-C8B1-4244-B645-C266926A0AAB}" srcOrd="0" destOrd="0" presId="urn:microsoft.com/office/officeart/2005/8/layout/list1"/>
-    <dgm:cxn modelId="{FB20BC1E-834C-48C0-BD4E-04A5E0873844}" srcId="{4D5D3E7B-9F50-4387-AFBC-12316FB9B2E8}" destId="{4C11F0D3-B1D8-41E5-B4ED-D28D5406ED7A}" srcOrd="0" destOrd="0" parTransId="{C60CEBD2-531F-45D5-9CB2-1FBB715F4879}" sibTransId="{A1BF3405-CB09-4D5F-AAD9-E76A127FDC0C}"/>
-    <dgm:cxn modelId="{9738BE00-F026-4DB2-B7F4-EA1061D3A7FF}" type="presOf" srcId="{3BFDB7AE-EA70-4208-99E4-6652F73E09AF}" destId="{0F91977E-FD5F-4F09-AD28-B3380115D8C3}" srcOrd="0" destOrd="0" presId="urn:microsoft.com/office/officeart/2005/8/layout/list1"/>
-    <dgm:cxn modelId="{3B487C66-25D7-4E41-A5C2-F42C47637A7A}" type="presOf" srcId="{924689B8-E4E2-4802-BC6B-5B17E3AC8DDF}" destId="{E74DBF66-3AE1-4F14-A029-A5F2D0C36F78}" srcOrd="1" destOrd="0" presId="urn:microsoft.com/office/officeart/2005/8/layout/list1"/>
-    <dgm:cxn modelId="{26882D24-1258-440C-9950-32BA7E116E89}" type="presOf" srcId="{A43E1EE4-EA84-469B-B8E9-F87184BCD406}" destId="{FC04ED5C-48CE-49A3-98DF-4CA3B004B014}" srcOrd="0" destOrd="0" presId="urn:microsoft.com/office/officeart/2005/8/layout/list1"/>
-    <dgm:cxn modelId="{418BDB1E-B14B-41A7-9D8C-9C6887C8BC7F}" type="presOf" srcId="{4D5D3E7B-9F50-4387-AFBC-12316FB9B2E8}" destId="{15417C44-1630-41CC-AC5B-95723803EAAC}" srcOrd="1" destOrd="0" presId="urn:microsoft.com/office/officeart/2005/8/layout/list1"/>
-    <dgm:cxn modelId="{78C0F103-0BC0-46BC-BBBC-D58341736E99}" type="presOf" srcId="{5D56325C-A28C-4982-810F-F3CCECEC2E7D}" destId="{3C682040-43AF-4BE8-950E-E13003E6C6C7}" srcOrd="0" destOrd="0" presId="urn:microsoft.com/office/officeart/2005/8/layout/list1"/>
-    <dgm:cxn modelId="{E344A32A-539A-4B7E-ACFA-95DEF5620BA5}" srcId="{9BF01063-3BAB-4F4D-ADE8-387A89D22F7C}" destId="{3BFDB7AE-EA70-4208-99E4-6652F73E09AF}" srcOrd="1" destOrd="0" parTransId="{54A7580C-2761-4683-A631-30A94395D65A}" sibTransId="{9EFD2A57-70D2-4814-9534-F69C1AAF4BEC}"/>
-    <dgm:cxn modelId="{108E09CC-8703-4C9A-9F4C-239B367EEF86}" type="presOf" srcId="{3BFDB7AE-EA70-4208-99E4-6652F73E09AF}" destId="{501DDC76-9B9F-4697-8027-10EB121BC8A9}" srcOrd="1" destOrd="0" presId="urn:microsoft.com/office/officeart/2005/8/layout/list1"/>
-    <dgm:cxn modelId="{DED07964-2F3D-434B-8896-63F590AFB3D4}" srcId="{9BF01063-3BAB-4F4D-ADE8-387A89D22F7C}" destId="{4D5D3E7B-9F50-4387-AFBC-12316FB9B2E8}" srcOrd="0" destOrd="0" parTransId="{4B140464-D0A6-4FE6-BFF1-D92A0DD7F2F3}" sibTransId="{86595B4C-0A5C-4BD5-A6B3-FDB543D91B73}"/>
-    <dgm:cxn modelId="{2206174B-0967-4701-B7BB-572D079B3A22}" srcId="{3BFDB7AE-EA70-4208-99E4-6652F73E09AF}" destId="{5D56325C-A28C-4982-810F-F3CCECEC2E7D}" srcOrd="0" destOrd="0" parTransId="{5D99972C-BEA3-4759-BAAC-F0514ABC1FE1}" sibTransId="{ECCC7701-505F-42F0-B3C4-E9890A7BB77B}"/>
-    <dgm:cxn modelId="{D348ABC0-E7C5-475A-B6F1-B134560759E1}" type="presOf" srcId="{4D5D3E7B-9F50-4387-AFBC-12316FB9B2E8}" destId="{F126904A-86E7-4DEB-A715-98702053D074}" srcOrd="0" destOrd="0" presId="urn:microsoft.com/office/officeart/2005/8/layout/list1"/>
-    <dgm:cxn modelId="{C611089B-F9C4-4CB8-A2DC-4A6E2B8ECF02}" srcId="{924689B8-E4E2-4802-BC6B-5B17E3AC8DDF}" destId="{A43E1EE4-EA84-469B-B8E9-F87184BCD406}" srcOrd="0" destOrd="0" parTransId="{B5EEE765-35D4-4DF0-BFEC-78B63BE24D65}" sibTransId="{DFDEAEA3-03A5-44E8-ACA1-35C31669F285}"/>
     <dgm:cxn modelId="{BE00BBB3-1184-461B-97F7-D315BDD3D691}" type="presParOf" srcId="{159D9149-F9AA-45E8-ABA6-7AC56A21C1F8}" destId="{1063D51E-A931-450E-B6C9-26E16E6105C8}" srcOrd="0" destOrd="0" presId="urn:microsoft.com/office/officeart/2005/8/layout/list1"/>
     <dgm:cxn modelId="{79CF50A7-E302-42DE-B4FA-14593CA58892}" type="presParOf" srcId="{1063D51E-A931-450E-B6C9-26E16E6105C8}" destId="{F126904A-86E7-4DEB-A715-98702053D074}" srcOrd="0" destOrd="0" presId="urn:microsoft.com/office/officeart/2005/8/layout/list1"/>
     <dgm:cxn modelId="{3ABCB8CF-0045-4A73-BD75-619AA227F38A}" type="presParOf" srcId="{1063D51E-A931-450E-B6C9-26E16E6105C8}" destId="{15417C44-1630-41CC-AC5B-95723803EAAC}" srcOrd="1" destOrd="0" presId="urn:microsoft.com/office/officeart/2005/8/layout/list1"/>
@@ -5288,7 +5272,11 @@
         <a:p>
           <a:r>
             <a:rPr lang="es-ES_tradnl" sz="1400" dirty="0" smtClean="0"/>
-            <a:t>Cuadro comparativo entre herramientas y tecnologías disponibles a fin de seleccionar aquellas que se van a utilizar en el proyecto.</a:t>
+            <a:t>Documento y cuadro </a:t>
+          </a:r>
+          <a:r>
+            <a:rPr lang="es-ES_tradnl" sz="1400" dirty="0" smtClean="0"/>
+            <a:t>comparativo entre herramientas y tecnologías disponibles a fin de seleccionar aquellas que se van a utilizar en el proyecto.</a:t>
           </a:r>
           <a:endParaRPr lang="es-PE" sz="1400" dirty="0"/>
         </a:p>
@@ -6404,11 +6392,7 @@
           </a:pPr>
           <a:r>
             <a:rPr lang="es-PE" sz="2000" b="1" kern="1200" dirty="0" smtClean="0"/>
-            <a:t>Objetivo Específico </a:t>
-          </a:r>
-          <a:r>
-            <a:rPr lang="es-PE" sz="2000" b="1" kern="1200" dirty="0" smtClean="0"/>
-            <a:t>2 [OE2]</a:t>
+            <a:t>Objetivo Específico 2 [OE2]</a:t>
           </a:r>
           <a:endParaRPr lang="es-PE" sz="2000" b="1" kern="1200" dirty="0"/>
         </a:p>
@@ -6613,19 +6597,7 @@
           </a:pPr>
           <a:r>
             <a:rPr lang="es-PE" sz="2000" b="1" kern="1200" dirty="0" smtClean="0"/>
-            <a:t>Objetivo Específico </a:t>
-          </a:r>
-          <a:r>
-            <a:rPr lang="es-PE" sz="2000" b="1" kern="1200" dirty="0" smtClean="0"/>
-            <a:t>3 </a:t>
-          </a:r>
-          <a:r>
-            <a:rPr lang="es-PE" sz="2000" b="1" kern="1200" dirty="0" smtClean="0"/>
-            <a:t>[</a:t>
-          </a:r>
-          <a:r>
-            <a:rPr lang="es-PE" sz="2000" b="1" kern="1200" dirty="0" smtClean="0"/>
-            <a:t>OE3]</a:t>
+            <a:t>Objetivo Específico 3 [OE3]</a:t>
           </a:r>
           <a:endParaRPr lang="es-PE" sz="2000" b="1" kern="1200" dirty="0"/>
         </a:p>
@@ -7884,7 +7856,11 @@
           </a:pPr>
           <a:r>
             <a:rPr lang="es-ES_tradnl" sz="1400" kern="1200" dirty="0" smtClean="0"/>
-            <a:t>Cuadro comparativo entre herramientas y tecnologías disponibles a fin de seleccionar aquellas que se van a utilizar en el proyecto.</a:t>
+            <a:t>Documento y cuadro </a:t>
+          </a:r>
+          <a:r>
+            <a:rPr lang="es-ES_tradnl" sz="1400" kern="1200" dirty="0" smtClean="0"/>
+            <a:t>comparativo entre herramientas y tecnologías disponibles a fin de seleccionar aquellas que se van a utilizar en el proyecto.</a:t>
           </a:r>
           <a:endParaRPr lang="es-PE" sz="1400" kern="1200" dirty="0"/>
         </a:p>
@@ -18466,7 +18442,7 @@
               <a:pPr>
                 <a:defRPr/>
               </a:pPr>
-              <a:t>11/10/2013</a:t>
+              <a:t>12/10/2013</a:t>
             </a:fld>
             <a:endParaRPr lang="es-PE"/>
           </a:p>
@@ -18664,7 +18640,7 @@
               <a:pPr>
                 <a:defRPr/>
               </a:pPr>
-              <a:t>11/10/2013</a:t>
+              <a:t>12/10/2013</a:t>
             </a:fld>
             <a:endParaRPr lang="es-PE"/>
           </a:p>
@@ -18871,7 +18847,7 @@
               <a:pPr>
                 <a:defRPr/>
               </a:pPr>
-              <a:t>11/10/2013</a:t>
+              <a:t>12/10/2013</a:t>
             </a:fld>
             <a:endParaRPr lang="es-PE"/>
           </a:p>
@@ -20316,7 +20292,7 @@
               <a:pPr>
                 <a:defRPr/>
               </a:pPr>
-              <a:t>11/10/2013</a:t>
+              <a:t>12/10/2013</a:t>
             </a:fld>
             <a:endParaRPr lang="es-PE"/>
           </a:p>
@@ -22551,7 +22527,7 @@
               <a:pPr>
                 <a:defRPr/>
               </a:pPr>
-              <a:t>11/10/2013</a:t>
+              <a:t>12/10/2013</a:t>
             </a:fld>
             <a:endParaRPr lang="es-PE"/>
           </a:p>
@@ -24790,7 +24766,7 @@
               <a:pPr>
                 <a:defRPr/>
               </a:pPr>
-              <a:t>11/10/2013</a:t>
+              <a:t>12/10/2013</a:t>
             </a:fld>
             <a:endParaRPr lang="es-PE"/>
           </a:p>
@@ -26859,7 +26835,7 @@
               <a:pPr>
                 <a:defRPr/>
               </a:pPr>
-              <a:t>11/10/2013</a:t>
+              <a:t>12/10/2013</a:t>
             </a:fld>
             <a:endParaRPr lang="es-PE"/>
           </a:p>
@@ -28399,7 +28375,7 @@
               <a:pPr>
                 <a:defRPr/>
               </a:pPr>
-              <a:t>11/10/2013</a:t>
+              <a:t>12/10/2013</a:t>
             </a:fld>
             <a:endParaRPr lang="es-PE"/>
           </a:p>
@@ -28521,7 +28497,7 @@
               <a:pPr>
                 <a:defRPr/>
               </a:pPr>
-              <a:t>11/10/2013</a:t>
+              <a:t>12/10/2013</a:t>
             </a:fld>
             <a:endParaRPr lang="es-PE"/>
           </a:p>
@@ -28825,7 +28801,7 @@
               <a:pPr>
                 <a:defRPr/>
               </a:pPr>
-              <a:t>11/10/2013</a:t>
+              <a:t>12/10/2013</a:t>
             </a:fld>
             <a:endParaRPr lang="es-PE"/>
           </a:p>
@@ -29108,7 +29084,7 @@
               <a:pPr>
                 <a:defRPr/>
               </a:pPr>
-              <a:t>11/10/2013</a:t>
+              <a:t>12/10/2013</a:t>
             </a:fld>
             <a:endParaRPr lang="es-PE"/>
           </a:p>
@@ -29395,7 +29371,7 @@
               <a:pPr>
                 <a:defRPr/>
               </a:pPr>
-              <a:t>11/10/2013</a:t>
+              <a:t>12/10/2013</a:t>
             </a:fld>
             <a:endParaRPr lang="es-PE"/>
           </a:p>
@@ -44115,7 +44091,7 @@
           <p:nvPr>
             <p:extLst>
               <p:ext uri="{D42A27DB-BD31-4B8C-83A1-F6EECF244321}">
-                <p14:modId xmlns:p14="http://schemas.microsoft.com/office/powerpoint/2010/main" val="2629592219"/>
+                <p14:modId xmlns:p14="http://schemas.microsoft.com/office/powerpoint/2010/main" val="668466049"/>
               </p:ext>
             </p:extLst>
           </p:nvPr>

--- a/Documentación/Presentaciones PPT/Tesis 2 - Mendez Presentación.pptx
+++ b/Documentación/Presentaciones PPT/Tesis 2 - Mendez Presentación.pptx
@@ -4864,22 +4864,22 @@
     </dgm:pt>
   </dgm:ptLst>
   <dgm:cxnLst>
+    <dgm:cxn modelId="{5BEF8FBD-F7BC-444D-94D8-BB8E5A82AA43}" srcId="{9BF01063-3BAB-4F4D-ADE8-387A89D22F7C}" destId="{924689B8-E4E2-4802-BC6B-5B17E3AC8DDF}" srcOrd="2" destOrd="0" parTransId="{670CB166-EC54-4ECF-99EE-166A3C70F39E}" sibTransId="{A9E69FD6-91A0-40D3-96F5-93981AACB6C2}"/>
+    <dgm:cxn modelId="{4219486A-1AA6-4D7C-8DCD-F38DE310E10B}" type="presOf" srcId="{924689B8-E4E2-4802-BC6B-5B17E3AC8DDF}" destId="{E2ADE456-C079-4778-88D3-2ABF030BE345}" srcOrd="0" destOrd="0" presId="urn:microsoft.com/office/officeart/2005/8/layout/list1"/>
+    <dgm:cxn modelId="{A1CD1BE4-A834-4463-86D1-583A19E39584}" type="presOf" srcId="{9BF01063-3BAB-4F4D-ADE8-387A89D22F7C}" destId="{159D9149-F9AA-45E8-ABA6-7AC56A21C1F8}" srcOrd="0" destOrd="0" presId="urn:microsoft.com/office/officeart/2005/8/layout/list1"/>
+    <dgm:cxn modelId="{5D020E2A-D409-452B-ABB3-0EFE3A92652C}" type="presOf" srcId="{4C11F0D3-B1D8-41E5-B4ED-D28D5406ED7A}" destId="{C94856A0-C8B1-4244-B645-C266926A0AAB}" srcOrd="0" destOrd="0" presId="urn:microsoft.com/office/officeart/2005/8/layout/list1"/>
+    <dgm:cxn modelId="{FB20BC1E-834C-48C0-BD4E-04A5E0873844}" srcId="{4D5D3E7B-9F50-4387-AFBC-12316FB9B2E8}" destId="{4C11F0D3-B1D8-41E5-B4ED-D28D5406ED7A}" srcOrd="0" destOrd="0" parTransId="{C60CEBD2-531F-45D5-9CB2-1FBB715F4879}" sibTransId="{A1BF3405-CB09-4D5F-AAD9-E76A127FDC0C}"/>
+    <dgm:cxn modelId="{9738BE00-F026-4DB2-B7F4-EA1061D3A7FF}" type="presOf" srcId="{3BFDB7AE-EA70-4208-99E4-6652F73E09AF}" destId="{0F91977E-FD5F-4F09-AD28-B3380115D8C3}" srcOrd="0" destOrd="0" presId="urn:microsoft.com/office/officeart/2005/8/layout/list1"/>
+    <dgm:cxn modelId="{3B487C66-25D7-4E41-A5C2-F42C47637A7A}" type="presOf" srcId="{924689B8-E4E2-4802-BC6B-5B17E3AC8DDF}" destId="{E74DBF66-3AE1-4F14-A029-A5F2D0C36F78}" srcOrd="1" destOrd="0" presId="urn:microsoft.com/office/officeart/2005/8/layout/list1"/>
+    <dgm:cxn modelId="{26882D24-1258-440C-9950-32BA7E116E89}" type="presOf" srcId="{A43E1EE4-EA84-469B-B8E9-F87184BCD406}" destId="{FC04ED5C-48CE-49A3-98DF-4CA3B004B014}" srcOrd="0" destOrd="0" presId="urn:microsoft.com/office/officeart/2005/8/layout/list1"/>
+    <dgm:cxn modelId="{418BDB1E-B14B-41A7-9D8C-9C6887C8BC7F}" type="presOf" srcId="{4D5D3E7B-9F50-4387-AFBC-12316FB9B2E8}" destId="{15417C44-1630-41CC-AC5B-95723803EAAC}" srcOrd="1" destOrd="0" presId="urn:microsoft.com/office/officeart/2005/8/layout/list1"/>
     <dgm:cxn modelId="{78C0F103-0BC0-46BC-BBBC-D58341736E99}" type="presOf" srcId="{5D56325C-A28C-4982-810F-F3CCECEC2E7D}" destId="{3C682040-43AF-4BE8-950E-E13003E6C6C7}" srcOrd="0" destOrd="0" presId="urn:microsoft.com/office/officeart/2005/8/layout/list1"/>
+    <dgm:cxn modelId="{E344A32A-539A-4B7E-ACFA-95DEF5620BA5}" srcId="{9BF01063-3BAB-4F4D-ADE8-387A89D22F7C}" destId="{3BFDB7AE-EA70-4208-99E4-6652F73E09AF}" srcOrd="1" destOrd="0" parTransId="{54A7580C-2761-4683-A631-30A94395D65A}" sibTransId="{9EFD2A57-70D2-4814-9534-F69C1AAF4BEC}"/>
+    <dgm:cxn modelId="{108E09CC-8703-4C9A-9F4C-239B367EEF86}" type="presOf" srcId="{3BFDB7AE-EA70-4208-99E4-6652F73E09AF}" destId="{501DDC76-9B9F-4697-8027-10EB121BC8A9}" srcOrd="1" destOrd="0" presId="urn:microsoft.com/office/officeart/2005/8/layout/list1"/>
+    <dgm:cxn modelId="{DED07964-2F3D-434B-8896-63F590AFB3D4}" srcId="{9BF01063-3BAB-4F4D-ADE8-387A89D22F7C}" destId="{4D5D3E7B-9F50-4387-AFBC-12316FB9B2E8}" srcOrd="0" destOrd="0" parTransId="{4B140464-D0A6-4FE6-BFF1-D92A0DD7F2F3}" sibTransId="{86595B4C-0A5C-4BD5-A6B3-FDB543D91B73}"/>
     <dgm:cxn modelId="{2206174B-0967-4701-B7BB-572D079B3A22}" srcId="{3BFDB7AE-EA70-4208-99E4-6652F73E09AF}" destId="{5D56325C-A28C-4982-810F-F3CCECEC2E7D}" srcOrd="0" destOrd="0" parTransId="{5D99972C-BEA3-4759-BAAC-F0514ABC1FE1}" sibTransId="{ECCC7701-505F-42F0-B3C4-E9890A7BB77B}"/>
+    <dgm:cxn modelId="{D348ABC0-E7C5-475A-B6F1-B134560759E1}" type="presOf" srcId="{4D5D3E7B-9F50-4387-AFBC-12316FB9B2E8}" destId="{F126904A-86E7-4DEB-A715-98702053D074}" srcOrd="0" destOrd="0" presId="urn:microsoft.com/office/officeart/2005/8/layout/list1"/>
     <dgm:cxn modelId="{C611089B-F9C4-4CB8-A2DC-4A6E2B8ECF02}" srcId="{924689B8-E4E2-4802-BC6B-5B17E3AC8DDF}" destId="{A43E1EE4-EA84-469B-B8E9-F87184BCD406}" srcOrd="0" destOrd="0" parTransId="{B5EEE765-35D4-4DF0-BFEC-78B63BE24D65}" sibTransId="{DFDEAEA3-03A5-44E8-ACA1-35C31669F285}"/>
-    <dgm:cxn modelId="{FB20BC1E-834C-48C0-BD4E-04A5E0873844}" srcId="{4D5D3E7B-9F50-4387-AFBC-12316FB9B2E8}" destId="{4C11F0D3-B1D8-41E5-B4ED-D28D5406ED7A}" srcOrd="0" destOrd="0" parTransId="{C60CEBD2-531F-45D5-9CB2-1FBB715F4879}" sibTransId="{A1BF3405-CB09-4D5F-AAD9-E76A127FDC0C}"/>
-    <dgm:cxn modelId="{4219486A-1AA6-4D7C-8DCD-F38DE310E10B}" type="presOf" srcId="{924689B8-E4E2-4802-BC6B-5B17E3AC8DDF}" destId="{E2ADE456-C079-4778-88D3-2ABF030BE345}" srcOrd="0" destOrd="0" presId="urn:microsoft.com/office/officeart/2005/8/layout/list1"/>
-    <dgm:cxn modelId="{26882D24-1258-440C-9950-32BA7E116E89}" type="presOf" srcId="{A43E1EE4-EA84-469B-B8E9-F87184BCD406}" destId="{FC04ED5C-48CE-49A3-98DF-4CA3B004B014}" srcOrd="0" destOrd="0" presId="urn:microsoft.com/office/officeart/2005/8/layout/list1"/>
-    <dgm:cxn modelId="{108E09CC-8703-4C9A-9F4C-239B367EEF86}" type="presOf" srcId="{3BFDB7AE-EA70-4208-99E4-6652F73E09AF}" destId="{501DDC76-9B9F-4697-8027-10EB121BC8A9}" srcOrd="1" destOrd="0" presId="urn:microsoft.com/office/officeart/2005/8/layout/list1"/>
-    <dgm:cxn modelId="{5D020E2A-D409-452B-ABB3-0EFE3A92652C}" type="presOf" srcId="{4C11F0D3-B1D8-41E5-B4ED-D28D5406ED7A}" destId="{C94856A0-C8B1-4244-B645-C266926A0AAB}" srcOrd="0" destOrd="0" presId="urn:microsoft.com/office/officeart/2005/8/layout/list1"/>
-    <dgm:cxn modelId="{9738BE00-F026-4DB2-B7F4-EA1061D3A7FF}" type="presOf" srcId="{3BFDB7AE-EA70-4208-99E4-6652F73E09AF}" destId="{0F91977E-FD5F-4F09-AD28-B3380115D8C3}" srcOrd="0" destOrd="0" presId="urn:microsoft.com/office/officeart/2005/8/layout/list1"/>
-    <dgm:cxn modelId="{D348ABC0-E7C5-475A-B6F1-B134560759E1}" type="presOf" srcId="{4D5D3E7B-9F50-4387-AFBC-12316FB9B2E8}" destId="{F126904A-86E7-4DEB-A715-98702053D074}" srcOrd="0" destOrd="0" presId="urn:microsoft.com/office/officeart/2005/8/layout/list1"/>
-    <dgm:cxn modelId="{3B487C66-25D7-4E41-A5C2-F42C47637A7A}" type="presOf" srcId="{924689B8-E4E2-4802-BC6B-5B17E3AC8DDF}" destId="{E74DBF66-3AE1-4F14-A029-A5F2D0C36F78}" srcOrd="1" destOrd="0" presId="urn:microsoft.com/office/officeart/2005/8/layout/list1"/>
-    <dgm:cxn modelId="{A1CD1BE4-A834-4463-86D1-583A19E39584}" type="presOf" srcId="{9BF01063-3BAB-4F4D-ADE8-387A89D22F7C}" destId="{159D9149-F9AA-45E8-ABA6-7AC56A21C1F8}" srcOrd="0" destOrd="0" presId="urn:microsoft.com/office/officeart/2005/8/layout/list1"/>
-    <dgm:cxn modelId="{DED07964-2F3D-434B-8896-63F590AFB3D4}" srcId="{9BF01063-3BAB-4F4D-ADE8-387A89D22F7C}" destId="{4D5D3E7B-9F50-4387-AFBC-12316FB9B2E8}" srcOrd="0" destOrd="0" parTransId="{4B140464-D0A6-4FE6-BFF1-D92A0DD7F2F3}" sibTransId="{86595B4C-0A5C-4BD5-A6B3-FDB543D91B73}"/>
-    <dgm:cxn modelId="{E344A32A-539A-4B7E-ACFA-95DEF5620BA5}" srcId="{9BF01063-3BAB-4F4D-ADE8-387A89D22F7C}" destId="{3BFDB7AE-EA70-4208-99E4-6652F73E09AF}" srcOrd="1" destOrd="0" parTransId="{54A7580C-2761-4683-A631-30A94395D65A}" sibTransId="{9EFD2A57-70D2-4814-9534-F69C1AAF4BEC}"/>
-    <dgm:cxn modelId="{418BDB1E-B14B-41A7-9D8C-9C6887C8BC7F}" type="presOf" srcId="{4D5D3E7B-9F50-4387-AFBC-12316FB9B2E8}" destId="{15417C44-1630-41CC-AC5B-95723803EAAC}" srcOrd="1" destOrd="0" presId="urn:microsoft.com/office/officeart/2005/8/layout/list1"/>
-    <dgm:cxn modelId="{5BEF8FBD-F7BC-444D-94D8-BB8E5A82AA43}" srcId="{9BF01063-3BAB-4F4D-ADE8-387A89D22F7C}" destId="{924689B8-E4E2-4802-BC6B-5B17E3AC8DDF}" srcOrd="2" destOrd="0" parTransId="{670CB166-EC54-4ECF-99EE-166A3C70F39E}" sibTransId="{A9E69FD6-91A0-40D3-96F5-93981AACB6C2}"/>
     <dgm:cxn modelId="{BE00BBB3-1184-461B-97F7-D315BDD3D691}" type="presParOf" srcId="{159D9149-F9AA-45E8-ABA6-7AC56A21C1F8}" destId="{1063D51E-A931-450E-B6C9-26E16E6105C8}" srcOrd="0" destOrd="0" presId="urn:microsoft.com/office/officeart/2005/8/layout/list1"/>
     <dgm:cxn modelId="{79CF50A7-E302-42DE-B4FA-14593CA58892}" type="presParOf" srcId="{1063D51E-A931-450E-B6C9-26E16E6105C8}" destId="{F126904A-86E7-4DEB-A715-98702053D074}" srcOrd="0" destOrd="0" presId="urn:microsoft.com/office/officeart/2005/8/layout/list1"/>
     <dgm:cxn modelId="{3ABCB8CF-0045-4A73-BD75-619AA227F38A}" type="presParOf" srcId="{1063D51E-A931-450E-B6C9-26E16E6105C8}" destId="{15417C44-1630-41CC-AC5B-95723803EAAC}" srcOrd="1" destOrd="0" presId="urn:microsoft.com/office/officeart/2005/8/layout/list1"/>
@@ -5272,11 +5272,7 @@
         <a:p>
           <a:r>
             <a:rPr lang="es-ES_tradnl" sz="1400" dirty="0" smtClean="0"/>
-            <a:t>Documento y cuadro </a:t>
-          </a:r>
-          <a:r>
-            <a:rPr lang="es-ES_tradnl" sz="1400" dirty="0" smtClean="0"/>
-            <a:t>comparativo entre herramientas y tecnologías disponibles a fin de seleccionar aquellas que se van a utilizar en el proyecto.</a:t>
+            <a:t>Documento y cuadro comparativo entre herramientas y tecnologías disponibles a fin de seleccionar aquellas que se van a utilizar en el proyecto.</a:t>
           </a:r>
           <a:endParaRPr lang="es-PE" sz="1400" dirty="0"/>
         </a:p>
@@ -7856,11 +7852,7 @@
           </a:pPr>
           <a:r>
             <a:rPr lang="es-ES_tradnl" sz="1400" kern="1200" dirty="0" smtClean="0"/>
-            <a:t>Documento y cuadro </a:t>
-          </a:r>
-          <a:r>
-            <a:rPr lang="es-ES_tradnl" sz="1400" kern="1200" dirty="0" smtClean="0"/>
-            <a:t>comparativo entre herramientas y tecnologías disponibles a fin de seleccionar aquellas que se van a utilizar en el proyecto.</a:t>
+            <a:t>Documento y cuadro comparativo entre herramientas y tecnologías disponibles a fin de seleccionar aquellas que se van a utilizar en el proyecto.</a:t>
           </a:r>
           <a:endParaRPr lang="es-PE" sz="1400" kern="1200" dirty="0"/>
         </a:p>
@@ -18442,7 +18434,7 @@
               <a:pPr>
                 <a:defRPr/>
               </a:pPr>
-              <a:t>12/10/2013</a:t>
+              <a:t>26/10/2013</a:t>
             </a:fld>
             <a:endParaRPr lang="es-PE"/>
           </a:p>
@@ -18640,7 +18632,7 @@
               <a:pPr>
                 <a:defRPr/>
               </a:pPr>
-              <a:t>12/10/2013</a:t>
+              <a:t>26/10/2013</a:t>
             </a:fld>
             <a:endParaRPr lang="es-PE"/>
           </a:p>
@@ -18847,7 +18839,7 @@
               <a:pPr>
                 <a:defRPr/>
               </a:pPr>
-              <a:t>12/10/2013</a:t>
+              <a:t>26/10/2013</a:t>
             </a:fld>
             <a:endParaRPr lang="es-PE"/>
           </a:p>
@@ -20292,7 +20284,7 @@
               <a:pPr>
                 <a:defRPr/>
               </a:pPr>
-              <a:t>12/10/2013</a:t>
+              <a:t>26/10/2013</a:t>
             </a:fld>
             <a:endParaRPr lang="es-PE"/>
           </a:p>
@@ -22527,7 +22519,7 @@
               <a:pPr>
                 <a:defRPr/>
               </a:pPr>
-              <a:t>12/10/2013</a:t>
+              <a:t>26/10/2013</a:t>
             </a:fld>
             <a:endParaRPr lang="es-PE"/>
           </a:p>
@@ -24766,7 +24758,7 @@
               <a:pPr>
                 <a:defRPr/>
               </a:pPr>
-              <a:t>12/10/2013</a:t>
+              <a:t>26/10/2013</a:t>
             </a:fld>
             <a:endParaRPr lang="es-PE"/>
           </a:p>
@@ -26835,7 +26827,7 @@
               <a:pPr>
                 <a:defRPr/>
               </a:pPr>
-              <a:t>12/10/2013</a:t>
+              <a:t>26/10/2013</a:t>
             </a:fld>
             <a:endParaRPr lang="es-PE"/>
           </a:p>
@@ -28375,7 +28367,7 @@
               <a:pPr>
                 <a:defRPr/>
               </a:pPr>
-              <a:t>12/10/2013</a:t>
+              <a:t>26/10/2013</a:t>
             </a:fld>
             <a:endParaRPr lang="es-PE"/>
           </a:p>
@@ -28497,7 +28489,7 @@
               <a:pPr>
                 <a:defRPr/>
               </a:pPr>
-              <a:t>12/10/2013</a:t>
+              <a:t>26/10/2013</a:t>
             </a:fld>
             <a:endParaRPr lang="es-PE"/>
           </a:p>
@@ -28801,7 +28793,7 @@
               <a:pPr>
                 <a:defRPr/>
               </a:pPr>
-              <a:t>12/10/2013</a:t>
+              <a:t>26/10/2013</a:t>
             </a:fld>
             <a:endParaRPr lang="es-PE"/>
           </a:p>
@@ -29084,7 +29076,7 @@
               <a:pPr>
                 <a:defRPr/>
               </a:pPr>
-              <a:t>12/10/2013</a:t>
+              <a:t>26/10/2013</a:t>
             </a:fld>
             <a:endParaRPr lang="es-PE"/>
           </a:p>
@@ -29371,7 +29363,7 @@
               <a:pPr>
                 <a:defRPr/>
               </a:pPr>
-              <a:t>12/10/2013</a:t>
+              <a:t>26/10/2013</a:t>
             </a:fld>
             <a:endParaRPr lang="es-PE"/>
           </a:p>
@@ -40293,15 +40285,16 @@
                   <a:srgbClr val="000000"/>
                 </a:solidFill>
               </a:rPr>
-              <a:t>ANÁLISIS, DISEÑO E IMPLEMENTACIÓN DE UN SISTEMA DE INFORMACIÓN PARA LA GESTIÓN DE ENTREGA DE SERVICIOS GENERALES Y MANTENIMIENTO A HOGARES</a:t>
-            </a:r>
-          </a:p>
-          <a:p>
-            <a:pPr lvl="0" algn="ctr">
-              <a:lnSpc>
-                <a:spcPct val="110000"/>
-              </a:lnSpc>
-            </a:pPr>
+              <a:t>ANÁLISIS, DISEÑO E IMPLEMENTACIÓN DE UN SISTEMA DE INFORMACIÓN PARA LA GESTIÓN DE ENTREGA DE SERVICIOS </a:t>
+            </a:r>
+            <a:r>
+              <a:rPr lang="es-PE" sz="2000" b="1" dirty="0" smtClean="0">
+                <a:solidFill>
+                  <a:srgbClr val="000000"/>
+                </a:solidFill>
+              </a:rPr>
+              <a:t>GENERALES</a:t>
+            </a:r>
             <a:endParaRPr lang="pt-BR" sz="2400" b="1" dirty="0">
               <a:solidFill>
                 <a:srgbClr val="000000"/>
